--- a/Documentation/Why_SmallJS.pptx
+++ b/Documentation/Why_SmallJS.pptx
@@ -207,7 +207,7 @@
           <a:p>
             <a:fld id="{7EE9B6BF-FCD1-4AFD-A293-49BDC34FBA2C}" type="datetimeFigureOut">
               <a:rPr lang="nl-NL" smtClean="0"/>
-              <a:t>6-8-2023</a:t>
+              <a:t>14-9-2023</a:t>
             </a:fld>
             <a:endParaRPr lang="nl-NL" dirty="0"/>
           </a:p>
@@ -2198,7 +2198,7 @@
           <a:p>
             <a:fld id="{4D9E9568-0F03-4866-87AD-CAF9FA4FA032}" type="datetimeFigureOut">
               <a:rPr lang="nl-NL" smtClean="0"/>
-              <a:t>6-8-2023</a:t>
+              <a:t>14-9-2023</a:t>
             </a:fld>
             <a:endParaRPr lang="nl-NL" dirty="0"/>
           </a:p>
@@ -2449,7 +2449,7 @@
           <a:p>
             <a:fld id="{4D9E9568-0F03-4866-87AD-CAF9FA4FA032}" type="datetimeFigureOut">
               <a:rPr lang="nl-NL" smtClean="0"/>
-              <a:t>6-8-2023</a:t>
+              <a:t>14-9-2023</a:t>
             </a:fld>
             <a:endParaRPr lang="nl-NL" dirty="0"/>
           </a:p>
@@ -2763,7 +2763,7 @@
           <a:p>
             <a:fld id="{4D9E9568-0F03-4866-87AD-CAF9FA4FA032}" type="datetimeFigureOut">
               <a:rPr lang="nl-NL" smtClean="0"/>
-              <a:t>6-8-2023</a:t>
+              <a:t>14-9-2023</a:t>
             </a:fld>
             <a:endParaRPr lang="nl-NL" dirty="0"/>
           </a:p>
@@ -3096,7 +3096,7 @@
           <a:p>
             <a:fld id="{4D9E9568-0F03-4866-87AD-CAF9FA4FA032}" type="datetimeFigureOut">
               <a:rPr lang="nl-NL" smtClean="0"/>
-              <a:t>6-8-2023</a:t>
+              <a:t>14-9-2023</a:t>
             </a:fld>
             <a:endParaRPr lang="nl-NL" dirty="0"/>
           </a:p>
@@ -3410,7 +3410,7 @@
           <a:p>
             <a:fld id="{4D9E9568-0F03-4866-87AD-CAF9FA4FA032}" type="datetimeFigureOut">
               <a:rPr lang="nl-NL" smtClean="0"/>
-              <a:t>6-8-2023</a:t>
+              <a:t>14-9-2023</a:t>
             </a:fld>
             <a:endParaRPr lang="nl-NL" dirty="0"/>
           </a:p>
@@ -3803,7 +3803,7 @@
           <a:p>
             <a:fld id="{4D9E9568-0F03-4866-87AD-CAF9FA4FA032}" type="datetimeFigureOut">
               <a:rPr lang="nl-NL" smtClean="0"/>
-              <a:t>6-8-2023</a:t>
+              <a:t>14-9-2023</a:t>
             </a:fld>
             <a:endParaRPr lang="nl-NL" dirty="0"/>
           </a:p>
@@ -3973,7 +3973,7 @@
           <a:p>
             <a:fld id="{4D9E9568-0F03-4866-87AD-CAF9FA4FA032}" type="datetimeFigureOut">
               <a:rPr lang="nl-NL" smtClean="0"/>
-              <a:t>6-8-2023</a:t>
+              <a:t>14-9-2023</a:t>
             </a:fld>
             <a:endParaRPr lang="nl-NL" dirty="0"/>
           </a:p>
@@ -4153,7 +4153,7 @@
           <a:p>
             <a:fld id="{4D9E9568-0F03-4866-87AD-CAF9FA4FA032}" type="datetimeFigureOut">
               <a:rPr lang="nl-NL" smtClean="0"/>
-              <a:t>6-8-2023</a:t>
+              <a:t>14-9-2023</a:t>
             </a:fld>
             <a:endParaRPr lang="nl-NL" dirty="0"/>
           </a:p>
@@ -4323,7 +4323,7 @@
           <a:p>
             <a:fld id="{4D9E9568-0F03-4866-87AD-CAF9FA4FA032}" type="datetimeFigureOut">
               <a:rPr lang="nl-NL" smtClean="0"/>
-              <a:t>6-8-2023</a:t>
+              <a:t>14-9-2023</a:t>
             </a:fld>
             <a:endParaRPr lang="nl-NL" dirty="0"/>
           </a:p>
@@ -4570,7 +4570,7 @@
           <a:p>
             <a:fld id="{4D9E9568-0F03-4866-87AD-CAF9FA4FA032}" type="datetimeFigureOut">
               <a:rPr lang="nl-NL" smtClean="0"/>
-              <a:t>6-8-2023</a:t>
+              <a:t>14-9-2023</a:t>
             </a:fld>
             <a:endParaRPr lang="nl-NL" dirty="0"/>
           </a:p>
@@ -4802,7 +4802,7 @@
           <a:p>
             <a:fld id="{4D9E9568-0F03-4866-87AD-CAF9FA4FA032}" type="datetimeFigureOut">
               <a:rPr lang="nl-NL" smtClean="0"/>
-              <a:t>6-8-2023</a:t>
+              <a:t>14-9-2023</a:t>
             </a:fld>
             <a:endParaRPr lang="nl-NL" dirty="0"/>
           </a:p>
@@ -5176,7 +5176,7 @@
           <a:p>
             <a:fld id="{4D9E9568-0F03-4866-87AD-CAF9FA4FA032}" type="datetimeFigureOut">
               <a:rPr lang="nl-NL" smtClean="0"/>
-              <a:t>6-8-2023</a:t>
+              <a:t>14-9-2023</a:t>
             </a:fld>
             <a:endParaRPr lang="nl-NL" dirty="0"/>
           </a:p>
@@ -5299,7 +5299,7 @@
           <a:p>
             <a:fld id="{4D9E9568-0F03-4866-87AD-CAF9FA4FA032}" type="datetimeFigureOut">
               <a:rPr lang="nl-NL" smtClean="0"/>
-              <a:t>6-8-2023</a:t>
+              <a:t>14-9-2023</a:t>
             </a:fld>
             <a:endParaRPr lang="nl-NL" dirty="0"/>
           </a:p>
@@ -5394,7 +5394,7 @@
           <a:p>
             <a:fld id="{4D9E9568-0F03-4866-87AD-CAF9FA4FA032}" type="datetimeFigureOut">
               <a:rPr lang="nl-NL" smtClean="0"/>
-              <a:t>6-8-2023</a:t>
+              <a:t>14-9-2023</a:t>
             </a:fld>
             <a:endParaRPr lang="nl-NL" dirty="0"/>
           </a:p>
@@ -5649,7 +5649,7 @@
           <a:p>
             <a:fld id="{4D9E9568-0F03-4866-87AD-CAF9FA4FA032}" type="datetimeFigureOut">
               <a:rPr lang="nl-NL" smtClean="0"/>
-              <a:t>6-8-2023</a:t>
+              <a:t>14-9-2023</a:t>
             </a:fld>
             <a:endParaRPr lang="nl-NL" dirty="0"/>
           </a:p>
@@ -5953,7 +5953,7 @@
           <a:p>
             <a:fld id="{4D9E9568-0F03-4866-87AD-CAF9FA4FA032}" type="datetimeFigureOut">
               <a:rPr lang="nl-NL" smtClean="0"/>
-              <a:t>6-8-2023</a:t>
+              <a:t>14-9-2023</a:t>
             </a:fld>
             <a:endParaRPr lang="nl-NL" dirty="0"/>
           </a:p>
@@ -6655,7 +6655,7 @@
           <a:p>
             <a:fld id="{4D9E9568-0F03-4866-87AD-CAF9FA4FA032}" type="datetimeFigureOut">
               <a:rPr lang="nl-NL" smtClean="0"/>
-              <a:t>6-8-2023</a:t>
+              <a:t>14-9-2023</a:t>
             </a:fld>
             <a:endParaRPr lang="nl-NL" dirty="0"/>
           </a:p>
@@ -7303,6 +7303,49 @@
           </a:prstGeom>
         </p:spPr>
       </p:pic>
+      <p:sp>
+        <p:nvSpPr>
+          <p:cNvPr id="4" name="TextBox 3">
+            <a:extLst>
+              <a:ext uri="{FF2B5EF4-FFF2-40B4-BE49-F238E27FC236}">
+                <a16:creationId xmlns:a16="http://schemas.microsoft.com/office/drawing/2014/main" id="{81C4B302-6668-F54C-35DC-4588E039E442}"/>
+              </a:ext>
+            </a:extLst>
+          </p:cNvPr>
+          <p:cNvSpPr txBox="1"/>
+          <p:nvPr/>
+        </p:nvSpPr>
+        <p:spPr>
+          <a:xfrm>
+            <a:off x="300728" y="6312093"/>
+            <a:ext cx="6105644" cy="369332"/>
+          </a:xfrm>
+          <a:prstGeom prst="rect">
+            <a:avLst/>
+          </a:prstGeom>
+          <a:noFill/>
+        </p:spPr>
+        <p:txBody>
+          <a:bodyPr wrap="square">
+            <a:spAutoFit/>
+          </a:bodyPr>
+          <a:lstStyle/>
+          <a:p>
+            <a:r>
+              <a:rPr lang="nl-NL" dirty="0"/>
+              <a:t>Open </a:t>
+            </a:r>
+            <a:r>
+              <a:rPr lang="nl-NL" dirty="0" err="1"/>
+              <a:t>sourced</a:t>
+            </a:r>
+            <a:r>
+              <a:rPr lang="nl-NL" dirty="0"/>
+              <a:t> on: github.com/Small-JS/SmallJS</a:t>
+            </a:r>
+          </a:p>
+        </p:txBody>
+      </p:sp>
     </p:spTree>
     <p:extLst>
       <p:ext uri="{BB962C8B-B14F-4D97-AF65-F5344CB8AC3E}">
@@ -7404,7 +7447,7 @@
           <a:p>
             <a:r>
               <a:rPr lang="en-US" sz="2400" b="1" dirty="0"/>
-              <a:t>Use the elegant and safe Smalltalk language!</a:t>
+              <a:t>Uses the elegant and safe Smalltalk language!</a:t>
             </a:r>
           </a:p>
           <a:p>
@@ -7572,6 +7615,42 @@
           </a:prstGeom>
         </p:spPr>
       </p:pic>
+      <p:sp>
+        <p:nvSpPr>
+          <p:cNvPr id="3" name="TextBox 2">
+            <a:extLst>
+              <a:ext uri="{FF2B5EF4-FFF2-40B4-BE49-F238E27FC236}">
+                <a16:creationId xmlns:a16="http://schemas.microsoft.com/office/drawing/2014/main" id="{1775B005-AC94-9C79-D424-D040CB960C9E}"/>
+              </a:ext>
+            </a:extLst>
+          </p:cNvPr>
+          <p:cNvSpPr txBox="1"/>
+          <p:nvPr/>
+        </p:nvSpPr>
+        <p:spPr>
+          <a:xfrm>
+            <a:off x="1573943" y="5988425"/>
+            <a:ext cx="9178938" cy="461665"/>
+          </a:xfrm>
+          <a:prstGeom prst="rect">
+            <a:avLst/>
+          </a:prstGeom>
+          <a:noFill/>
+        </p:spPr>
+        <p:txBody>
+          <a:bodyPr wrap="square">
+            <a:spAutoFit/>
+          </a:bodyPr>
+          <a:lstStyle/>
+          <a:p>
+            <a:pPr algn="ctr"/>
+            <a:r>
+              <a:rPr lang="nl-NL" sz="2400" dirty="0"/>
+              <a:t>github.com/Small-JS/SmallJS</a:t>
+            </a:r>
+          </a:p>
+        </p:txBody>
+      </p:sp>
     </p:spTree>
     <p:extLst>
       <p:ext uri="{BB962C8B-B14F-4D97-AF65-F5344CB8AC3E}">
@@ -8234,7 +8313,7 @@
         </p:spPr>
         <p:txBody>
           <a:bodyPr>
-            <a:normAutofit fontScale="92500" lnSpcReduction="10000"/>
+            <a:normAutofit/>
           </a:bodyPr>
           <a:lstStyle/>
           <a:p>
@@ -8336,7 +8415,7 @@
               <a:rPr lang="en-US" sz="1400" noProof="1">
                 <a:latin typeface="Consolas" panose="020B0609020204030204" pitchFamily="49" charset="0"/>
               </a:rPr>
-              <a:t>		&gt; 100</a:t>
+              <a:t>	&gt; 100</a:t>
             </a:r>
           </a:p>
           <a:p>
@@ -8362,7 +8441,7 @@
               <a:rPr lang="en-US" sz="1400" noProof="1">
                 <a:latin typeface="Consolas" panose="020B0609020204030204" pitchFamily="49" charset="0"/>
               </a:rPr>
-              <a:t>		&gt; 2.25</a:t>
+              <a:t>	&gt; 2.25</a:t>
             </a:r>
           </a:p>
           <a:p>
@@ -9098,6 +9177,26 @@
               </a:rPr>
               <a:t>		&gt; NaN, continues</a:t>
             </a:r>
+          </a:p>
+          <a:p>
+            <a:pPr marL="0" lvl="1" indent="0">
+              <a:spcBef>
+                <a:spcPts val="0"/>
+              </a:spcBef>
+              <a:spcAft>
+                <a:spcPts val="900"/>
+              </a:spcAft>
+              <a:buNone/>
+              <a:tabLst>
+                <a:tab pos="685800" algn="l"/>
+              </a:tabLst>
+            </a:pPr>
+            <a:endParaRPr lang="en-US" sz="1300" noProof="1">
+              <a:solidFill>
+                <a:schemeClr val="tx1"/>
+              </a:solidFill>
+              <a:latin typeface="Consolas" panose="020B0609020204030204" pitchFamily="49" charset="0"/>
+            </a:endParaRPr>
           </a:p>
           <a:p>
             <a:pPr marL="0" lvl="1" indent="0">

--- a/Documentation/Why_SmallJS.pptx
+++ b/Documentation/Why_SmallJS.pptx
@@ -174,7 +174,7 @@
             </a:lvl1pPr>
           </a:lstStyle>
           <a:p>
-            <a:endParaRPr lang="nl-NL" dirty="0"/>
+            <a:endParaRPr lang="nl-NL"/>
           </a:p>
         </p:txBody>
       </p:sp>
@@ -207,9 +207,9 @@
           <a:p>
             <a:fld id="{7EE9B6BF-FCD1-4AFD-A293-49BDC34FBA2C}" type="datetimeFigureOut">
               <a:rPr lang="nl-NL" smtClean="0"/>
-              <a:t>14-9-2023</a:t>
+              <a:t>29-2-2024</a:t>
             </a:fld>
-            <a:endParaRPr lang="nl-NL" dirty="0"/>
+            <a:endParaRPr lang="nl-NL"/>
           </a:p>
         </p:txBody>
       </p:sp>
@@ -242,7 +242,7 @@
           <a:bodyPr vert="horz" lIns="91440" tIns="45720" rIns="91440" bIns="45720" rtlCol="0" anchor="ctr"/>
           <a:lstStyle/>
           <a:p>
-            <a:endParaRPr lang="nl-NL" dirty="0"/>
+            <a:endParaRPr lang="nl-NL"/>
           </a:p>
         </p:txBody>
       </p:sp>
@@ -333,7 +333,7 @@
             </a:lvl1pPr>
           </a:lstStyle>
           <a:p>
-            <a:endParaRPr lang="nl-NL" dirty="0"/>
+            <a:endParaRPr lang="nl-NL"/>
           </a:p>
         </p:txBody>
       </p:sp>
@@ -368,7 +368,7 @@
               <a:rPr lang="nl-NL" smtClean="0"/>
               <a:t>‹#›</a:t>
             </a:fld>
-            <a:endParaRPr lang="nl-NL" dirty="0"/>
+            <a:endParaRPr lang="nl-NL"/>
           </a:p>
         </p:txBody>
       </p:sp>
@@ -520,21 +520,21 @@
           <a:lstStyle/>
           <a:p>
             <a:r>
-              <a:rPr lang="en-US" dirty="0"/>
+              <a:rPr lang="en-US"/>
               <a:t>The colorful air balloon is of course a reference to the BYTE Magazine August </a:t>
             </a:r>
             <a:r>
-              <a:rPr lang="en-US" b="1" i="1" dirty="0"/>
+              <a:rPr lang="en-US" b="1" i="1"/>
               <a:t>1981</a:t>
             </a:r>
             <a:r>
-              <a:rPr lang="en-US" dirty="0"/>
+              <a:rPr lang="en-US"/>
               <a:t> edition about Smalltalk-80,</a:t>
             </a:r>
           </a:p>
           <a:p>
             <a:r>
-              <a:rPr lang="en-US" dirty="0"/>
+              <a:rPr lang="en-US"/>
               <a:t>as you have probably already noticed. ;-).</a:t>
             </a:r>
           </a:p>
@@ -559,7 +559,7 @@
               <a:rPr lang="nl-NL" smtClean="0"/>
               <a:t>1</a:t>
             </a:fld>
-            <a:endParaRPr lang="nl-NL" dirty="0"/>
+            <a:endParaRPr lang="nl-NL"/>
           </a:p>
         </p:txBody>
       </p:sp>
@@ -620,7 +620,7 @@
           <a:bodyPr/>
           <a:lstStyle/>
           <a:p>
-            <a:endParaRPr lang="en-US" dirty="0"/>
+            <a:endParaRPr lang="en-US"/>
           </a:p>
         </p:txBody>
       </p:sp>
@@ -643,7 +643,7 @@
               <a:rPr lang="nl-NL" smtClean="0"/>
               <a:t>11</a:t>
             </a:fld>
-            <a:endParaRPr lang="nl-NL" dirty="0"/>
+            <a:endParaRPr lang="nl-NL"/>
           </a:p>
         </p:txBody>
       </p:sp>
@@ -705,7 +705,7 @@
           <a:lstStyle/>
           <a:p>
             <a:r>
-              <a:rPr lang="en-US" dirty="0"/>
+              <a:rPr lang="en-US"/>
               <a:t>Databases: Postgres, MariaDB and MySQL.</a:t>
             </a:r>
           </a:p>
@@ -730,7 +730,7 @@
               <a:rPr lang="nl-NL" smtClean="0"/>
               <a:t>2</a:t>
             </a:fld>
-            <a:endParaRPr lang="nl-NL" dirty="0"/>
+            <a:endParaRPr lang="nl-NL"/>
           </a:p>
         </p:txBody>
       </p:sp>
@@ -792,25 +792,25 @@
           <a:lstStyle/>
           <a:p>
             <a:r>
-              <a:rPr lang="en-US" dirty="0"/>
+              <a:rPr lang="en-US"/>
               <a:t>The pop-left contains the ST base library (image).</a:t>
             </a:r>
           </a:p>
           <a:p>
             <a:r>
-              <a:rPr lang="en-US" dirty="0"/>
+              <a:rPr lang="en-US"/>
               <a:t>Below that the example shop client, in a separate project.</a:t>
             </a:r>
           </a:p>
           <a:p>
             <a:r>
-              <a:rPr lang="en-US" dirty="0"/>
+              <a:rPr lang="en-US"/>
               <a:t>ST source code on the right, methods loadOrders and onLoadOrders (part).</a:t>
             </a:r>
           </a:p>
           <a:p>
             <a:r>
-              <a:rPr lang="en-US" dirty="0"/>
+              <a:rPr lang="en-US"/>
               <a:t>Live demo possible...</a:t>
             </a:r>
           </a:p>
@@ -835,7 +835,7 @@
               <a:rPr lang="nl-NL" smtClean="0"/>
               <a:t>3</a:t>
             </a:fld>
-            <a:endParaRPr lang="nl-NL" dirty="0"/>
+            <a:endParaRPr lang="nl-NL"/>
           </a:p>
         </p:txBody>
       </p:sp>
@@ -897,7 +897,7 @@
           <a:lstStyle/>
           <a:p>
             <a:r>
-              <a:rPr lang="en-US" dirty="0"/>
+              <a:rPr lang="en-US"/>
               <a:t>So why should I use SmallJS i.s.o. TypeScript? (don’t use bare JS ;-)</a:t>
             </a:r>
           </a:p>
@@ -922,7 +922,7 @@
               <a:rPr lang="nl-NL" smtClean="0"/>
               <a:t>4</a:t>
             </a:fld>
-            <a:endParaRPr lang="nl-NL" dirty="0"/>
+            <a:endParaRPr lang="nl-NL"/>
           </a:p>
         </p:txBody>
       </p:sp>
@@ -984,13 +984,13 @@
           <a:lstStyle/>
           <a:p>
             <a:r>
-              <a:rPr lang="en-US" noProof="0" dirty="0"/>
+              <a:rPr lang="en-US" noProof="0"/>
               <a:t>That the syntax fits on a postcard is actually true.</a:t>
             </a:r>
           </a:p>
           <a:p>
             <a:r>
-              <a:rPr lang="en-US" noProof="0" dirty="0"/>
+              <a:rPr lang="en-US" noProof="0"/>
               <a:t>The quarter on the lower left contains the complete syntax.</a:t>
             </a:r>
           </a:p>
@@ -1015,7 +1015,7 @@
               <a:rPr lang="nl-NL" smtClean="0"/>
               <a:t>5</a:t>
             </a:fld>
-            <a:endParaRPr lang="nl-NL" dirty="0"/>
+            <a:endParaRPr lang="nl-NL"/>
           </a:p>
         </p:txBody>
       </p:sp>
@@ -1077,7 +1077,7 @@
           <a:lstStyle/>
           <a:p>
             <a:r>
-              <a:rPr lang="en-US" dirty="0"/>
+              <a:rPr lang="en-US"/>
               <a:t>Smalltalk advantages</a:t>
             </a:r>
           </a:p>
@@ -1087,7 +1087,7 @@
               <a:buChar char="-"/>
             </a:pPr>
             <a:r>
-              <a:rPr lang="en-US" dirty="0"/>
+              <a:rPr lang="en-US"/>
               <a:t>More elegant calling and reuse.</a:t>
             </a:r>
           </a:p>
@@ -1097,7 +1097,7 @@
               <a:buChar char="-"/>
             </a:pPr>
             <a:r>
-              <a:rPr lang="en-US" dirty="0"/>
+              <a:rPr lang="en-US"/>
               <a:t>Preserves fractions.</a:t>
             </a:r>
           </a:p>
@@ -1107,7 +1107,7 @@
               <a:buChar char="-"/>
             </a:pPr>
             <a:r>
-              <a:rPr lang="en-US" dirty="0"/>
+              <a:rPr lang="en-US"/>
               <a:t>Automatic big int use.</a:t>
             </a:r>
           </a:p>
@@ -1117,7 +1117,7 @@
               <a:buChar char="-"/>
             </a:pPr>
             <a:r>
-              <a:rPr lang="en-US" dirty="0"/>
+              <a:rPr lang="en-US"/>
               <a:t>Signals error after illegal use i.s.o. unwanted coercion.</a:t>
             </a:r>
           </a:p>
@@ -1142,7 +1142,7 @@
               <a:rPr lang="nl-NL" smtClean="0"/>
               <a:t>6</a:t>
             </a:fld>
-            <a:endParaRPr lang="nl-NL" dirty="0"/>
+            <a:endParaRPr lang="nl-NL"/>
           </a:p>
         </p:txBody>
       </p:sp>
@@ -1204,13 +1204,13 @@
           <a:lstStyle/>
           <a:p>
             <a:r>
-              <a:rPr lang="en-US" dirty="0"/>
+              <a:rPr lang="en-US"/>
               <a:t>For async / wait it is not possible to work around it with a simpler concurrency method: block fork.</a:t>
             </a:r>
           </a:p>
           <a:p>
             <a:r>
-              <a:rPr lang="en-US" dirty="0"/>
+              <a:rPr lang="en-US"/>
               <a:t>The basic design fix is that the *caller* should decide async execution, not the *callee*.</a:t>
             </a:r>
           </a:p>
@@ -1235,7 +1235,7 @@
               <a:rPr lang="nl-NL" smtClean="0"/>
               <a:t>7</a:t>
             </a:fld>
-            <a:endParaRPr lang="nl-NL" dirty="0"/>
+            <a:endParaRPr lang="nl-NL"/>
           </a:p>
         </p:txBody>
       </p:sp>
@@ -1297,23 +1297,23 @@
           <a:lstStyle/>
           <a:p>
             <a:r>
-              <a:rPr lang="en-US" dirty="0"/>
+              <a:rPr lang="en-US"/>
               <a:t>Type inferencing via VSCode IDE needs language server.</a:t>
             </a:r>
           </a:p>
           <a:p>
             <a:r>
-              <a:rPr lang="en-US" dirty="0"/>
+              <a:rPr lang="en-US"/>
               <a:t>Dolphin Smalltalk implemented namespaces recently.</a:t>
             </a:r>
           </a:p>
           <a:p>
             <a:r>
-              <a:rPr lang="en-US" dirty="0"/>
+              <a:rPr lang="en-US"/>
               <a:t>Community: That’s what you guys could help with. </a:t>
             </a:r>
             <a:r>
-              <a:rPr lang="en-US" dirty="0">
+              <a:rPr lang="en-US">
                 <a:sym typeface="Wingdings" panose="05000000000000000000" pitchFamily="2" charset="2"/>
               </a:rPr>
               <a:t></a:t>
@@ -1321,15 +1321,15 @@
           </a:p>
           <a:p>
             <a:r>
-              <a:rPr lang="en-US" dirty="0">
+              <a:rPr lang="en-US">
                 <a:sym typeface="Wingdings" panose="05000000000000000000" pitchFamily="2" charset="2"/>
               </a:rPr>
               <a:t>And you can use SmallJS incrementally next to TS.</a:t>
             </a:r>
-            <a:endParaRPr lang="en-US" dirty="0"/>
-          </a:p>
-          <a:p>
-            <a:endParaRPr lang="en-US" dirty="0"/>
+            <a:endParaRPr lang="en-US"/>
+          </a:p>
+          <a:p>
+            <a:endParaRPr lang="en-US"/>
           </a:p>
         </p:txBody>
       </p:sp>
@@ -1352,7 +1352,7 @@
               <a:rPr lang="nl-NL" smtClean="0"/>
               <a:t>9</a:t>
             </a:fld>
-            <a:endParaRPr lang="nl-NL" dirty="0"/>
+            <a:endParaRPr lang="nl-NL"/>
           </a:p>
         </p:txBody>
       </p:sp>
@@ -1413,7 +1413,7 @@
           <a:bodyPr/>
           <a:lstStyle/>
           <a:p>
-            <a:endParaRPr lang="en-US" dirty="0"/>
+            <a:endParaRPr lang="en-US"/>
           </a:p>
         </p:txBody>
       </p:sp>
@@ -1436,7 +1436,7 @@
               <a:rPr lang="nl-NL" smtClean="0"/>
               <a:t>10</a:t>
             </a:fld>
-            <a:endParaRPr lang="nl-NL" dirty="0"/>
+            <a:endParaRPr lang="nl-NL"/>
           </a:p>
         </p:txBody>
       </p:sp>
@@ -2198,9 +2198,9 @@
           <a:p>
             <a:fld id="{4D9E9568-0F03-4866-87AD-CAF9FA4FA032}" type="datetimeFigureOut">
               <a:rPr lang="nl-NL" smtClean="0"/>
-              <a:t>14-9-2023</a:t>
+              <a:t>29-2-2024</a:t>
             </a:fld>
-            <a:endParaRPr lang="nl-NL" dirty="0"/>
+            <a:endParaRPr lang="nl-NL"/>
           </a:p>
         </p:txBody>
       </p:sp>
@@ -2219,7 +2219,7 @@
           <a:bodyPr/>
           <a:lstStyle/>
           <a:p>
-            <a:endParaRPr lang="nl-NL" dirty="0"/>
+            <a:endParaRPr lang="nl-NL"/>
           </a:p>
         </p:txBody>
       </p:sp>
@@ -2242,7 +2242,7 @@
               <a:rPr lang="nl-NL" smtClean="0"/>
               <a:t>‹#›</a:t>
             </a:fld>
-            <a:endParaRPr lang="nl-NL" dirty="0"/>
+            <a:endParaRPr lang="nl-NL"/>
           </a:p>
         </p:txBody>
       </p:sp>
@@ -2449,9 +2449,9 @@
           <a:p>
             <a:fld id="{4D9E9568-0F03-4866-87AD-CAF9FA4FA032}" type="datetimeFigureOut">
               <a:rPr lang="nl-NL" smtClean="0"/>
-              <a:t>14-9-2023</a:t>
+              <a:t>29-2-2024</a:t>
             </a:fld>
-            <a:endParaRPr lang="nl-NL" dirty="0"/>
+            <a:endParaRPr lang="nl-NL"/>
           </a:p>
         </p:txBody>
       </p:sp>
@@ -2470,7 +2470,7 @@
           <a:bodyPr/>
           <a:lstStyle/>
           <a:p>
-            <a:endParaRPr lang="nl-NL" dirty="0"/>
+            <a:endParaRPr lang="nl-NL"/>
           </a:p>
         </p:txBody>
       </p:sp>
@@ -2493,7 +2493,7 @@
               <a:rPr lang="nl-NL" smtClean="0"/>
               <a:t>‹#›</a:t>
             </a:fld>
-            <a:endParaRPr lang="nl-NL" dirty="0"/>
+            <a:endParaRPr lang="nl-NL"/>
           </a:p>
         </p:txBody>
       </p:sp>
@@ -2763,9 +2763,9 @@
           <a:p>
             <a:fld id="{4D9E9568-0F03-4866-87AD-CAF9FA4FA032}" type="datetimeFigureOut">
               <a:rPr lang="nl-NL" smtClean="0"/>
-              <a:t>14-9-2023</a:t>
+              <a:t>29-2-2024</a:t>
             </a:fld>
-            <a:endParaRPr lang="nl-NL" dirty="0"/>
+            <a:endParaRPr lang="nl-NL"/>
           </a:p>
         </p:txBody>
       </p:sp>
@@ -2784,7 +2784,7 @@
           <a:bodyPr/>
           <a:lstStyle/>
           <a:p>
-            <a:endParaRPr lang="nl-NL" dirty="0"/>
+            <a:endParaRPr lang="nl-NL"/>
           </a:p>
         </p:txBody>
       </p:sp>
@@ -2807,7 +2807,7 @@
               <a:rPr lang="nl-NL" smtClean="0"/>
               <a:t>‹#›</a:t>
             </a:fld>
-            <a:endParaRPr lang="nl-NL" dirty="0"/>
+            <a:endParaRPr lang="nl-NL"/>
           </a:p>
         </p:txBody>
       </p:sp>
@@ -2834,7 +2834,7 @@
           <a:p>
             <a:pPr lvl="0"/>
             <a:r>
-              <a:rPr lang="en-US" sz="8000" baseline="0" dirty="0">
+              <a:rPr lang="en-US" sz="8000" baseline="0">
                 <a:ln w="3175" cmpd="sng">
                   <a:noFill/>
                 </a:ln>
@@ -2875,7 +2875,7 @@
           <a:p>
             <a:pPr lvl="0"/>
             <a:r>
-              <a:rPr lang="en-US" sz="8000" baseline="0" dirty="0">
+              <a:rPr lang="en-US" sz="8000" baseline="0">
                 <a:ln w="3175" cmpd="sng">
                   <a:noFill/>
                 </a:ln>
@@ -3096,9 +3096,9 @@
           <a:p>
             <a:fld id="{4D9E9568-0F03-4866-87AD-CAF9FA4FA032}" type="datetimeFigureOut">
               <a:rPr lang="nl-NL" smtClean="0"/>
-              <a:t>14-9-2023</a:t>
+              <a:t>29-2-2024</a:t>
             </a:fld>
-            <a:endParaRPr lang="nl-NL" dirty="0"/>
+            <a:endParaRPr lang="nl-NL"/>
           </a:p>
         </p:txBody>
       </p:sp>
@@ -3117,7 +3117,7 @@
           <a:bodyPr/>
           <a:lstStyle/>
           <a:p>
-            <a:endParaRPr lang="nl-NL" dirty="0"/>
+            <a:endParaRPr lang="nl-NL"/>
           </a:p>
         </p:txBody>
       </p:sp>
@@ -3140,7 +3140,7 @@
               <a:rPr lang="nl-NL" smtClean="0"/>
               <a:t>‹#›</a:t>
             </a:fld>
-            <a:endParaRPr lang="nl-NL" dirty="0"/>
+            <a:endParaRPr lang="nl-NL"/>
           </a:p>
         </p:txBody>
       </p:sp>
@@ -3410,9 +3410,9 @@
           <a:p>
             <a:fld id="{4D9E9568-0F03-4866-87AD-CAF9FA4FA032}" type="datetimeFigureOut">
               <a:rPr lang="nl-NL" smtClean="0"/>
-              <a:t>14-9-2023</a:t>
+              <a:t>29-2-2024</a:t>
             </a:fld>
-            <a:endParaRPr lang="nl-NL" dirty="0"/>
+            <a:endParaRPr lang="nl-NL"/>
           </a:p>
         </p:txBody>
       </p:sp>
@@ -3431,7 +3431,7 @@
           <a:bodyPr/>
           <a:lstStyle/>
           <a:p>
-            <a:endParaRPr lang="nl-NL" dirty="0"/>
+            <a:endParaRPr lang="nl-NL"/>
           </a:p>
         </p:txBody>
       </p:sp>
@@ -3454,7 +3454,7 @@
               <a:rPr lang="nl-NL" smtClean="0"/>
               <a:t>‹#›</a:t>
             </a:fld>
-            <a:endParaRPr lang="nl-NL" dirty="0"/>
+            <a:endParaRPr lang="nl-NL"/>
           </a:p>
         </p:txBody>
       </p:sp>
@@ -3481,7 +3481,7 @@
           <a:p>
             <a:pPr lvl="0"/>
             <a:r>
-              <a:rPr lang="en-US" sz="8000" baseline="0" dirty="0">
+              <a:rPr lang="en-US" sz="8000" baseline="0">
                 <a:ln w="3175" cmpd="sng">
                   <a:noFill/>
                 </a:ln>
@@ -3522,7 +3522,7 @@
           <a:p>
             <a:pPr lvl="0"/>
             <a:r>
-              <a:rPr lang="en-US" sz="8000" baseline="0" dirty="0">
+              <a:rPr lang="en-US" sz="8000" baseline="0">
                 <a:ln w="3175" cmpd="sng">
                   <a:noFill/>
                 </a:ln>
@@ -3803,9 +3803,9 @@
           <a:p>
             <a:fld id="{4D9E9568-0F03-4866-87AD-CAF9FA4FA032}" type="datetimeFigureOut">
               <a:rPr lang="nl-NL" smtClean="0"/>
-              <a:t>14-9-2023</a:t>
+              <a:t>29-2-2024</a:t>
             </a:fld>
-            <a:endParaRPr lang="nl-NL" dirty="0"/>
+            <a:endParaRPr lang="nl-NL"/>
           </a:p>
         </p:txBody>
       </p:sp>
@@ -3824,7 +3824,7 @@
           <a:bodyPr/>
           <a:lstStyle/>
           <a:p>
-            <a:endParaRPr lang="nl-NL" dirty="0"/>
+            <a:endParaRPr lang="nl-NL"/>
           </a:p>
         </p:txBody>
       </p:sp>
@@ -3847,7 +3847,7 @@
               <a:rPr lang="nl-NL" smtClean="0"/>
               <a:t>‹#›</a:t>
             </a:fld>
-            <a:endParaRPr lang="nl-NL" dirty="0"/>
+            <a:endParaRPr lang="nl-NL"/>
           </a:p>
         </p:txBody>
       </p:sp>
@@ -3973,9 +3973,9 @@
           <a:p>
             <a:fld id="{4D9E9568-0F03-4866-87AD-CAF9FA4FA032}" type="datetimeFigureOut">
               <a:rPr lang="nl-NL" smtClean="0"/>
-              <a:t>14-9-2023</a:t>
+              <a:t>29-2-2024</a:t>
             </a:fld>
-            <a:endParaRPr lang="nl-NL" dirty="0"/>
+            <a:endParaRPr lang="nl-NL"/>
           </a:p>
         </p:txBody>
       </p:sp>
@@ -3994,7 +3994,7 @@
           <a:bodyPr/>
           <a:lstStyle/>
           <a:p>
-            <a:endParaRPr lang="nl-NL" dirty="0"/>
+            <a:endParaRPr lang="nl-NL"/>
           </a:p>
         </p:txBody>
       </p:sp>
@@ -4017,7 +4017,7 @@
               <a:rPr lang="nl-NL" smtClean="0"/>
               <a:t>‹#›</a:t>
             </a:fld>
-            <a:endParaRPr lang="nl-NL" dirty="0"/>
+            <a:endParaRPr lang="nl-NL"/>
           </a:p>
         </p:txBody>
       </p:sp>
@@ -4153,9 +4153,9 @@
           <a:p>
             <a:fld id="{4D9E9568-0F03-4866-87AD-CAF9FA4FA032}" type="datetimeFigureOut">
               <a:rPr lang="nl-NL" smtClean="0"/>
-              <a:t>14-9-2023</a:t>
+              <a:t>29-2-2024</a:t>
             </a:fld>
-            <a:endParaRPr lang="nl-NL" dirty="0"/>
+            <a:endParaRPr lang="nl-NL"/>
           </a:p>
         </p:txBody>
       </p:sp>
@@ -4174,7 +4174,7 @@
           <a:bodyPr/>
           <a:lstStyle/>
           <a:p>
-            <a:endParaRPr lang="nl-NL" dirty="0"/>
+            <a:endParaRPr lang="nl-NL"/>
           </a:p>
         </p:txBody>
       </p:sp>
@@ -4197,7 +4197,7 @@
               <a:rPr lang="nl-NL" smtClean="0"/>
               <a:t>‹#›</a:t>
             </a:fld>
-            <a:endParaRPr lang="nl-NL" dirty="0"/>
+            <a:endParaRPr lang="nl-NL"/>
           </a:p>
         </p:txBody>
       </p:sp>
@@ -4323,9 +4323,9 @@
           <a:p>
             <a:fld id="{4D9E9568-0F03-4866-87AD-CAF9FA4FA032}" type="datetimeFigureOut">
               <a:rPr lang="nl-NL" smtClean="0"/>
-              <a:t>14-9-2023</a:t>
+              <a:t>29-2-2024</a:t>
             </a:fld>
-            <a:endParaRPr lang="nl-NL" dirty="0"/>
+            <a:endParaRPr lang="nl-NL"/>
           </a:p>
         </p:txBody>
       </p:sp>
@@ -4344,7 +4344,7 @@
           <a:bodyPr/>
           <a:lstStyle/>
           <a:p>
-            <a:endParaRPr lang="nl-NL" dirty="0"/>
+            <a:endParaRPr lang="nl-NL"/>
           </a:p>
         </p:txBody>
       </p:sp>
@@ -4367,7 +4367,7 @@
               <a:rPr lang="nl-NL" smtClean="0"/>
               <a:t>‹#›</a:t>
             </a:fld>
-            <a:endParaRPr lang="nl-NL" dirty="0"/>
+            <a:endParaRPr lang="nl-NL"/>
           </a:p>
         </p:txBody>
       </p:sp>
@@ -4570,9 +4570,9 @@
           <a:p>
             <a:fld id="{4D9E9568-0F03-4866-87AD-CAF9FA4FA032}" type="datetimeFigureOut">
               <a:rPr lang="nl-NL" smtClean="0"/>
-              <a:t>14-9-2023</a:t>
+              <a:t>29-2-2024</a:t>
             </a:fld>
-            <a:endParaRPr lang="nl-NL" dirty="0"/>
+            <a:endParaRPr lang="nl-NL"/>
           </a:p>
         </p:txBody>
       </p:sp>
@@ -4591,7 +4591,7 @@
           <a:bodyPr/>
           <a:lstStyle/>
           <a:p>
-            <a:endParaRPr lang="nl-NL" dirty="0"/>
+            <a:endParaRPr lang="nl-NL"/>
           </a:p>
         </p:txBody>
       </p:sp>
@@ -4614,7 +4614,7 @@
               <a:rPr lang="nl-NL" smtClean="0"/>
               <a:t>‹#›</a:t>
             </a:fld>
-            <a:endParaRPr lang="nl-NL" dirty="0"/>
+            <a:endParaRPr lang="nl-NL"/>
           </a:p>
         </p:txBody>
       </p:sp>
@@ -4802,9 +4802,9 @@
           <a:p>
             <a:fld id="{4D9E9568-0F03-4866-87AD-CAF9FA4FA032}" type="datetimeFigureOut">
               <a:rPr lang="nl-NL" smtClean="0"/>
-              <a:t>14-9-2023</a:t>
+              <a:t>29-2-2024</a:t>
             </a:fld>
-            <a:endParaRPr lang="nl-NL" dirty="0"/>
+            <a:endParaRPr lang="nl-NL"/>
           </a:p>
         </p:txBody>
       </p:sp>
@@ -4823,7 +4823,7 @@
           <a:bodyPr/>
           <a:lstStyle/>
           <a:p>
-            <a:endParaRPr lang="nl-NL" dirty="0"/>
+            <a:endParaRPr lang="nl-NL"/>
           </a:p>
         </p:txBody>
       </p:sp>
@@ -4846,7 +4846,7 @@
               <a:rPr lang="nl-NL" smtClean="0"/>
               <a:t>‹#›</a:t>
             </a:fld>
-            <a:endParaRPr lang="nl-NL" dirty="0"/>
+            <a:endParaRPr lang="nl-NL"/>
           </a:p>
         </p:txBody>
       </p:sp>
@@ -5176,9 +5176,9 @@
           <a:p>
             <a:fld id="{4D9E9568-0F03-4866-87AD-CAF9FA4FA032}" type="datetimeFigureOut">
               <a:rPr lang="nl-NL" smtClean="0"/>
-              <a:t>14-9-2023</a:t>
+              <a:t>29-2-2024</a:t>
             </a:fld>
-            <a:endParaRPr lang="nl-NL" dirty="0"/>
+            <a:endParaRPr lang="nl-NL"/>
           </a:p>
         </p:txBody>
       </p:sp>
@@ -5197,7 +5197,7 @@
           <a:bodyPr/>
           <a:lstStyle/>
           <a:p>
-            <a:endParaRPr lang="nl-NL" dirty="0"/>
+            <a:endParaRPr lang="nl-NL"/>
           </a:p>
         </p:txBody>
       </p:sp>
@@ -5220,7 +5220,7 @@
               <a:rPr lang="nl-NL" smtClean="0"/>
               <a:t>‹#›</a:t>
             </a:fld>
-            <a:endParaRPr lang="nl-NL" dirty="0"/>
+            <a:endParaRPr lang="nl-NL"/>
           </a:p>
         </p:txBody>
       </p:sp>
@@ -5299,9 +5299,9 @@
           <a:p>
             <a:fld id="{4D9E9568-0F03-4866-87AD-CAF9FA4FA032}" type="datetimeFigureOut">
               <a:rPr lang="nl-NL" smtClean="0"/>
-              <a:t>14-9-2023</a:t>
+              <a:t>29-2-2024</a:t>
             </a:fld>
-            <a:endParaRPr lang="nl-NL" dirty="0"/>
+            <a:endParaRPr lang="nl-NL"/>
           </a:p>
         </p:txBody>
       </p:sp>
@@ -5320,7 +5320,7 @@
           <a:bodyPr/>
           <a:lstStyle/>
           <a:p>
-            <a:endParaRPr lang="nl-NL" dirty="0"/>
+            <a:endParaRPr lang="nl-NL"/>
           </a:p>
         </p:txBody>
       </p:sp>
@@ -5343,7 +5343,7 @@
               <a:rPr lang="nl-NL" smtClean="0"/>
               <a:t>‹#›</a:t>
             </a:fld>
-            <a:endParaRPr lang="nl-NL" dirty="0"/>
+            <a:endParaRPr lang="nl-NL"/>
           </a:p>
         </p:txBody>
       </p:sp>
@@ -5394,9 +5394,9 @@
           <a:p>
             <a:fld id="{4D9E9568-0F03-4866-87AD-CAF9FA4FA032}" type="datetimeFigureOut">
               <a:rPr lang="nl-NL" smtClean="0"/>
-              <a:t>14-9-2023</a:t>
+              <a:t>29-2-2024</a:t>
             </a:fld>
-            <a:endParaRPr lang="nl-NL" dirty="0"/>
+            <a:endParaRPr lang="nl-NL"/>
           </a:p>
         </p:txBody>
       </p:sp>
@@ -5415,7 +5415,7 @@
           <a:bodyPr/>
           <a:lstStyle/>
           <a:p>
-            <a:endParaRPr lang="nl-NL" dirty="0"/>
+            <a:endParaRPr lang="nl-NL"/>
           </a:p>
         </p:txBody>
       </p:sp>
@@ -5438,7 +5438,7 @@
               <a:rPr lang="nl-NL" smtClean="0"/>
               <a:t>‹#›</a:t>
             </a:fld>
-            <a:endParaRPr lang="nl-NL" dirty="0"/>
+            <a:endParaRPr lang="nl-NL"/>
           </a:p>
         </p:txBody>
       </p:sp>
@@ -5649,9 +5649,9 @@
           <a:p>
             <a:fld id="{4D9E9568-0F03-4866-87AD-CAF9FA4FA032}" type="datetimeFigureOut">
               <a:rPr lang="nl-NL" smtClean="0"/>
-              <a:t>14-9-2023</a:t>
+              <a:t>29-2-2024</a:t>
             </a:fld>
-            <a:endParaRPr lang="nl-NL" dirty="0"/>
+            <a:endParaRPr lang="nl-NL"/>
           </a:p>
         </p:txBody>
       </p:sp>
@@ -5670,7 +5670,7 @@
           <a:bodyPr/>
           <a:lstStyle/>
           <a:p>
-            <a:endParaRPr lang="nl-NL" dirty="0"/>
+            <a:endParaRPr lang="nl-NL"/>
           </a:p>
         </p:txBody>
       </p:sp>
@@ -5693,7 +5693,7 @@
               <a:rPr lang="nl-NL" smtClean="0"/>
               <a:t>‹#›</a:t>
             </a:fld>
-            <a:endParaRPr lang="nl-NL" dirty="0"/>
+            <a:endParaRPr lang="nl-NL"/>
           </a:p>
         </p:txBody>
       </p:sp>
@@ -5821,7 +5821,7 @@
           </a:lstStyle>
           <a:p>
             <a:r>
-              <a:rPr lang="en-US" dirty="0"/>
+              <a:rPr lang="en-US"/>
               <a:t>Click icon to add picture</a:t>
             </a:r>
           </a:p>
@@ -5909,7 +5909,7 @@
           <a:bodyPr/>
           <a:lstStyle/>
           <a:p>
-            <a:endParaRPr lang="nl-NL" dirty="0"/>
+            <a:endParaRPr lang="nl-NL"/>
           </a:p>
         </p:txBody>
       </p:sp>
@@ -5932,7 +5932,7 @@
               <a:rPr lang="nl-NL" smtClean="0"/>
               <a:t>‹#›</a:t>
             </a:fld>
-            <a:endParaRPr lang="nl-NL" dirty="0"/>
+            <a:endParaRPr lang="nl-NL"/>
           </a:p>
         </p:txBody>
       </p:sp>
@@ -5953,9 +5953,9 @@
           <a:p>
             <a:fld id="{4D9E9568-0F03-4866-87AD-CAF9FA4FA032}" type="datetimeFigureOut">
               <a:rPr lang="nl-NL" smtClean="0"/>
-              <a:t>14-9-2023</a:t>
+              <a:t>29-2-2024</a:t>
             </a:fld>
-            <a:endParaRPr lang="nl-NL" dirty="0"/>
+            <a:endParaRPr lang="nl-NL"/>
           </a:p>
         </p:txBody>
       </p:sp>
@@ -6655,9 +6655,9 @@
           <a:p>
             <a:fld id="{4D9E9568-0F03-4866-87AD-CAF9FA4FA032}" type="datetimeFigureOut">
               <a:rPr lang="nl-NL" smtClean="0"/>
-              <a:t>14-9-2023</a:t>
+              <a:t>29-2-2024</a:t>
             </a:fld>
-            <a:endParaRPr lang="nl-NL" dirty="0"/>
+            <a:endParaRPr lang="nl-NL"/>
           </a:p>
         </p:txBody>
       </p:sp>
@@ -6694,7 +6694,7 @@
             </a:lvl1pPr>
           </a:lstStyle>
           <a:p>
-            <a:endParaRPr lang="nl-NL" dirty="0"/>
+            <a:endParaRPr lang="nl-NL"/>
           </a:p>
         </p:txBody>
       </p:sp>
@@ -6733,7 +6733,7 @@
               <a:rPr lang="nl-NL" smtClean="0"/>
               <a:t>‹#›</a:t>
             </a:fld>
-            <a:endParaRPr lang="nl-NL" dirty="0"/>
+            <a:endParaRPr lang="nl-NL"/>
           </a:p>
         </p:txBody>
       </p:sp>
@@ -7225,7 +7225,7 @@
               <a:defRPr/>
             </a:pPr>
             <a:r>
-              <a:rPr lang="en-US" sz="7200" cap="none" dirty="0">
+              <a:rPr lang="en-US" sz="7200" cap="none">
                 <a:solidFill>
                   <a:srgbClr val="0070C0"/>
                 </a:solidFill>
@@ -7233,14 +7233,14 @@
               <a:t>SmallJS</a:t>
             </a:r>
             <a:br>
-              <a:rPr lang="en-US" cap="none" dirty="0">
+              <a:rPr lang="en-US" cap="none">
                 <a:solidFill>
                   <a:srgbClr val="0070C0"/>
                 </a:solidFill>
               </a:rPr>
             </a:br>
             <a:r>
-              <a:rPr kumimoji="0" lang="en-US" sz="2400" b="0" i="0" u="none" strike="noStrike" kern="1200" cap="none" spc="0" normalizeH="0" baseline="0" noProof="0" dirty="0">
+              <a:rPr kumimoji="0" lang="en-US" sz="2400" b="0" i="0" u="none" strike="noStrike" kern="1200" cap="none" spc="0" normalizeH="0" baseline="0" noProof="0">
                 <a:ln>
                   <a:noFill/>
                 </a:ln>
@@ -7259,7 +7259,7 @@
               </a:rPr>
               <a:t>Back to elegance</a:t>
             </a:r>
-            <a:endParaRPr lang="en-US" sz="2400" cap="none" dirty="0">
+            <a:endParaRPr lang="en-US" sz="2400" cap="none">
               <a:solidFill>
                 <a:srgbClr val="0070C0"/>
               </a:solidFill>
@@ -7332,16 +7332,8 @@
           <a:lstStyle/>
           <a:p>
             <a:r>
-              <a:rPr lang="nl-NL" dirty="0"/>
-              <a:t>Open </a:t>
-            </a:r>
-            <a:r>
-              <a:rPr lang="nl-NL" dirty="0" err="1"/>
-              <a:t>sourced</a:t>
-            </a:r>
-            <a:r>
-              <a:rPr lang="nl-NL" dirty="0"/>
-              <a:t> on: github.com/Small-JS/SmallJS</a:t>
+              <a:rPr lang="nl-NL"/>
+              <a:t>Open sourced on: github.com/Small-JS/SmallJS</a:t>
             </a:r>
           </a:p>
         </p:txBody>
@@ -7404,14 +7396,14 @@
           <a:p>
             <a:pPr algn="ctr"/>
             <a:r>
-              <a:rPr lang="en-US" dirty="0">
+              <a:rPr lang="en-US">
                 <a:solidFill>
                   <a:srgbClr val="0070C0"/>
                 </a:solidFill>
               </a:rPr>
               <a:t>SmallJS summary</a:t>
             </a:r>
-            <a:endParaRPr lang="nl-NL" dirty="0">
+            <a:endParaRPr lang="nl-NL">
               <a:solidFill>
                 <a:srgbClr val="0070C0"/>
               </a:solidFill>
@@ -7446,31 +7438,31 @@
           <a:lstStyle/>
           <a:p>
             <a:r>
-              <a:rPr lang="en-US" sz="2400" b="1" dirty="0"/>
+              <a:rPr lang="en-US" sz="2400" b="1"/>
               <a:t>Uses the elegant and safe Smalltalk language!</a:t>
             </a:r>
           </a:p>
           <a:p>
             <a:r>
-              <a:rPr lang="en-US" sz="2400" dirty="0"/>
+              <a:rPr lang="en-US" sz="2400"/>
               <a:t>Integrates tightly with JS.</a:t>
             </a:r>
           </a:p>
           <a:p>
             <a:r>
-              <a:rPr lang="en-US" sz="2400" dirty="0"/>
+              <a:rPr lang="en-US" sz="2400"/>
               <a:t>Familiar JS class and method names.</a:t>
             </a:r>
           </a:p>
           <a:p>
             <a:r>
-              <a:rPr lang="en-US" sz="2400" dirty="0"/>
+              <a:rPr lang="en-US" sz="2400"/>
               <a:t>Use with your favorite IDE.</a:t>
             </a:r>
           </a:p>
           <a:p>
             <a:r>
-              <a:rPr lang="en-US" sz="2400" dirty="0"/>
+              <a:rPr lang="en-US" sz="2400"/>
               <a:t>Incremental use possible, mix and match.</a:t>
             </a:r>
           </a:p>
@@ -7534,14 +7526,14 @@
           <a:p>
             <a:pPr algn="ctr"/>
             <a:r>
-              <a:rPr lang="en-US" dirty="0">
+              <a:rPr lang="en-US">
                 <a:solidFill>
                   <a:srgbClr val="0070C0"/>
                 </a:solidFill>
               </a:rPr>
               <a:t>Any questions?</a:t>
             </a:r>
-            <a:endParaRPr lang="nl-NL" dirty="0">
+            <a:endParaRPr lang="nl-NL">
               <a:solidFill>
                 <a:srgbClr val="0070C0"/>
               </a:solidFill>
@@ -7645,7 +7637,7 @@
           <a:p>
             <a:pPr algn="ctr"/>
             <a:r>
-              <a:rPr lang="nl-NL" sz="2400" dirty="0"/>
+              <a:rPr lang="nl-NL" sz="2400"/>
               <a:t>github.com/Small-JS/SmallJS</a:t>
             </a:r>
           </a:p>
@@ -7709,14 +7701,14 @@
           <a:p>
             <a:pPr algn="ctr"/>
             <a:r>
-              <a:rPr lang="en-US" dirty="0">
+              <a:rPr lang="en-US">
                 <a:solidFill>
                   <a:srgbClr val="0070C0"/>
                 </a:solidFill>
               </a:rPr>
               <a:t>What is SmallJS?</a:t>
             </a:r>
-            <a:endParaRPr lang="nl-NL" dirty="0">
+            <a:endParaRPr lang="nl-NL">
               <a:solidFill>
                 <a:srgbClr val="0070C0"/>
               </a:solidFill>
@@ -7753,80 +7745,80 @@
           <a:lstStyle/>
           <a:p>
             <a:r>
-              <a:rPr lang="en-US" sz="2400" dirty="0"/>
+              <a:rPr lang="en-US" sz="2400"/>
               <a:t>Transpiler from Smalltalk to efficient, lightweight JavaScript.</a:t>
             </a:r>
           </a:p>
           <a:p>
             <a:r>
-              <a:rPr lang="en-US" sz="2400" dirty="0"/>
+              <a:rPr lang="en-US" sz="2400"/>
               <a:t>JS code runs in all browsers </a:t>
             </a:r>
             <a:r>
-              <a:rPr lang="en-US" sz="2400" b="1" i="1" dirty="0"/>
+              <a:rPr lang="en-US" sz="2400" b="1" i="1"/>
               <a:t>and</a:t>
             </a:r>
             <a:r>
-              <a:rPr lang="en-US" sz="2400" dirty="0"/>
+              <a:rPr lang="en-US" sz="2400"/>
               <a:t> Node.js.</a:t>
             </a:r>
           </a:p>
           <a:p>
             <a:r>
-              <a:rPr lang="en-US" sz="2400" dirty="0"/>
+              <a:rPr lang="en-US" sz="2400"/>
               <a:t>Smalltalk-80 language syntax support</a:t>
             </a:r>
           </a:p>
           <a:p>
             <a:pPr lvl="1"/>
             <a:r>
-              <a:rPr lang="en-US" sz="2000" dirty="0"/>
+              <a:rPr lang="en-US" sz="2000"/>
               <a:t>Class and method names like familiar JS.</a:t>
             </a:r>
           </a:p>
           <a:p>
             <a:r>
-              <a:rPr lang="en-US" sz="2400" dirty="0"/>
+              <a:rPr lang="en-US" sz="2400"/>
               <a:t>Source file based (not image based).</a:t>
             </a:r>
           </a:p>
           <a:p>
             <a:r>
-              <a:rPr lang="en-US" sz="2400" dirty="0"/>
+              <a:rPr lang="en-US" sz="2400"/>
               <a:t>Development in Visual Studio Code IDE</a:t>
             </a:r>
           </a:p>
           <a:p>
             <a:pPr lvl="1"/>
             <a:r>
-              <a:rPr lang="en-US" sz="2200" dirty="0"/>
+              <a:rPr lang="en-US" sz="2200"/>
               <a:t>With syntax coloring and step debugging!</a:t>
             </a:r>
           </a:p>
           <a:p>
             <a:r>
-              <a:rPr lang="en-US" sz="2400" dirty="0"/>
+              <a:rPr lang="en-US" sz="2400"/>
               <a:t>JS libraries already encapsulated in ST:</a:t>
             </a:r>
           </a:p>
           <a:p>
             <a:pPr lvl="1"/>
             <a:r>
-              <a:rPr lang="en-US" sz="2000" dirty="0"/>
+              <a:rPr lang="en-US" sz="2000"/>
               <a:t>Browser: Document, Window, HTML elements, events, CSS, streams.</a:t>
             </a:r>
           </a:p>
           <a:p>
             <a:pPr lvl="1"/>
             <a:r>
-              <a:rPr lang="en-US" sz="2000" dirty="0"/>
+              <a:rPr lang="en-US" sz="2000"/>
               <a:t>Node.JS: HTTP server, Express, 3 databases.</a:t>
             </a:r>
           </a:p>
           <a:p>
             <a:r>
-              <a:rPr lang="en-US" sz="2200" dirty="0"/>
-              <a:t>Example webshop client + server app template.</a:t>
+              <a:rPr lang="en-US" sz="2200"/>
+              <a:t>Examples, including a webshop client + server app template.</a:t>
             </a:r>
           </a:p>
         </p:txBody>
@@ -7888,14 +7880,14 @@
           <a:lstStyle/>
           <a:p>
             <a:r>
-              <a:rPr lang="en-US" dirty="0">
+              <a:rPr lang="en-US">
                 <a:solidFill>
                   <a:srgbClr val="0070C0"/>
                 </a:solidFill>
               </a:rPr>
               <a:t>How does it look?</a:t>
             </a:r>
-            <a:endParaRPr lang="nl-NL" dirty="0">
+            <a:endParaRPr lang="nl-NL">
               <a:solidFill>
                 <a:srgbClr val="0070C0"/>
               </a:solidFill>
@@ -7924,7 +7916,7 @@
           <a:bodyPr/>
           <a:lstStyle/>
           <a:p>
-            <a:endParaRPr lang="en-US" dirty="0"/>
+            <a:endParaRPr lang="en-US"/>
           </a:p>
         </p:txBody>
       </p:sp>
@@ -8041,14 +8033,14 @@
           <a:p>
             <a:pPr algn="ctr"/>
             <a:r>
-              <a:rPr lang="en-US" dirty="0">
+              <a:rPr lang="en-US">
                 <a:solidFill>
                   <a:srgbClr val="0070C0"/>
                 </a:solidFill>
               </a:rPr>
               <a:t>Why use SmallJS?</a:t>
             </a:r>
-            <a:endParaRPr lang="nl-NL" dirty="0">
+            <a:endParaRPr lang="nl-NL">
               <a:solidFill>
                 <a:srgbClr val="0070C0"/>
               </a:solidFill>
@@ -8085,52 +8077,52 @@
           <a:lstStyle/>
           <a:p>
             <a:r>
-              <a:rPr lang="en-US" sz="2400" dirty="0"/>
+              <a:rPr lang="en-US" sz="2400"/>
               <a:t>The Smalltalk language syntax fits on a postcard</a:t>
             </a:r>
           </a:p>
           <a:p>
             <a:r>
-              <a:rPr lang="en-US" sz="2400" dirty="0"/>
+              <a:rPr lang="en-US" sz="2400"/>
               <a:t>Objects all the way down</a:t>
             </a:r>
           </a:p>
           <a:p>
             <a:pPr lvl="1"/>
             <a:r>
-              <a:rPr lang="en-US" sz="2000" dirty="0"/>
+              <a:rPr lang="en-US" sz="2000"/>
               <a:t>Customizable on every level.</a:t>
             </a:r>
             <a:br>
-              <a:rPr lang="en-US" sz="2000" dirty="0"/>
+              <a:rPr lang="en-US" sz="2000"/>
             </a:br>
             <a:r>
-              <a:rPr lang="en-US" sz="2000" dirty="0"/>
+              <a:rPr lang="en-US" sz="2000"/>
               <a:t>Need to add a complex number type? Easy.</a:t>
             </a:r>
           </a:p>
           <a:p>
             <a:r>
-              <a:rPr lang="en-US" sz="2400" dirty="0"/>
+              <a:rPr lang="en-US" sz="2400"/>
               <a:t>Well defined behaviors</a:t>
             </a:r>
           </a:p>
           <a:p>
             <a:pPr lvl="1"/>
             <a:r>
-              <a:rPr lang="en-US" sz="2000" dirty="0"/>
+              <a:rPr lang="en-US" sz="2000"/>
               <a:t>Integers are really integers. Controlled type conversions.</a:t>
             </a:r>
           </a:p>
           <a:p>
             <a:r>
-              <a:rPr lang="en-US" sz="2400" dirty="0"/>
+              <a:rPr lang="en-US" sz="2400"/>
               <a:t>Uses familiar JS names and functionality</a:t>
             </a:r>
           </a:p>
           <a:p>
             <a:r>
-              <a:rPr lang="en-US" sz="2400" dirty="0"/>
+              <a:rPr lang="en-US" sz="2400"/>
               <a:t>Easily mix and match JS libraries with ST</a:t>
             </a:r>
           </a:p>
@@ -8195,14 +8187,14 @@
           <a:lstStyle/>
           <a:p>
             <a:r>
-              <a:rPr lang="en-US" dirty="0">
+              <a:rPr lang="en-US">
                 <a:solidFill>
                   <a:srgbClr val="0070C0"/>
                 </a:solidFill>
               </a:rPr>
               <a:t>Smalltalk syntax on a postcard</a:t>
             </a:r>
-            <a:endParaRPr lang="nl-NL" dirty="0">
+            <a:endParaRPr lang="nl-NL">
               <a:solidFill>
                 <a:srgbClr val="0070C0"/>
               </a:solidFill>
@@ -8307,8 +8299,8 @@
         </p:nvSpPr>
         <p:spPr>
           <a:xfrm>
-            <a:off x="889001" y="1940103"/>
-            <a:ext cx="4563532" cy="4167186"/>
+            <a:off x="699912" y="1940103"/>
+            <a:ext cx="4752621" cy="4167186"/>
           </a:xfrm>
         </p:spPr>
         <p:txBody>
@@ -8318,13 +8310,16 @@
           <a:lstStyle/>
           <a:p>
             <a:pPr marL="0" indent="0">
-              <a:lnSpc>
-                <a:spcPct val="110000"/>
-              </a:lnSpc>
+              <a:spcBef>
+                <a:spcPts val="0"/>
+              </a:spcBef>
+              <a:spcAft>
+                <a:spcPts val="900"/>
+              </a:spcAft>
               <a:buNone/>
             </a:pPr>
             <a:r>
-              <a:rPr lang="en-US" sz="1400" noProof="1">
+              <a:rPr lang="en-US" sz="1300" noProof="1">
                 <a:solidFill>
                   <a:schemeClr val="tx1"/>
                 </a:solidFill>
@@ -8335,13 +8330,16 @@
           </a:p>
           <a:p>
             <a:pPr indent="0">
-              <a:lnSpc>
-                <a:spcPct val="110000"/>
-              </a:lnSpc>
+              <a:spcBef>
+                <a:spcPts val="0"/>
+              </a:spcBef>
+              <a:spcAft>
+                <a:spcPts val="900"/>
+              </a:spcAft>
               <a:buNone/>
             </a:pPr>
             <a:r>
-              <a:rPr lang="en-US" sz="1400" noProof="1">
+              <a:rPr lang="en-US" sz="1300" noProof="1">
                 <a:solidFill>
                   <a:srgbClr val="0070C0"/>
                 </a:solidFill>
@@ -8350,7 +8348,7 @@
               <a:t>squared</a:t>
             </a:r>
             <a:br>
-              <a:rPr lang="en-US" sz="1400" noProof="1">
+              <a:rPr lang="en-US" sz="1300" noProof="1">
                 <a:solidFill>
                   <a:srgbClr val="0070C0"/>
                 </a:solidFill>
@@ -8358,7 +8356,7 @@
               </a:rPr>
             </a:br>
             <a:r>
-              <a:rPr lang="en-US" sz="1400" b="0" noProof="1">
+              <a:rPr lang="en-US" sz="1300" b="0" noProof="1">
                 <a:solidFill>
                   <a:srgbClr val="0070C0"/>
                 </a:solidFill>
@@ -8367,23 +8365,19 @@
               </a:rPr>
               <a:t>  ^ self * self.</a:t>
             </a:r>
-            <a:endParaRPr lang="en-US" sz="1400" b="0" noProof="1">
-              <a:solidFill>
-                <a:srgbClr val="CCCCCC"/>
-              </a:solidFill>
-              <a:effectLst/>
-              <a:latin typeface="Consolas" panose="020B0609020204030204" pitchFamily="49" charset="0"/>
-            </a:endParaRPr>
           </a:p>
           <a:p>
             <a:pPr marL="0" lvl="1" indent="0">
-              <a:lnSpc>
-                <a:spcPct val="110000"/>
-              </a:lnSpc>
+              <a:spcBef>
+                <a:spcPts val="0"/>
+              </a:spcBef>
+              <a:spcAft>
+                <a:spcPts val="900"/>
+              </a:spcAft>
               <a:buNone/>
             </a:pPr>
             <a:r>
-              <a:rPr lang="en-US" sz="1400" noProof="1">
+              <a:rPr lang="en-US" sz="1300" noProof="1">
                 <a:solidFill>
                   <a:schemeClr val="tx1"/>
                 </a:solidFill>
@@ -8394,16 +8388,19 @@
           </a:p>
           <a:p>
             <a:pPr marL="457200" lvl="1" indent="0">
-              <a:lnSpc>
-                <a:spcPct val="110000"/>
-              </a:lnSpc>
+              <a:spcBef>
+                <a:spcPts val="0"/>
+              </a:spcBef>
+              <a:spcAft>
+                <a:spcPts val="900"/>
+              </a:spcAft>
               <a:buNone/>
               <a:tabLst>
                 <a:tab pos="685800" algn="l"/>
               </a:tabLst>
             </a:pPr>
             <a:r>
-              <a:rPr lang="en-US" sz="1400" noProof="1">
+              <a:rPr lang="en-US" sz="1300" noProof="1">
                 <a:solidFill>
                   <a:srgbClr val="0070C0"/>
                 </a:solidFill>
@@ -8412,7 +8409,7 @@
               <a:t>10 squared     </a:t>
             </a:r>
             <a:r>
-              <a:rPr lang="en-US" sz="1400" noProof="1">
+              <a:rPr lang="en-US" sz="1300" noProof="1">
                 <a:latin typeface="Consolas" panose="020B0609020204030204" pitchFamily="49" charset="0"/>
               </a:rPr>
               <a:t>	&gt; 100</a:t>
@@ -8420,16 +8417,19 @@
           </a:p>
           <a:p>
             <a:pPr marL="457200" lvl="1" indent="0">
-              <a:lnSpc>
-                <a:spcPct val="110000"/>
-              </a:lnSpc>
+              <a:spcBef>
+                <a:spcPts val="0"/>
+              </a:spcBef>
+              <a:spcAft>
+                <a:spcPts val="900"/>
+              </a:spcAft>
               <a:buNone/>
               <a:tabLst>
                 <a:tab pos="685800" algn="l"/>
               </a:tabLst>
             </a:pPr>
             <a:r>
-              <a:rPr lang="en-US" sz="1400" noProof="1">
+              <a:rPr lang="en-US" sz="1300" noProof="1">
                 <a:solidFill>
                   <a:srgbClr val="0070C0"/>
                 </a:solidFill>
@@ -8438,7 +8438,7 @@
               <a:t>1.5 squared    </a:t>
             </a:r>
             <a:r>
-              <a:rPr lang="en-US" sz="1400" noProof="1">
+              <a:rPr lang="en-US" sz="1300" noProof="1">
                 <a:latin typeface="Consolas" panose="020B0609020204030204" pitchFamily="49" charset="0"/>
               </a:rPr>
               <a:t>	&gt; 2.25</a:t>
@@ -8446,16 +8446,19 @@
           </a:p>
           <a:p>
             <a:pPr marL="457200" lvl="1" indent="0">
-              <a:lnSpc>
-                <a:spcPct val="110000"/>
-              </a:lnSpc>
+              <a:spcBef>
+                <a:spcPts val="0"/>
+              </a:spcBef>
+              <a:spcAft>
+                <a:spcPts val="900"/>
+              </a:spcAft>
               <a:buNone/>
               <a:tabLst>
                 <a:tab pos="685800" algn="l"/>
               </a:tabLst>
             </a:pPr>
             <a:r>
-              <a:rPr lang="en-US" sz="1400" noProof="1">
+              <a:rPr lang="en-US" sz="1300" noProof="1">
                 <a:solidFill>
                   <a:srgbClr val="0070C0"/>
                 </a:solidFill>
@@ -8464,7 +8467,7 @@
               <a:t>( 1 / 3 ) squared</a:t>
             </a:r>
             <a:r>
-              <a:rPr lang="en-US" sz="1400" noProof="1">
+              <a:rPr lang="en-US" sz="1300" noProof="1">
                 <a:latin typeface="Consolas" panose="020B0609020204030204" pitchFamily="49" charset="0"/>
               </a:rPr>
               <a:t>	&gt; ( 1 / 9 )</a:t>
@@ -8472,16 +8475,19 @@
           </a:p>
           <a:p>
             <a:pPr marL="457200" lvl="1" indent="0">
-              <a:lnSpc>
-                <a:spcPct val="110000"/>
-              </a:lnSpc>
+              <a:spcBef>
+                <a:spcPts val="0"/>
+              </a:spcBef>
+              <a:spcAft>
+                <a:spcPts val="900"/>
+              </a:spcAft>
               <a:buNone/>
               <a:tabLst>
                 <a:tab pos="685800" algn="l"/>
               </a:tabLst>
             </a:pPr>
             <a:r>
-              <a:rPr lang="en-US" sz="1400" noProof="1">
+              <a:rPr lang="en-US" sz="1300" noProof="1">
                 <a:solidFill>
                   <a:srgbClr val="0070C0"/>
                 </a:solidFill>
@@ -8490,7 +8496,7 @@
               <a:t>99999999 squared </a:t>
             </a:r>
             <a:r>
-              <a:rPr lang="en-US" sz="1400" noProof="1">
+              <a:rPr lang="en-US" sz="1300" noProof="1">
                 <a:latin typeface="Consolas" panose="020B0609020204030204" pitchFamily="49" charset="0"/>
               </a:rPr>
               <a:t>	&gt; right answer, BigInt</a:t>
@@ -8498,16 +8504,19 @@
           </a:p>
           <a:p>
             <a:pPr marL="457200" lvl="1" indent="0">
-              <a:lnSpc>
-                <a:spcPct val="110000"/>
-              </a:lnSpc>
+              <a:spcBef>
+                <a:spcPts val="0"/>
+              </a:spcBef>
+              <a:spcAft>
+                <a:spcPts val="900"/>
+              </a:spcAft>
               <a:buNone/>
               <a:tabLst>
                 <a:tab pos="685800" algn="l"/>
               </a:tabLst>
             </a:pPr>
             <a:r>
-              <a:rPr lang="en-US" sz="1400" noProof="1">
+              <a:rPr lang="en-US" sz="1300" noProof="1">
                 <a:solidFill>
                   <a:srgbClr val="0070C0"/>
                 </a:solidFill>
@@ -8516,7 +8525,7 @@
               <a:t>‘s’ squared</a:t>
             </a:r>
             <a:r>
-              <a:rPr lang="en-US" sz="1400" noProof="1">
+              <a:rPr lang="en-US" sz="1300" noProof="1">
                 <a:latin typeface="Consolas" panose="020B0609020204030204" pitchFamily="49" charset="0"/>
               </a:rPr>
               <a:t>		&gt; error, stops</a:t>
@@ -8524,19 +8533,22 @@
           </a:p>
           <a:p>
             <a:pPr marL="0" indent="0">
-              <a:lnSpc>
-                <a:spcPct val="110000"/>
-              </a:lnSpc>
+              <a:spcBef>
+                <a:spcPts val="900"/>
+              </a:spcBef>
+              <a:spcAft>
+                <a:spcPts val="900"/>
+              </a:spcAft>
               <a:buNone/>
             </a:pPr>
             <a:r>
-              <a:rPr lang="en-US" sz="1400" dirty="0">
+              <a:rPr lang="en-US" sz="1300">
                 <a:solidFill>
                   <a:schemeClr val="tx1"/>
                 </a:solidFill>
                 <a:latin typeface="Consolas" panose="020B0609020204030204" pitchFamily="49" charset="0"/>
               </a:rPr>
-              <a:t>Number is a base class for Integer, Float, Fraction and BigInt, but not String.</a:t>
+              <a:t>&gt; Number is a base class for Integer, Float, Fraction and BigInt, but not String.</a:t>
             </a:r>
           </a:p>
         </p:txBody>
@@ -8649,7 +8661,7 @@
             </a:lvl9pPr>
           </a:lstStyle>
           <a:p>
-            <a:endParaRPr lang="nl-NL" dirty="0">
+            <a:endParaRPr lang="nl-NL">
               <a:solidFill>
                 <a:srgbClr val="0070C0"/>
               </a:solidFill>
@@ -9191,26 +9203,6 @@
                 <a:tab pos="685800" algn="l"/>
               </a:tabLst>
             </a:pPr>
-            <a:endParaRPr lang="en-US" sz="1300" noProof="1">
-              <a:solidFill>
-                <a:schemeClr val="tx1"/>
-              </a:solidFill>
-              <a:latin typeface="Consolas" panose="020B0609020204030204" pitchFamily="49" charset="0"/>
-            </a:endParaRPr>
-          </a:p>
-          <a:p>
-            <a:pPr marL="0" lvl="1" indent="0">
-              <a:spcBef>
-                <a:spcPts val="0"/>
-              </a:spcBef>
-              <a:spcAft>
-                <a:spcPts val="900"/>
-              </a:spcAft>
-              <a:buNone/>
-              <a:tabLst>
-                <a:tab pos="685800" algn="l"/>
-              </a:tabLst>
-            </a:pPr>
             <a:r>
               <a:rPr lang="en-US" sz="1300" noProof="1">
                 <a:solidFill>
@@ -9218,7 +9210,7 @@
                 </a:solidFill>
                 <a:latin typeface="Consolas" panose="020B0609020204030204" pitchFamily="49" charset="0"/>
               </a:rPr>
-              <a:t>No fractions, BigInt not integrated, </a:t>
+              <a:t>&gt; No (safe) integers, no fractions, BigInt not integrated, </a:t>
             </a:r>
             <a:br>
               <a:rPr lang="en-US" sz="1300" noProof="1">
@@ -9235,14 +9227,14 @@
                 </a:solidFill>
                 <a:latin typeface="Consolas" panose="020B0609020204030204" pitchFamily="49" charset="0"/>
               </a:rPr>
-              <a:t>unsafe type coersion.</a:t>
-            </a:r>
-            <a:endParaRPr lang="en-US" sz="1400" dirty="0">
+              <a:t>error prone type coersion.</a:t>
+            </a:r>
+            <a:endParaRPr lang="en-US" sz="1400">
               <a:latin typeface="Consolas" panose="020B0609020204030204" pitchFamily="49" charset="0"/>
             </a:endParaRPr>
           </a:p>
           <a:p>
-            <a:endParaRPr lang="nl-NL" sz="1400" dirty="0">
+            <a:endParaRPr lang="nl-NL" sz="1400">
               <a:solidFill>
                 <a:srgbClr val="CCCCCC"/>
               </a:solidFill>
@@ -9251,10 +9243,10 @@
           </a:p>
           <a:p>
             <a:pPr lvl="1"/>
-            <a:endParaRPr lang="en-US" sz="1400" dirty="0"/>
-          </a:p>
-          <a:p>
-            <a:endParaRPr lang="nl-NL" dirty="0"/>
+            <a:endParaRPr lang="en-US" sz="1400"/>
+          </a:p>
+          <a:p>
+            <a:endParaRPr lang="nl-NL"/>
           </a:p>
         </p:txBody>
       </p:sp>
@@ -9290,14 +9282,14 @@
               </a:spcAft>
             </a:pPr>
             <a:r>
-              <a:rPr lang="en-US" dirty="0">
+              <a:rPr lang="en-US">
                 <a:solidFill>
                   <a:srgbClr val="0070C0"/>
                 </a:solidFill>
               </a:rPr>
               <a:t>Example ST vs JS</a:t>
             </a:r>
-            <a:endParaRPr lang="nl-NL" sz="2800" dirty="0">
+            <a:endParaRPr lang="nl-NL" sz="2800">
               <a:solidFill>
                 <a:srgbClr val="0070C0"/>
               </a:solidFill>
@@ -9414,14 +9406,14 @@
               </a:tabLst>
             </a:pPr>
             <a:r>
-              <a:rPr lang="en-US" sz="2800" dirty="0">
+              <a:rPr lang="en-US" sz="2800">
                 <a:solidFill>
                   <a:srgbClr val="0070C0"/>
                 </a:solidFill>
               </a:rPr>
               <a:t>SmallJS	JavaScript</a:t>
             </a:r>
-            <a:endParaRPr lang="nl-NL" sz="2800" dirty="0">
+            <a:endParaRPr lang="nl-NL" sz="2800">
               <a:solidFill>
                 <a:srgbClr val="0070C0"/>
               </a:solidFill>
@@ -9491,14 +9483,14 @@
               </a:spcAft>
             </a:pPr>
             <a:r>
-              <a:rPr lang="en-US" dirty="0">
+              <a:rPr lang="en-US">
                 <a:solidFill>
                   <a:srgbClr val="0070C0"/>
                 </a:solidFill>
               </a:rPr>
               <a:t>What about my new JS/TS features?</a:t>
             </a:r>
-            <a:endParaRPr lang="nl-NL" sz="2800" dirty="0">
+            <a:endParaRPr lang="nl-NL" sz="2800">
               <a:solidFill>
                 <a:srgbClr val="0070C0"/>
               </a:solidFill>
@@ -9521,14 +9513,14 @@
           <p:nvPr>
             <p:extLst>
               <p:ext uri="{D42A27DB-BD31-4B8C-83A1-F6EECF244321}">
-                <p14:modId xmlns:p14="http://schemas.microsoft.com/office/powerpoint/2010/main" val="1222206810"/>
+                <p14:modId xmlns:p14="http://schemas.microsoft.com/office/powerpoint/2010/main" val="2228130788"/>
               </p:ext>
             </p:extLst>
           </p:nvPr>
         </p:nvGraphicFramePr>
         <p:xfrm>
           <a:off x="699912" y="1644906"/>
-          <a:ext cx="7202310" cy="4358640"/>
+          <a:ext cx="7202310" cy="4023360"/>
         </p:xfrm>
         <a:graphic>
           <a:graphicData uri="http://schemas.openxmlformats.org/drawingml/2006/table">
@@ -9559,7 +9551,7 @@
                     <a:lstStyle/>
                     <a:p>
                       <a:r>
-                        <a:rPr lang="en-US" sz="1600" dirty="0"/>
+                        <a:rPr lang="en-US" sz="1600"/>
                         <a:t>Feature</a:t>
                       </a:r>
                     </a:p>
@@ -9572,7 +9564,7 @@
                     <a:lstStyle/>
                     <a:p>
                       <a:r>
-                        <a:rPr lang="en-US" sz="1600" dirty="0"/>
+                        <a:rPr lang="en-US" sz="1600"/>
                         <a:t>ST solution</a:t>
                       </a:r>
                     </a:p>
@@ -9592,8 +9584,8 @@
                     <a:lstStyle/>
                     <a:p>
                       <a:r>
-                        <a:rPr lang="en-US" sz="1600" dirty="0"/>
-                        <a:t>functional approach</a:t>
+                        <a:rPr lang="en-US" sz="1600"/>
+                        <a:t>functional programming</a:t>
                       </a:r>
                     </a:p>
                   </a:txBody>
@@ -9605,8 +9597,8 @@
                     <a:lstStyle/>
                     <a:p>
                       <a:r>
-                        <a:rPr lang="en-US" sz="1600" dirty="0"/>
-                        <a:t>Don't use state vars. Array iterators.</a:t>
+                        <a:rPr lang="en-US" sz="1600"/>
+                        <a:t>Don't use state vars. Use array iterators.</a:t>
                       </a:r>
                     </a:p>
                   </a:txBody>
@@ -9625,7 +9617,7 @@
                     <a:lstStyle/>
                     <a:p>
                       <a:r>
-                        <a:rPr lang="en-US" sz="1600" dirty="0"/>
+                        <a:rPr lang="en-US" sz="1600"/>
                         <a:t>interface</a:t>
                       </a:r>
                     </a:p>
@@ -9638,8 +9630,8 @@
                     <a:lstStyle/>
                     <a:p>
                       <a:r>
-                        <a:rPr lang="en-US" sz="1600" dirty="0"/>
-                        <a:t>Abstract base class.</a:t>
+                        <a:rPr lang="en-US" sz="1600"/>
+                        <a:t>Abstract base class</a:t>
                       </a:r>
                     </a:p>
                   </a:txBody>
@@ -9658,8 +9650,8 @@
                     <a:lstStyle/>
                     <a:p>
                       <a:r>
-                        <a:rPr lang="en-US" sz="1600" dirty="0"/>
-                        <a:t>record</a:t>
+                        <a:rPr lang="en-US" sz="1600"/>
+                        <a:t>Record, tuple</a:t>
                       </a:r>
                     </a:p>
                   </a:txBody>
@@ -9671,8 +9663,8 @@
                     <a:lstStyle/>
                     <a:p>
                       <a:r>
-                        <a:rPr lang="en-US" sz="1600" dirty="0"/>
-                        <a:t>Class with only getters.</a:t>
+                        <a:rPr lang="en-US" sz="1600"/>
+                        <a:t>Class with only getters</a:t>
                       </a:r>
                     </a:p>
                   </a:txBody>
@@ -9691,7 +9683,7 @@
                     <a:lstStyle/>
                     <a:p>
                       <a:r>
-                        <a:rPr lang="en-US" sz="1600" dirty="0"/>
+                        <a:rPr lang="en-US" sz="1600"/>
                         <a:t>decorator</a:t>
                       </a:r>
                     </a:p>
@@ -9704,8 +9696,8 @@
                     <a:lstStyle/>
                     <a:p>
                       <a:r>
-                        <a:rPr lang="en-US" sz="1600" dirty="0"/>
-                        <a:t>Pass function (block)</a:t>
+                        <a:rPr lang="en-US" sz="1600"/>
+                        <a:t>Pass anonymous function (block)</a:t>
                       </a:r>
                     </a:p>
                   </a:txBody>
@@ -9724,7 +9716,7 @@
                     <a:lstStyle/>
                     <a:p>
                       <a:r>
-                        <a:rPr lang="en-US" sz="1600" dirty="0"/>
+                        <a:rPr lang="en-US" sz="1600"/>
                         <a:t>static</a:t>
                       </a:r>
                     </a:p>
@@ -9737,7 +9729,7 @@
                     <a:lstStyle/>
                     <a:p>
                       <a:r>
-                        <a:rPr lang="en-US" sz="1600" dirty="0"/>
+                        <a:rPr lang="en-US" sz="1600"/>
                         <a:t>Class method</a:t>
                       </a:r>
                     </a:p>
@@ -9757,7 +9749,7 @@
                     <a:lstStyle/>
                     <a:p>
                       <a:r>
-                        <a:rPr lang="en-US" sz="1600" dirty="0"/>
+                        <a:rPr lang="en-US" sz="1600"/>
                         <a:t>private</a:t>
                       </a:r>
                     </a:p>
@@ -9770,7 +9762,7 @@
                     <a:lstStyle/>
                     <a:p>
                       <a:r>
-                        <a:rPr lang="en-US" sz="1600" dirty="0"/>
+                        <a:rPr lang="en-US" sz="1600"/>
                         <a:t>No getter method</a:t>
                       </a:r>
                     </a:p>
@@ -9790,7 +9782,7 @@
                     <a:lstStyle/>
                     <a:p>
                       <a:r>
-                        <a:rPr lang="en-US" sz="1600" dirty="0"/>
+                        <a:rPr lang="en-US" sz="1600"/>
                         <a:t>variable argument list</a:t>
                       </a:r>
                     </a:p>
@@ -9803,7 +9795,7 @@
                     <a:lstStyle/>
                     <a:p>
                       <a:r>
-                        <a:rPr lang="en-US" sz="1600" dirty="0"/>
+                        <a:rPr lang="en-US" sz="1600"/>
                         <a:t>Array</a:t>
                       </a:r>
                     </a:p>
@@ -9823,40 +9815,7 @@
                     <a:lstStyle/>
                     <a:p>
                       <a:r>
-                        <a:rPr lang="en-US" sz="1600" dirty="0"/>
-                        <a:t>tuple</a:t>
-                      </a:r>
-                    </a:p>
-                  </a:txBody>
-                  <a:tcPr/>
-                </a:tc>
-                <a:tc>
-                  <a:txBody>
-                    <a:bodyPr/>
-                    <a:lstStyle/>
-                    <a:p>
-                      <a:r>
-                        <a:rPr lang="en-US" sz="1600" dirty="0"/>
-                        <a:t>Class</a:t>
-                      </a:r>
-                    </a:p>
-                  </a:txBody>
-                  <a:tcPr/>
-                </a:tc>
-                <a:extLst>
-                  <a:ext uri="{0D108BD9-81ED-4DB2-BD59-A6C34878D82A}">
-                    <a16:rowId xmlns:a16="http://schemas.microsoft.com/office/drawing/2014/main" val="978215940"/>
-                  </a:ext>
-                </a:extLst>
-              </a:tr>
-              <a:tr h="0">
-                <a:tc>
-                  <a:txBody>
-                    <a:bodyPr/>
-                    <a:lstStyle/>
-                    <a:p>
-                      <a:r>
-                        <a:rPr lang="en-US" sz="1600" dirty="0"/>
+                        <a:rPr lang="en-US" sz="1600"/>
                         <a:t>optional argument</a:t>
                       </a:r>
                     </a:p>
@@ -9869,8 +9828,8 @@
                     <a:lstStyle/>
                     <a:p>
                       <a:r>
-                        <a:rPr lang="en-US" sz="1600" dirty="0"/>
-                        <a:t>Extra 1-line method.</a:t>
+                        <a:rPr lang="en-US" sz="1600"/>
+                        <a:t>Extra 1-line method</a:t>
                       </a:r>
                     </a:p>
                   </a:txBody>
@@ -9889,7 +9848,7 @@
                     <a:lstStyle/>
                     <a:p>
                       <a:r>
-                        <a:rPr lang="en-US" sz="1600" dirty="0"/>
+                        <a:rPr lang="en-US" sz="1600"/>
                         <a:t>import / export </a:t>
                       </a:r>
                     </a:p>
@@ -9902,7 +9861,7 @@
                     <a:lstStyle/>
                     <a:p>
                       <a:r>
-                        <a:rPr lang="en-US" sz="1600" dirty="0"/>
+                        <a:rPr lang="en-US" sz="1600"/>
                         <a:t>Automatic</a:t>
                       </a:r>
                     </a:p>
@@ -9922,7 +9881,7 @@
                     <a:lstStyle/>
                     <a:p>
                       <a:r>
-                        <a:rPr lang="en-US" sz="1600" dirty="0"/>
+                        <a:rPr lang="en-US" sz="1600"/>
                         <a:t>async / await</a:t>
                       </a:r>
                     </a:p>
@@ -9935,7 +9894,7 @@
                     <a:lstStyle/>
                     <a:p>
                       <a:r>
-                        <a:rPr lang="en-US" sz="1600" dirty="0"/>
+                        <a:rPr lang="en-US" sz="1600"/>
                         <a:t>Implemented, unfortunately...</a:t>
                       </a:r>
                     </a:p>
@@ -9955,7 +9914,7 @@
                     <a:lstStyle/>
                     <a:p>
                       <a:r>
-                        <a:rPr lang="en-US" sz="1600" dirty="0"/>
+                        <a:rPr lang="en-US" sz="1600"/>
                         <a:t>type checking</a:t>
                       </a:r>
                     </a:p>
@@ -9968,7 +9927,7 @@
                     <a:lstStyle/>
                     <a:p>
                       <a:r>
-                        <a:rPr lang="en-US" sz="1600" dirty="0"/>
+                        <a:rPr lang="en-US" sz="1600"/>
                         <a:t>Build IDE type inferencing (not yet)</a:t>
                       </a:r>
                     </a:p>
@@ -10014,7 +9973,7 @@
           <a:lstStyle/>
           <a:p>
             <a:r>
-              <a:rPr lang="en-US" dirty="0"/>
+              <a:rPr lang="en-US"/>
               <a:t>ST implementation of JS/TS language features.</a:t>
             </a:r>
           </a:p>
@@ -10063,13 +10022,13 @@
           <a:lstStyle/>
           <a:p>
             <a:r>
-              <a:rPr lang="en-US" dirty="0"/>
+              <a:rPr lang="en-US"/>
               <a:t>The philosophy is that retaining simplicity </a:t>
             </a:r>
           </a:p>
           <a:p>
             <a:r>
-              <a:rPr lang="en-US" dirty="0"/>
+              <a:rPr lang="en-US"/>
               <a:t>is worth some extra lines of  encapsulated code.</a:t>
             </a:r>
           </a:p>
@@ -10129,7 +10088,7 @@
           <a:lstStyle/>
           <a:p>
             <a:r>
-              <a:rPr lang="en-US" dirty="0">
+              <a:rPr lang="en-US">
                 <a:solidFill>
                   <a:srgbClr val="0070C0"/>
                 </a:solidFill>
@@ -10137,21 +10096,21 @@
               <a:t>SmallJS vs traditional Smalltalks</a:t>
             </a:r>
             <a:br>
-              <a:rPr lang="en-US" dirty="0">
+              <a:rPr lang="en-US">
                 <a:solidFill>
                   <a:srgbClr val="0070C0"/>
                 </a:solidFill>
               </a:rPr>
             </a:br>
             <a:r>
-              <a:rPr lang="en-US" sz="2400" dirty="0">
+              <a:rPr lang="en-US" sz="2400">
                 <a:solidFill>
                   <a:srgbClr val="0070C0"/>
                 </a:solidFill>
               </a:rPr>
               <a:t>(E.g.: Pharo, Dolphin, Cincom, Squeak)</a:t>
             </a:r>
-            <a:endParaRPr lang="nl-NL" sz="2400" dirty="0">
+            <a:endParaRPr lang="nl-NL" sz="2400">
               <a:solidFill>
                 <a:srgbClr val="0070C0"/>
               </a:solidFill>
@@ -10188,61 +10147,61 @@
           <a:lstStyle/>
           <a:p>
             <a:r>
-              <a:rPr lang="en-US" sz="2400" dirty="0"/>
+              <a:rPr lang="en-US" sz="2400"/>
               <a:t>File-based (not image-based)</a:t>
             </a:r>
           </a:p>
           <a:p>
             <a:pPr lvl="1"/>
             <a:r>
-              <a:rPr lang="en-US" dirty="0"/>
+              <a:rPr lang="en-US"/>
               <a:t>Easy source control in clear hierarchy. IDE safely separate from code. Modular class loading iso unsafe image stripping. Can use rich and familiar IDE (VSCode).</a:t>
             </a:r>
           </a:p>
           <a:p>
             <a:r>
-              <a:rPr lang="en-US" sz="2400" dirty="0"/>
+              <a:rPr lang="en-US" sz="2400"/>
               <a:t>Run anywhere</a:t>
             </a:r>
           </a:p>
           <a:p>
             <a:pPr lvl="1"/>
             <a:r>
-              <a:rPr lang="en-US" dirty="0"/>
+              <a:rPr lang="en-US"/>
               <a:t>One language for front-end and back-end apps in all browsers and Node.js.</a:t>
             </a:r>
             <a:br>
-              <a:rPr lang="en-US" dirty="0"/>
+              <a:rPr lang="en-US"/>
             </a:br>
             <a:r>
-              <a:rPr lang="en-US" dirty="0"/>
+              <a:rPr lang="en-US"/>
               <a:t>So also runs on mobile devices.</a:t>
             </a:r>
           </a:p>
           <a:p>
             <a:r>
-              <a:rPr lang="en-US" sz="2400" dirty="0"/>
+              <a:rPr lang="en-US" sz="2400"/>
               <a:t>Integrates smoothly with the rich JS ecosystem</a:t>
             </a:r>
           </a:p>
           <a:p>
             <a:pPr lvl="1"/>
             <a:r>
-              <a:rPr lang="en-US" dirty="0"/>
+              <a:rPr lang="en-US"/>
               <a:t>Typically 1 line of interfacing code per encapsulated JS method.</a:t>
             </a:r>
           </a:p>
           <a:p>
             <a:pPr lvl="1"/>
             <a:r>
-              <a:rPr lang="en-US" dirty="0"/>
+              <a:rPr lang="en-US"/>
               <a:t>ST can call JS and vice versa.</a:t>
             </a:r>
           </a:p>
           <a:p>
             <a:pPr lvl="1"/>
             <a:r>
-              <a:rPr lang="en-US" dirty="0"/>
+              <a:rPr lang="en-US"/>
               <a:t>Newly available JS features and libraries can be integrated quickly.</a:t>
             </a:r>
           </a:p>
@@ -10305,14 +10264,14 @@
           <a:lstStyle/>
           <a:p>
             <a:r>
-              <a:rPr lang="en-US" dirty="0">
+              <a:rPr lang="en-US">
                 <a:solidFill>
                   <a:srgbClr val="0070C0"/>
                 </a:solidFill>
               </a:rPr>
               <a:t>SmallJS trade-offs</a:t>
             </a:r>
-            <a:endParaRPr lang="nl-NL" dirty="0">
+            <a:endParaRPr lang="nl-NL">
               <a:solidFill>
                 <a:srgbClr val="0070C0"/>
               </a:solidFill>
@@ -10347,7 +10306,7 @@
           <a:lstStyle/>
           <a:p>
             <a:r>
-              <a:rPr lang="en-US" sz="2400" dirty="0"/>
+              <a:rPr lang="en-US" sz="2400"/>
               <a:t>ST is dynamically typed</a:t>
             </a:r>
           </a:p>
@@ -10355,34 +10314,30 @@
             <a:pPr lvl="1"/>
             <a:r>
               <a:rPr lang="en-US" sz="2000"/>
-              <a:t>An </a:t>
-            </a:r>
-            <a:r>
-              <a:rPr lang="en-US" sz="2000" dirty="0"/>
-              <a:t>IDE enhancement cloud help here.</a:t>
+              <a:t>An IDE enhancement cloud help here.</a:t>
             </a:r>
           </a:p>
           <a:p>
             <a:pPr lvl="1"/>
             <a:r>
-              <a:rPr lang="en-US" sz="2000" dirty="0"/>
+              <a:rPr lang="en-US" sz="2000"/>
               <a:t>And optional typing like TS is an idea...</a:t>
             </a:r>
           </a:p>
           <a:p>
             <a:r>
-              <a:rPr lang="en-US" sz="2400" dirty="0"/>
+              <a:rPr lang="en-US" sz="2400"/>
               <a:t>No namespaces (yet)</a:t>
             </a:r>
           </a:p>
           <a:p>
             <a:r>
-              <a:rPr lang="en-US" sz="2400" dirty="0"/>
+              <a:rPr lang="en-US" sz="2400"/>
               <a:t>Tiny community</a:t>
             </a:r>
           </a:p>
           <a:p>
-            <a:endParaRPr lang="nl-NL" dirty="0"/>
+            <a:endParaRPr lang="nl-NL"/>
           </a:p>
         </p:txBody>
       </p:sp>

--- a/Documentation/Why_SmallJS.pptx
+++ b/Documentation/Why_SmallJS.pptx
@@ -207,7 +207,7 @@
           <a:p>
             <a:fld id="{7EE9B6BF-FCD1-4AFD-A293-49BDC34FBA2C}" type="datetimeFigureOut">
               <a:rPr lang="nl-NL" smtClean="0"/>
-              <a:t>29-2-2024</a:t>
+              <a:t>1-3-2024</a:t>
             </a:fld>
             <a:endParaRPr lang="nl-NL"/>
           </a:p>
@@ -2198,7 +2198,7 @@
           <a:p>
             <a:fld id="{4D9E9568-0F03-4866-87AD-CAF9FA4FA032}" type="datetimeFigureOut">
               <a:rPr lang="nl-NL" smtClean="0"/>
-              <a:t>29-2-2024</a:t>
+              <a:t>1-3-2024</a:t>
             </a:fld>
             <a:endParaRPr lang="nl-NL"/>
           </a:p>
@@ -2449,7 +2449,7 @@
           <a:p>
             <a:fld id="{4D9E9568-0F03-4866-87AD-CAF9FA4FA032}" type="datetimeFigureOut">
               <a:rPr lang="nl-NL" smtClean="0"/>
-              <a:t>29-2-2024</a:t>
+              <a:t>1-3-2024</a:t>
             </a:fld>
             <a:endParaRPr lang="nl-NL"/>
           </a:p>
@@ -2763,7 +2763,7 @@
           <a:p>
             <a:fld id="{4D9E9568-0F03-4866-87AD-CAF9FA4FA032}" type="datetimeFigureOut">
               <a:rPr lang="nl-NL" smtClean="0"/>
-              <a:t>29-2-2024</a:t>
+              <a:t>1-3-2024</a:t>
             </a:fld>
             <a:endParaRPr lang="nl-NL"/>
           </a:p>
@@ -3096,7 +3096,7 @@
           <a:p>
             <a:fld id="{4D9E9568-0F03-4866-87AD-CAF9FA4FA032}" type="datetimeFigureOut">
               <a:rPr lang="nl-NL" smtClean="0"/>
-              <a:t>29-2-2024</a:t>
+              <a:t>1-3-2024</a:t>
             </a:fld>
             <a:endParaRPr lang="nl-NL"/>
           </a:p>
@@ -3410,7 +3410,7 @@
           <a:p>
             <a:fld id="{4D9E9568-0F03-4866-87AD-CAF9FA4FA032}" type="datetimeFigureOut">
               <a:rPr lang="nl-NL" smtClean="0"/>
-              <a:t>29-2-2024</a:t>
+              <a:t>1-3-2024</a:t>
             </a:fld>
             <a:endParaRPr lang="nl-NL"/>
           </a:p>
@@ -3803,7 +3803,7 @@
           <a:p>
             <a:fld id="{4D9E9568-0F03-4866-87AD-CAF9FA4FA032}" type="datetimeFigureOut">
               <a:rPr lang="nl-NL" smtClean="0"/>
-              <a:t>29-2-2024</a:t>
+              <a:t>1-3-2024</a:t>
             </a:fld>
             <a:endParaRPr lang="nl-NL"/>
           </a:p>
@@ -3973,7 +3973,7 @@
           <a:p>
             <a:fld id="{4D9E9568-0F03-4866-87AD-CAF9FA4FA032}" type="datetimeFigureOut">
               <a:rPr lang="nl-NL" smtClean="0"/>
-              <a:t>29-2-2024</a:t>
+              <a:t>1-3-2024</a:t>
             </a:fld>
             <a:endParaRPr lang="nl-NL"/>
           </a:p>
@@ -4153,7 +4153,7 @@
           <a:p>
             <a:fld id="{4D9E9568-0F03-4866-87AD-CAF9FA4FA032}" type="datetimeFigureOut">
               <a:rPr lang="nl-NL" smtClean="0"/>
-              <a:t>29-2-2024</a:t>
+              <a:t>1-3-2024</a:t>
             </a:fld>
             <a:endParaRPr lang="nl-NL"/>
           </a:p>
@@ -4323,7 +4323,7 @@
           <a:p>
             <a:fld id="{4D9E9568-0F03-4866-87AD-CAF9FA4FA032}" type="datetimeFigureOut">
               <a:rPr lang="nl-NL" smtClean="0"/>
-              <a:t>29-2-2024</a:t>
+              <a:t>1-3-2024</a:t>
             </a:fld>
             <a:endParaRPr lang="nl-NL"/>
           </a:p>
@@ -4570,7 +4570,7 @@
           <a:p>
             <a:fld id="{4D9E9568-0F03-4866-87AD-CAF9FA4FA032}" type="datetimeFigureOut">
               <a:rPr lang="nl-NL" smtClean="0"/>
-              <a:t>29-2-2024</a:t>
+              <a:t>1-3-2024</a:t>
             </a:fld>
             <a:endParaRPr lang="nl-NL"/>
           </a:p>
@@ -4802,7 +4802,7 @@
           <a:p>
             <a:fld id="{4D9E9568-0F03-4866-87AD-CAF9FA4FA032}" type="datetimeFigureOut">
               <a:rPr lang="nl-NL" smtClean="0"/>
-              <a:t>29-2-2024</a:t>
+              <a:t>1-3-2024</a:t>
             </a:fld>
             <a:endParaRPr lang="nl-NL"/>
           </a:p>
@@ -5176,7 +5176,7 @@
           <a:p>
             <a:fld id="{4D9E9568-0F03-4866-87AD-CAF9FA4FA032}" type="datetimeFigureOut">
               <a:rPr lang="nl-NL" smtClean="0"/>
-              <a:t>29-2-2024</a:t>
+              <a:t>1-3-2024</a:t>
             </a:fld>
             <a:endParaRPr lang="nl-NL"/>
           </a:p>
@@ -5299,7 +5299,7 @@
           <a:p>
             <a:fld id="{4D9E9568-0F03-4866-87AD-CAF9FA4FA032}" type="datetimeFigureOut">
               <a:rPr lang="nl-NL" smtClean="0"/>
-              <a:t>29-2-2024</a:t>
+              <a:t>1-3-2024</a:t>
             </a:fld>
             <a:endParaRPr lang="nl-NL"/>
           </a:p>
@@ -5394,7 +5394,7 @@
           <a:p>
             <a:fld id="{4D9E9568-0F03-4866-87AD-CAF9FA4FA032}" type="datetimeFigureOut">
               <a:rPr lang="nl-NL" smtClean="0"/>
-              <a:t>29-2-2024</a:t>
+              <a:t>1-3-2024</a:t>
             </a:fld>
             <a:endParaRPr lang="nl-NL"/>
           </a:p>
@@ -5649,7 +5649,7 @@
           <a:p>
             <a:fld id="{4D9E9568-0F03-4866-87AD-CAF9FA4FA032}" type="datetimeFigureOut">
               <a:rPr lang="nl-NL" smtClean="0"/>
-              <a:t>29-2-2024</a:t>
+              <a:t>1-3-2024</a:t>
             </a:fld>
             <a:endParaRPr lang="nl-NL"/>
           </a:p>
@@ -5953,7 +5953,7 @@
           <a:p>
             <a:fld id="{4D9E9568-0F03-4866-87AD-CAF9FA4FA032}" type="datetimeFigureOut">
               <a:rPr lang="nl-NL" smtClean="0"/>
-              <a:t>29-2-2024</a:t>
+              <a:t>1-3-2024</a:t>
             </a:fld>
             <a:endParaRPr lang="nl-NL"/>
           </a:p>
@@ -6655,7 +6655,7 @@
           <a:p>
             <a:fld id="{4D9E9568-0F03-4866-87AD-CAF9FA4FA032}" type="datetimeFigureOut">
               <a:rPr lang="nl-NL" smtClean="0"/>
-              <a:t>29-2-2024</a:t>
+              <a:t>1-3-2024</a:t>
             </a:fld>
             <a:endParaRPr lang="nl-NL"/>
           </a:p>
@@ -7338,6 +7338,36 @@
           </a:p>
         </p:txBody>
       </p:sp>
+      <p:pic>
+        <p:nvPicPr>
+          <p:cNvPr id="5" name="Picture 4">
+            <a:extLst>
+              <a:ext uri="{FF2B5EF4-FFF2-40B4-BE49-F238E27FC236}">
+                <a16:creationId xmlns:a16="http://schemas.microsoft.com/office/drawing/2014/main" id="{00A9558E-15AF-DD4C-6AA2-555E702E8830}"/>
+              </a:ext>
+            </a:extLst>
+          </p:cNvPr>
+          <p:cNvPicPr>
+            <a:picLocks noChangeAspect="1"/>
+          </p:cNvPicPr>
+          <p:nvPr/>
+        </p:nvPicPr>
+        <p:blipFill>
+          <a:blip r:embed="rId4"/>
+          <a:stretch>
+            <a:fillRect/>
+          </a:stretch>
+        </p:blipFill>
+        <p:spPr>
+          <a:xfrm>
+            <a:off x="9642668" y="3429000"/>
+            <a:ext cx="2549331" cy="3429000"/>
+          </a:xfrm>
+          <a:prstGeom prst="rect">
+            <a:avLst/>
+          </a:prstGeom>
+        </p:spPr>
+      </p:pic>
     </p:spTree>
     <p:extLst>
       <p:ext uri="{BB962C8B-B14F-4D97-AF65-F5344CB8AC3E}">

--- a/Documentation/Why_SmallJS.pptx
+++ b/Documentation/Why_SmallJS.pptx
@@ -207,7 +207,7 @@
           <a:p>
             <a:fld id="{7EE9B6BF-FCD1-4AFD-A293-49BDC34FBA2C}" type="datetimeFigureOut">
               <a:rPr lang="nl-NL" smtClean="0"/>
-              <a:t>1-3-2024</a:t>
+              <a:t>11-7-2024</a:t>
             </a:fld>
             <a:endParaRPr lang="nl-NL"/>
           </a:p>
@@ -2198,7 +2198,7 @@
           <a:p>
             <a:fld id="{4D9E9568-0F03-4866-87AD-CAF9FA4FA032}" type="datetimeFigureOut">
               <a:rPr lang="nl-NL" smtClean="0"/>
-              <a:t>1-3-2024</a:t>
+              <a:t>11-7-2024</a:t>
             </a:fld>
             <a:endParaRPr lang="nl-NL"/>
           </a:p>
@@ -2449,7 +2449,7 @@
           <a:p>
             <a:fld id="{4D9E9568-0F03-4866-87AD-CAF9FA4FA032}" type="datetimeFigureOut">
               <a:rPr lang="nl-NL" smtClean="0"/>
-              <a:t>1-3-2024</a:t>
+              <a:t>11-7-2024</a:t>
             </a:fld>
             <a:endParaRPr lang="nl-NL"/>
           </a:p>
@@ -2763,7 +2763,7 @@
           <a:p>
             <a:fld id="{4D9E9568-0F03-4866-87AD-CAF9FA4FA032}" type="datetimeFigureOut">
               <a:rPr lang="nl-NL" smtClean="0"/>
-              <a:t>1-3-2024</a:t>
+              <a:t>11-7-2024</a:t>
             </a:fld>
             <a:endParaRPr lang="nl-NL"/>
           </a:p>
@@ -3096,7 +3096,7 @@
           <a:p>
             <a:fld id="{4D9E9568-0F03-4866-87AD-CAF9FA4FA032}" type="datetimeFigureOut">
               <a:rPr lang="nl-NL" smtClean="0"/>
-              <a:t>1-3-2024</a:t>
+              <a:t>11-7-2024</a:t>
             </a:fld>
             <a:endParaRPr lang="nl-NL"/>
           </a:p>
@@ -3410,7 +3410,7 @@
           <a:p>
             <a:fld id="{4D9E9568-0F03-4866-87AD-CAF9FA4FA032}" type="datetimeFigureOut">
               <a:rPr lang="nl-NL" smtClean="0"/>
-              <a:t>1-3-2024</a:t>
+              <a:t>11-7-2024</a:t>
             </a:fld>
             <a:endParaRPr lang="nl-NL"/>
           </a:p>
@@ -3803,7 +3803,7 @@
           <a:p>
             <a:fld id="{4D9E9568-0F03-4866-87AD-CAF9FA4FA032}" type="datetimeFigureOut">
               <a:rPr lang="nl-NL" smtClean="0"/>
-              <a:t>1-3-2024</a:t>
+              <a:t>11-7-2024</a:t>
             </a:fld>
             <a:endParaRPr lang="nl-NL"/>
           </a:p>
@@ -3973,7 +3973,7 @@
           <a:p>
             <a:fld id="{4D9E9568-0F03-4866-87AD-CAF9FA4FA032}" type="datetimeFigureOut">
               <a:rPr lang="nl-NL" smtClean="0"/>
-              <a:t>1-3-2024</a:t>
+              <a:t>11-7-2024</a:t>
             </a:fld>
             <a:endParaRPr lang="nl-NL"/>
           </a:p>
@@ -4153,7 +4153,7 @@
           <a:p>
             <a:fld id="{4D9E9568-0F03-4866-87AD-CAF9FA4FA032}" type="datetimeFigureOut">
               <a:rPr lang="nl-NL" smtClean="0"/>
-              <a:t>1-3-2024</a:t>
+              <a:t>11-7-2024</a:t>
             </a:fld>
             <a:endParaRPr lang="nl-NL"/>
           </a:p>
@@ -4323,7 +4323,7 @@
           <a:p>
             <a:fld id="{4D9E9568-0F03-4866-87AD-CAF9FA4FA032}" type="datetimeFigureOut">
               <a:rPr lang="nl-NL" smtClean="0"/>
-              <a:t>1-3-2024</a:t>
+              <a:t>11-7-2024</a:t>
             </a:fld>
             <a:endParaRPr lang="nl-NL"/>
           </a:p>
@@ -4570,7 +4570,7 @@
           <a:p>
             <a:fld id="{4D9E9568-0F03-4866-87AD-CAF9FA4FA032}" type="datetimeFigureOut">
               <a:rPr lang="nl-NL" smtClean="0"/>
-              <a:t>1-3-2024</a:t>
+              <a:t>11-7-2024</a:t>
             </a:fld>
             <a:endParaRPr lang="nl-NL"/>
           </a:p>
@@ -4802,7 +4802,7 @@
           <a:p>
             <a:fld id="{4D9E9568-0F03-4866-87AD-CAF9FA4FA032}" type="datetimeFigureOut">
               <a:rPr lang="nl-NL" smtClean="0"/>
-              <a:t>1-3-2024</a:t>
+              <a:t>11-7-2024</a:t>
             </a:fld>
             <a:endParaRPr lang="nl-NL"/>
           </a:p>
@@ -5176,7 +5176,7 @@
           <a:p>
             <a:fld id="{4D9E9568-0F03-4866-87AD-CAF9FA4FA032}" type="datetimeFigureOut">
               <a:rPr lang="nl-NL" smtClean="0"/>
-              <a:t>1-3-2024</a:t>
+              <a:t>11-7-2024</a:t>
             </a:fld>
             <a:endParaRPr lang="nl-NL"/>
           </a:p>
@@ -5299,7 +5299,7 @@
           <a:p>
             <a:fld id="{4D9E9568-0F03-4866-87AD-CAF9FA4FA032}" type="datetimeFigureOut">
               <a:rPr lang="nl-NL" smtClean="0"/>
-              <a:t>1-3-2024</a:t>
+              <a:t>11-7-2024</a:t>
             </a:fld>
             <a:endParaRPr lang="nl-NL"/>
           </a:p>
@@ -5394,7 +5394,7 @@
           <a:p>
             <a:fld id="{4D9E9568-0F03-4866-87AD-CAF9FA4FA032}" type="datetimeFigureOut">
               <a:rPr lang="nl-NL" smtClean="0"/>
-              <a:t>1-3-2024</a:t>
+              <a:t>11-7-2024</a:t>
             </a:fld>
             <a:endParaRPr lang="nl-NL"/>
           </a:p>
@@ -5649,7 +5649,7 @@
           <a:p>
             <a:fld id="{4D9E9568-0F03-4866-87AD-CAF9FA4FA032}" type="datetimeFigureOut">
               <a:rPr lang="nl-NL" smtClean="0"/>
-              <a:t>1-3-2024</a:t>
+              <a:t>11-7-2024</a:t>
             </a:fld>
             <a:endParaRPr lang="nl-NL"/>
           </a:p>
@@ -5953,7 +5953,7 @@
           <a:p>
             <a:fld id="{4D9E9568-0F03-4866-87AD-CAF9FA4FA032}" type="datetimeFigureOut">
               <a:rPr lang="nl-NL" smtClean="0"/>
-              <a:t>1-3-2024</a:t>
+              <a:t>11-7-2024</a:t>
             </a:fld>
             <a:endParaRPr lang="nl-NL"/>
           </a:p>
@@ -6655,7 +6655,7 @@
           <a:p>
             <a:fld id="{4D9E9568-0F03-4866-87AD-CAF9FA4FA032}" type="datetimeFigureOut">
               <a:rPr lang="nl-NL" smtClean="0"/>
-              <a:t>1-3-2024</a:t>
+              <a:t>11-7-2024</a:t>
             </a:fld>
             <a:endParaRPr lang="nl-NL"/>
           </a:p>
@@ -7333,7 +7333,15 @@
           <a:p>
             <a:r>
               <a:rPr lang="nl-NL"/>
-              <a:t>Open sourced on: github.com/Small-JS/SmallJS</a:t>
+              <a:t>Website:  </a:t>
+            </a:r>
+            <a:r>
+              <a:rPr lang="nl-NL">
+                <a:solidFill>
+                  <a:srgbClr val="0070C0"/>
+                </a:solidFill>
+              </a:rPr>
+              <a:t>small-js.org</a:t>
             </a:r>
           </a:p>
         </p:txBody>
@@ -7668,7 +7676,15 @@
             <a:pPr algn="ctr"/>
             <a:r>
               <a:rPr lang="nl-NL" sz="2400"/>
-              <a:t>github.com/Small-JS/SmallJS</a:t>
+              <a:t>Website: </a:t>
+            </a:r>
+            <a:r>
+              <a:rPr lang="nl-NL" sz="2400">
+                <a:solidFill>
+                  <a:srgbClr val="0070C0"/>
+                </a:solidFill>
+              </a:rPr>
+              <a:t> small-js.org</a:t>
             </a:r>
           </a:p>
         </p:txBody>

--- a/Documentation/Why_SmallJS.pptx
+++ b/Documentation/Why_SmallJS.pptx
@@ -5,20 +5,25 @@
     <p:sldMasterId id="2147483767" r:id="rId1"/>
   </p:sldMasterIdLst>
   <p:notesMasterIdLst>
-    <p:notesMasterId r:id="rId13"/>
+    <p:notesMasterId r:id="rId18"/>
   </p:notesMasterIdLst>
   <p:sldIdLst>
     <p:sldId id="256" r:id="rId2"/>
     <p:sldId id="257" r:id="rId3"/>
-    <p:sldId id="264" r:id="rId4"/>
-    <p:sldId id="263" r:id="rId5"/>
-    <p:sldId id="259" r:id="rId6"/>
-    <p:sldId id="260" r:id="rId7"/>
-    <p:sldId id="266" r:id="rId8"/>
-    <p:sldId id="262" r:id="rId9"/>
-    <p:sldId id="261" r:id="rId10"/>
-    <p:sldId id="265" r:id="rId11"/>
-    <p:sldId id="267" r:id="rId12"/>
+    <p:sldId id="268" r:id="rId4"/>
+    <p:sldId id="269" r:id="rId5"/>
+    <p:sldId id="272" r:id="rId6"/>
+    <p:sldId id="264" r:id="rId7"/>
+    <p:sldId id="263" r:id="rId8"/>
+    <p:sldId id="259" r:id="rId9"/>
+    <p:sldId id="260" r:id="rId10"/>
+    <p:sldId id="266" r:id="rId11"/>
+    <p:sldId id="262" r:id="rId12"/>
+    <p:sldId id="261" r:id="rId13"/>
+    <p:sldId id="265" r:id="rId14"/>
+    <p:sldId id="270" r:id="rId15"/>
+    <p:sldId id="271" r:id="rId16"/>
+    <p:sldId id="267" r:id="rId17"/>
   </p:sldIdLst>
   <p:sldSz cx="12192000" cy="6858000"/>
   <p:notesSz cx="6858000" cy="9144000"/>
@@ -174,7 +179,7 @@
             </a:lvl1pPr>
           </a:lstStyle>
           <a:p>
-            <a:endParaRPr lang="nl-NL"/>
+            <a:endParaRPr lang="nl-NL" dirty="0"/>
           </a:p>
         </p:txBody>
       </p:sp>
@@ -207,9 +212,9 @@
           <a:p>
             <a:fld id="{7EE9B6BF-FCD1-4AFD-A293-49BDC34FBA2C}" type="datetimeFigureOut">
               <a:rPr lang="nl-NL" smtClean="0"/>
-              <a:t>11-7-2024</a:t>
+              <a:t>1-3-2025</a:t>
             </a:fld>
-            <a:endParaRPr lang="nl-NL"/>
+            <a:endParaRPr lang="nl-NL" dirty="0"/>
           </a:p>
         </p:txBody>
       </p:sp>
@@ -242,7 +247,7 @@
           <a:bodyPr vert="horz" lIns="91440" tIns="45720" rIns="91440" bIns="45720" rtlCol="0" anchor="ctr"/>
           <a:lstStyle/>
           <a:p>
-            <a:endParaRPr lang="nl-NL"/>
+            <a:endParaRPr lang="nl-NL" dirty="0"/>
           </a:p>
         </p:txBody>
       </p:sp>
@@ -333,7 +338,7 @@
             </a:lvl1pPr>
           </a:lstStyle>
           <a:p>
-            <a:endParaRPr lang="nl-NL"/>
+            <a:endParaRPr lang="nl-NL" dirty="0"/>
           </a:p>
         </p:txBody>
       </p:sp>
@@ -368,7 +373,7 @@
               <a:rPr lang="nl-NL" smtClean="0"/>
               <a:t>‹#›</a:t>
             </a:fld>
-            <a:endParaRPr lang="nl-NL"/>
+            <a:endParaRPr lang="nl-NL" dirty="0"/>
           </a:p>
         </p:txBody>
       </p:sp>
@@ -521,22 +526,66 @@
           <a:p>
             <a:r>
               <a:rPr lang="en-US"/>
+              <a:t>Note to UKSTUG audence: </a:t>
+            </a:r>
+            <a:br>
+              <a:rPr lang="en-US"/>
+            </a:br>
+            <a:r>
+              <a:rPr lang="en-US"/>
+              <a:t>This </a:t>
+            </a:r>
+            <a:r>
+              <a:rPr lang="en-US" dirty="0"/>
+              <a:t>presentation is geared towards JS </a:t>
+            </a:r>
+            <a:r>
+              <a:rPr lang="en-US"/>
+              <a:t>developers, try </a:t>
+            </a:r>
+            <a:r>
+              <a:rPr lang="en-US" dirty="0"/>
+              <a:t>to look at it form that point of view.</a:t>
+            </a:r>
+          </a:p>
+          <a:p>
+            <a:r>
+              <a:rPr lang="en-US" dirty="0"/>
               <a:t>The colorful air balloon is of course a reference to the BYTE Magazine August </a:t>
             </a:r>
             <a:r>
-              <a:rPr lang="en-US" b="1" i="1"/>
+              <a:rPr lang="en-US" b="1" i="1" dirty="0"/>
               <a:t>1981</a:t>
             </a:r>
             <a:r>
+              <a:rPr lang="en-US" dirty="0"/>
+              <a:t> edition </a:t>
+            </a:r>
+            <a:r>
               <a:rPr lang="en-US"/>
-              <a:t> edition about Smalltalk-80,</a:t>
-            </a:r>
-          </a:p>
-          <a:p>
-            <a:r>
+              <a:t>about Smalltalk-80.</a:t>
+            </a:r>
+            <a:br>
               <a:rPr lang="en-US"/>
-              <a:t>as you have probably already noticed. ;-).</a:t>
-            </a:r>
+            </a:br>
+            <a:r>
+              <a:rPr lang="en-US" sz="1800">
+                <a:effectLst/>
+                <a:latin typeface="Calibri" panose="020F0502020204030204" pitchFamily="34" charset="0"/>
+                <a:ea typeface="Aptos" panose="020B0004020202020204" pitchFamily="34" charset="0"/>
+                <a:cs typeface="Calibri" panose="020F0502020204030204" pitchFamily="34" charset="0"/>
+              </a:rPr>
+              <a:t>I also own a physical copy. :-))</a:t>
+            </a:r>
+            <a:endParaRPr lang="nl-NL" sz="1800">
+              <a:effectLst/>
+              <a:latin typeface="Calibri" panose="020F0502020204030204" pitchFamily="34" charset="0"/>
+              <a:ea typeface="Aptos" panose="020B0004020202020204" pitchFamily="34" charset="0"/>
+              <a:cs typeface="Times New Roman" panose="02020603050405020304" pitchFamily="18" charset="0"/>
+            </a:endParaRPr>
+          </a:p>
+          <a:p>
+            <a:endParaRPr lang="en-US" dirty="0"/>
           </a:p>
         </p:txBody>
       </p:sp>
@@ -559,7 +608,7 @@
               <a:rPr lang="nl-NL" smtClean="0"/>
               <a:t>1</a:t>
             </a:fld>
-            <a:endParaRPr lang="nl-NL"/>
+            <a:endParaRPr lang="nl-NL" dirty="0"/>
           </a:p>
         </p:txBody>
       </p:sp>
@@ -620,7 +669,108 @@
           <a:bodyPr/>
           <a:lstStyle/>
           <a:p>
-            <a:endParaRPr lang="en-US"/>
+            <a:r>
+              <a:rPr lang="en-US" dirty="0"/>
+              <a:t>For async / wait it is not possible to work around it with a simpler concurrency method: block fork.</a:t>
+            </a:r>
+          </a:p>
+          <a:p>
+            <a:r>
+              <a:rPr lang="en-US" dirty="0"/>
+              <a:t>The basic design fix is that the *caller* should decide async execution, not the *callee*.</a:t>
+            </a:r>
+          </a:p>
+        </p:txBody>
+      </p:sp>
+      <p:sp>
+        <p:nvSpPr>
+          <p:cNvPr id="4" name="Slide Number Placeholder 3"/>
+          <p:cNvSpPr>
+            <a:spLocks noGrp="1"/>
+          </p:cNvSpPr>
+          <p:nvPr>
+            <p:ph type="sldNum" sz="quarter" idx="5"/>
+          </p:nvPr>
+        </p:nvSpPr>
+        <p:spPr/>
+        <p:txBody>
+          <a:bodyPr/>
+          <a:lstStyle/>
+          <a:p>
+            <a:fld id="{7084ECCA-2E5B-4BF5-B400-4B85B948503C}" type="slidenum">
+              <a:rPr lang="nl-NL" smtClean="0"/>
+              <a:t>10</a:t>
+            </a:fld>
+            <a:endParaRPr lang="nl-NL" dirty="0"/>
+          </a:p>
+        </p:txBody>
+      </p:sp>
+    </p:spTree>
+    <p:extLst>
+      <p:ext uri="{BB962C8B-B14F-4D97-AF65-F5344CB8AC3E}">
+        <p14:creationId xmlns:p14="http://schemas.microsoft.com/office/powerpoint/2010/main" val="2732147747"/>
+      </p:ext>
+    </p:extLst>
+  </p:cSld>
+  <p:clrMapOvr>
+    <a:masterClrMapping/>
+  </p:clrMapOvr>
+</p:notes>
+</file>
+
+<file path=ppt/notesSlides/notesSlide11.xml><?xml version="1.0" encoding="utf-8"?>
+<p:notes xmlns:a="http://schemas.openxmlformats.org/drawingml/2006/main" xmlns:r="http://schemas.openxmlformats.org/officeDocument/2006/relationships" xmlns:p="http://schemas.openxmlformats.org/presentationml/2006/main">
+  <p:cSld>
+    <p:spTree>
+      <p:nvGrpSpPr>
+        <p:cNvPr id="1" name=""/>
+        <p:cNvGrpSpPr/>
+        <p:nvPr/>
+      </p:nvGrpSpPr>
+      <p:grpSpPr>
+        <a:xfrm>
+          <a:off x="0" y="0"/>
+          <a:ext cx="0" cy="0"/>
+          <a:chOff x="0" y="0"/>
+          <a:chExt cx="0" cy="0"/>
+        </a:xfrm>
+      </p:grpSpPr>
+      <p:sp>
+        <p:nvSpPr>
+          <p:cNvPr id="2" name="Slide Image Placeholder 1"/>
+          <p:cNvSpPr>
+            <a:spLocks noGrp="1" noRot="1" noChangeAspect="1"/>
+          </p:cNvSpPr>
+          <p:nvPr>
+            <p:ph type="sldImg"/>
+          </p:nvPr>
+        </p:nvSpPr>
+        <p:spPr/>
+      </p:sp>
+      <p:sp>
+        <p:nvSpPr>
+          <p:cNvPr id="3" name="Notes Placeholder 2"/>
+          <p:cNvSpPr>
+            <a:spLocks noGrp="1"/>
+          </p:cNvSpPr>
+          <p:nvPr>
+            <p:ph type="body" idx="1"/>
+          </p:nvPr>
+        </p:nvSpPr>
+        <p:spPr/>
+        <p:txBody>
+          <a:bodyPr/>
+          <a:lstStyle/>
+          <a:p>
+            <a:r>
+              <a:rPr lang="en-US" sz="1800">
+                <a:effectLst/>
+                <a:latin typeface="Calibri" panose="020F0502020204030204" pitchFamily="34" charset="0"/>
+                <a:ea typeface="Aptos" panose="020B0004020202020204" pitchFamily="34" charset="0"/>
+              </a:rPr>
+              <a:t>Now things gets tense... :-)</a:t>
+            </a:r>
+            <a:endParaRPr lang="nl-NL"/>
           </a:p>
         </p:txBody>
       </p:sp>
@@ -643,7 +793,643 @@
               <a:rPr lang="nl-NL" smtClean="0"/>
               <a:t>11</a:t>
             </a:fld>
-            <a:endParaRPr lang="nl-NL"/>
+            <a:endParaRPr lang="nl-NL" dirty="0"/>
+          </a:p>
+        </p:txBody>
+      </p:sp>
+    </p:spTree>
+    <p:extLst>
+      <p:ext uri="{BB962C8B-B14F-4D97-AF65-F5344CB8AC3E}">
+        <p14:creationId xmlns:p14="http://schemas.microsoft.com/office/powerpoint/2010/main" val="50322105"/>
+      </p:ext>
+    </p:extLst>
+  </p:cSld>
+  <p:clrMapOvr>
+    <a:masterClrMapping/>
+  </p:clrMapOvr>
+</p:notes>
+</file>
+
+<file path=ppt/notesSlides/notesSlide12.xml><?xml version="1.0" encoding="utf-8"?>
+<p:notes xmlns:a="http://schemas.openxmlformats.org/drawingml/2006/main" xmlns:r="http://schemas.openxmlformats.org/officeDocument/2006/relationships" xmlns:p="http://schemas.openxmlformats.org/presentationml/2006/main">
+  <p:cSld>
+    <p:spTree>
+      <p:nvGrpSpPr>
+        <p:cNvPr id="1" name=""/>
+        <p:cNvGrpSpPr/>
+        <p:nvPr/>
+      </p:nvGrpSpPr>
+      <p:grpSpPr>
+        <a:xfrm>
+          <a:off x="0" y="0"/>
+          <a:ext cx="0" cy="0"/>
+          <a:chOff x="0" y="0"/>
+          <a:chExt cx="0" cy="0"/>
+        </a:xfrm>
+      </p:grpSpPr>
+      <p:sp>
+        <p:nvSpPr>
+          <p:cNvPr id="2" name="Slide Image Placeholder 1"/>
+          <p:cNvSpPr>
+            <a:spLocks noGrp="1" noRot="1" noChangeAspect="1"/>
+          </p:cNvSpPr>
+          <p:nvPr>
+            <p:ph type="sldImg"/>
+          </p:nvPr>
+        </p:nvSpPr>
+        <p:spPr/>
+      </p:sp>
+      <p:sp>
+        <p:nvSpPr>
+          <p:cNvPr id="3" name="Notes Placeholder 2"/>
+          <p:cNvSpPr>
+            <a:spLocks noGrp="1"/>
+          </p:cNvSpPr>
+          <p:nvPr>
+            <p:ph type="body" idx="1"/>
+          </p:nvPr>
+        </p:nvSpPr>
+        <p:spPr/>
+        <p:txBody>
+          <a:bodyPr/>
+          <a:lstStyle/>
+          <a:p>
+            <a:r>
+              <a:rPr lang="en-US" dirty="0"/>
+              <a:t>Type inferencing via VSCode IDE needs language server.</a:t>
+            </a:r>
+          </a:p>
+          <a:p>
+            <a:r>
+              <a:rPr lang="en-US" dirty="0"/>
+              <a:t>Dolphin Smalltalk implemented namespaces recently.</a:t>
+            </a:r>
+          </a:p>
+          <a:p>
+            <a:r>
+              <a:rPr lang="en-US" dirty="0"/>
+              <a:t>Community: That’s what you guys could help with. </a:t>
+            </a:r>
+            <a:r>
+              <a:rPr lang="en-US" dirty="0">
+                <a:sym typeface="Wingdings" panose="05000000000000000000" pitchFamily="2" charset="2"/>
+              </a:rPr>
+              <a:t></a:t>
+            </a:r>
+          </a:p>
+          <a:p>
+            <a:r>
+              <a:rPr lang="en-US" dirty="0">
+                <a:sym typeface="Wingdings" panose="05000000000000000000" pitchFamily="2" charset="2"/>
+              </a:rPr>
+              <a:t>And you can use SmallJS incrementally next to TS.</a:t>
+            </a:r>
+            <a:endParaRPr lang="en-US" dirty="0"/>
+          </a:p>
+          <a:p>
+            <a:endParaRPr lang="en-US" dirty="0"/>
+          </a:p>
+        </p:txBody>
+      </p:sp>
+      <p:sp>
+        <p:nvSpPr>
+          <p:cNvPr id="4" name="Slide Number Placeholder 3"/>
+          <p:cNvSpPr>
+            <a:spLocks noGrp="1"/>
+          </p:cNvSpPr>
+          <p:nvPr>
+            <p:ph type="sldNum" sz="quarter" idx="5"/>
+          </p:nvPr>
+        </p:nvSpPr>
+        <p:spPr/>
+        <p:txBody>
+          <a:bodyPr/>
+          <a:lstStyle/>
+          <a:p>
+            <a:fld id="{7084ECCA-2E5B-4BF5-B400-4B85B948503C}" type="slidenum">
+              <a:rPr lang="nl-NL" smtClean="0"/>
+              <a:t>12</a:t>
+            </a:fld>
+            <a:endParaRPr lang="nl-NL" dirty="0"/>
+          </a:p>
+        </p:txBody>
+      </p:sp>
+    </p:spTree>
+    <p:extLst>
+      <p:ext uri="{BB962C8B-B14F-4D97-AF65-F5344CB8AC3E}">
+        <p14:creationId xmlns:p14="http://schemas.microsoft.com/office/powerpoint/2010/main" val="2154498010"/>
+      </p:ext>
+    </p:extLst>
+  </p:cSld>
+  <p:clrMapOvr>
+    <a:masterClrMapping/>
+  </p:clrMapOvr>
+</p:notes>
+</file>
+
+<file path=ppt/notesSlides/notesSlide13.xml><?xml version="1.0" encoding="utf-8"?>
+<p:notes xmlns:a="http://schemas.openxmlformats.org/drawingml/2006/main" xmlns:r="http://schemas.openxmlformats.org/officeDocument/2006/relationships" xmlns:p="http://schemas.openxmlformats.org/presentationml/2006/main">
+  <p:cSld>
+    <p:spTree>
+      <p:nvGrpSpPr>
+        <p:cNvPr id="1" name=""/>
+        <p:cNvGrpSpPr/>
+        <p:nvPr/>
+      </p:nvGrpSpPr>
+      <p:grpSpPr>
+        <a:xfrm>
+          <a:off x="0" y="0"/>
+          <a:ext cx="0" cy="0"/>
+          <a:chOff x="0" y="0"/>
+          <a:chExt cx="0" cy="0"/>
+        </a:xfrm>
+      </p:grpSpPr>
+      <p:sp>
+        <p:nvSpPr>
+          <p:cNvPr id="2" name="Slide Image Placeholder 1"/>
+          <p:cNvSpPr>
+            <a:spLocks noGrp="1" noRot="1" noChangeAspect="1"/>
+          </p:cNvSpPr>
+          <p:nvPr>
+            <p:ph type="sldImg"/>
+          </p:nvPr>
+        </p:nvSpPr>
+        <p:spPr/>
+      </p:sp>
+      <p:sp>
+        <p:nvSpPr>
+          <p:cNvPr id="3" name="Notes Placeholder 2"/>
+          <p:cNvSpPr>
+            <a:spLocks noGrp="1"/>
+          </p:cNvSpPr>
+          <p:nvPr>
+            <p:ph type="body" idx="1"/>
+          </p:nvPr>
+        </p:nvSpPr>
+        <p:spPr/>
+        <p:txBody>
+          <a:bodyPr/>
+          <a:lstStyle/>
+          <a:p>
+            <a:endParaRPr lang="en-US" dirty="0"/>
+          </a:p>
+        </p:txBody>
+      </p:sp>
+      <p:sp>
+        <p:nvSpPr>
+          <p:cNvPr id="4" name="Slide Number Placeholder 3"/>
+          <p:cNvSpPr>
+            <a:spLocks noGrp="1"/>
+          </p:cNvSpPr>
+          <p:nvPr>
+            <p:ph type="sldNum" sz="quarter" idx="5"/>
+          </p:nvPr>
+        </p:nvSpPr>
+        <p:spPr/>
+        <p:txBody>
+          <a:bodyPr/>
+          <a:lstStyle/>
+          <a:p>
+            <a:fld id="{7084ECCA-2E5B-4BF5-B400-4B85B948503C}" type="slidenum">
+              <a:rPr lang="nl-NL" smtClean="0"/>
+              <a:t>13</a:t>
+            </a:fld>
+            <a:endParaRPr lang="nl-NL" dirty="0"/>
+          </a:p>
+        </p:txBody>
+      </p:sp>
+    </p:spTree>
+    <p:extLst>
+      <p:ext uri="{BB962C8B-B14F-4D97-AF65-F5344CB8AC3E}">
+        <p14:creationId xmlns:p14="http://schemas.microsoft.com/office/powerpoint/2010/main" val="3802836720"/>
+      </p:ext>
+    </p:extLst>
+  </p:cSld>
+  <p:clrMapOvr>
+    <a:masterClrMapping/>
+  </p:clrMapOvr>
+</p:notes>
+</file>
+
+<file path=ppt/notesSlides/notesSlide14.xml><?xml version="1.0" encoding="utf-8"?>
+<p:notes xmlns:a="http://schemas.openxmlformats.org/drawingml/2006/main" xmlns:r="http://schemas.openxmlformats.org/officeDocument/2006/relationships" xmlns:p="http://schemas.openxmlformats.org/presentationml/2006/main">
+  <p:cSld>
+    <p:spTree>
+      <p:nvGrpSpPr>
+        <p:cNvPr id="1" name="">
+          <a:extLst>
+            <a:ext uri="{FF2B5EF4-FFF2-40B4-BE49-F238E27FC236}">
+              <a16:creationId xmlns:a16="http://schemas.microsoft.com/office/drawing/2014/main" id="{82920F91-39DC-72E7-6C48-A125276CF92D}"/>
+            </a:ext>
+          </a:extLst>
+        </p:cNvPr>
+        <p:cNvGrpSpPr/>
+        <p:nvPr/>
+      </p:nvGrpSpPr>
+      <p:grpSpPr>
+        <a:xfrm>
+          <a:off x="0" y="0"/>
+          <a:ext cx="0" cy="0"/>
+          <a:chOff x="0" y="0"/>
+          <a:chExt cx="0" cy="0"/>
+        </a:xfrm>
+      </p:grpSpPr>
+      <p:sp>
+        <p:nvSpPr>
+          <p:cNvPr id="2" name="Slide Image Placeholder 1">
+            <a:extLst>
+              <a:ext uri="{FF2B5EF4-FFF2-40B4-BE49-F238E27FC236}">
+                <a16:creationId xmlns:a16="http://schemas.microsoft.com/office/drawing/2014/main" id="{B71D495F-EB01-F662-D48B-A868D1E0DE80}"/>
+              </a:ext>
+            </a:extLst>
+          </p:cNvPr>
+          <p:cNvSpPr>
+            <a:spLocks noGrp="1" noRot="1" noChangeAspect="1"/>
+          </p:cNvSpPr>
+          <p:nvPr>
+            <p:ph type="sldImg"/>
+          </p:nvPr>
+        </p:nvSpPr>
+        <p:spPr/>
+      </p:sp>
+      <p:sp>
+        <p:nvSpPr>
+          <p:cNvPr id="3" name="Notes Placeholder 2">
+            <a:extLst>
+              <a:ext uri="{FF2B5EF4-FFF2-40B4-BE49-F238E27FC236}">
+                <a16:creationId xmlns:a16="http://schemas.microsoft.com/office/drawing/2014/main" id="{661926EA-179A-7501-34E4-CCB2D27534A1}"/>
+              </a:ext>
+            </a:extLst>
+          </p:cNvPr>
+          <p:cNvSpPr>
+            <a:spLocks noGrp="1"/>
+          </p:cNvSpPr>
+          <p:nvPr>
+            <p:ph type="body" idx="1"/>
+          </p:nvPr>
+        </p:nvSpPr>
+        <p:spPr/>
+        <p:txBody>
+          <a:bodyPr/>
+          <a:lstStyle/>
+          <a:p>
+            <a:r>
+              <a:rPr lang="en-US" sz="1800">
+                <a:effectLst/>
+                <a:latin typeface="Calibri" panose="020F0502020204030204" pitchFamily="34" charset="0"/>
+                <a:ea typeface="Aptos" panose="020B0004020202020204" pitchFamily="34" charset="0"/>
+                <a:cs typeface="Times New Roman" panose="02020603050405020304" pitchFamily="18" charset="0"/>
+              </a:rPr>
+              <a:t>Which ones to you want to see?</a:t>
+            </a:r>
+            <a:endParaRPr lang="nl-NL" sz="1800">
+              <a:effectLst/>
+              <a:latin typeface="Calibri" panose="020F0502020204030204" pitchFamily="34" charset="0"/>
+              <a:ea typeface="Aptos" panose="020B0004020202020204" pitchFamily="34" charset="0"/>
+              <a:cs typeface="Times New Roman" panose="02020603050405020304" pitchFamily="18" charset="0"/>
+            </a:endParaRPr>
+          </a:p>
+          <a:p>
+            <a:r>
+              <a:rPr lang="en-US" sz="1800">
+                <a:effectLst/>
+                <a:latin typeface="Calibri" panose="020F0502020204030204" pitchFamily="34" charset="0"/>
+                <a:ea typeface="Aptos" panose="020B0004020202020204" pitchFamily="34" charset="0"/>
+                <a:cs typeface="Times New Roman" panose="02020603050405020304" pitchFamily="18" charset="0"/>
+              </a:rPr>
+              <a:t>We can look at the code too.</a:t>
+            </a:r>
+            <a:endParaRPr lang="nl-NL" sz="1800">
+              <a:effectLst/>
+              <a:latin typeface="Calibri" panose="020F0502020204030204" pitchFamily="34" charset="0"/>
+              <a:ea typeface="Aptos" panose="020B0004020202020204" pitchFamily="34" charset="0"/>
+              <a:cs typeface="Times New Roman" panose="02020603050405020304" pitchFamily="18" charset="0"/>
+            </a:endParaRPr>
+          </a:p>
+          <a:p>
+            <a:r>
+              <a:rPr lang="en-US" sz="1800">
+                <a:effectLst/>
+                <a:latin typeface="Calibri" panose="020F0502020204030204" pitchFamily="34" charset="0"/>
+                <a:ea typeface="Aptos" panose="020B0004020202020204" pitchFamily="34" charset="0"/>
+                <a:cs typeface="Times New Roman" panose="02020603050405020304" pitchFamily="18" charset="0"/>
+              </a:rPr>
+              <a:t>Let's start with Todo maybe...</a:t>
+            </a:r>
+            <a:endParaRPr lang="nl-NL" sz="1800">
+              <a:effectLst/>
+              <a:latin typeface="Calibri" panose="020F0502020204030204" pitchFamily="34" charset="0"/>
+              <a:ea typeface="Aptos" panose="020B0004020202020204" pitchFamily="34" charset="0"/>
+              <a:cs typeface="Times New Roman" panose="02020603050405020304" pitchFamily="18" charset="0"/>
+            </a:endParaRPr>
+          </a:p>
+          <a:p>
+            <a:r>
+              <a:rPr lang="en-US" sz="1800">
+                <a:effectLst/>
+                <a:latin typeface="Calibri" panose="020F0502020204030204" pitchFamily="34" charset="0"/>
+                <a:ea typeface="Aptos" panose="020B0004020202020204" pitchFamily="34" charset="0"/>
+                <a:cs typeface="Times New Roman" panose="02020603050405020304" pitchFamily="18" charset="0"/>
+              </a:rPr>
+              <a:t>- Show build system with automated GUI test.</a:t>
+            </a:r>
+            <a:endParaRPr lang="nl-NL" sz="1800">
+              <a:effectLst/>
+              <a:latin typeface="Calibri" panose="020F0502020204030204" pitchFamily="34" charset="0"/>
+              <a:ea typeface="Aptos" panose="020B0004020202020204" pitchFamily="34" charset="0"/>
+              <a:cs typeface="Times New Roman" panose="02020603050405020304" pitchFamily="18" charset="0"/>
+            </a:endParaRPr>
+          </a:p>
+          <a:p>
+            <a:r>
+              <a:rPr lang="en-US" sz="1800">
+                <a:effectLst/>
+                <a:latin typeface="Calibri" panose="020F0502020204030204" pitchFamily="34" charset="0"/>
+                <a:ea typeface="Aptos" panose="020B0004020202020204" pitchFamily="34" charset="0"/>
+                <a:cs typeface="Times New Roman" panose="02020603050405020304" pitchFamily="18" charset="0"/>
+              </a:rPr>
+              <a:t>- Show code and debugging with breakpoints.</a:t>
+            </a:r>
+          </a:p>
+          <a:p>
+            <a:endParaRPr lang="nl-NL" sz="1800">
+              <a:effectLst/>
+              <a:latin typeface="Calibri" panose="020F0502020204030204" pitchFamily="34" charset="0"/>
+              <a:ea typeface="Aptos" panose="020B0004020202020204" pitchFamily="34" charset="0"/>
+              <a:cs typeface="Times New Roman" panose="02020603050405020304" pitchFamily="18" charset="0"/>
+            </a:endParaRPr>
+          </a:p>
+        </p:txBody>
+      </p:sp>
+      <p:sp>
+        <p:nvSpPr>
+          <p:cNvPr id="4" name="Slide Number Placeholder 3">
+            <a:extLst>
+              <a:ext uri="{FF2B5EF4-FFF2-40B4-BE49-F238E27FC236}">
+                <a16:creationId xmlns:a16="http://schemas.microsoft.com/office/drawing/2014/main" id="{36C8ED9A-3C0D-566D-FE4C-6572D9768DDB}"/>
+              </a:ext>
+            </a:extLst>
+          </p:cNvPr>
+          <p:cNvSpPr>
+            <a:spLocks noGrp="1"/>
+          </p:cNvSpPr>
+          <p:nvPr>
+            <p:ph type="sldNum" sz="quarter" idx="5"/>
+          </p:nvPr>
+        </p:nvSpPr>
+        <p:spPr/>
+        <p:txBody>
+          <a:bodyPr/>
+          <a:lstStyle/>
+          <a:p>
+            <a:fld id="{7084ECCA-2E5B-4BF5-B400-4B85B948503C}" type="slidenum">
+              <a:rPr lang="nl-NL" smtClean="0"/>
+              <a:t>14</a:t>
+            </a:fld>
+            <a:endParaRPr lang="nl-NL" dirty="0"/>
+          </a:p>
+        </p:txBody>
+      </p:sp>
+    </p:spTree>
+    <p:extLst>
+      <p:ext uri="{BB962C8B-B14F-4D97-AF65-F5344CB8AC3E}">
+        <p14:creationId xmlns:p14="http://schemas.microsoft.com/office/powerpoint/2010/main" val="506894458"/>
+      </p:ext>
+    </p:extLst>
+  </p:cSld>
+  <p:clrMapOvr>
+    <a:masterClrMapping/>
+  </p:clrMapOvr>
+</p:notes>
+</file>
+
+<file path=ppt/notesSlides/notesSlide15.xml><?xml version="1.0" encoding="utf-8"?>
+<p:notes xmlns:a="http://schemas.openxmlformats.org/drawingml/2006/main" xmlns:r="http://schemas.openxmlformats.org/officeDocument/2006/relationships" xmlns:p="http://schemas.openxmlformats.org/presentationml/2006/main">
+  <p:cSld>
+    <p:spTree>
+      <p:nvGrpSpPr>
+        <p:cNvPr id="1" name="">
+          <a:extLst>
+            <a:ext uri="{FF2B5EF4-FFF2-40B4-BE49-F238E27FC236}">
+              <a16:creationId xmlns:a16="http://schemas.microsoft.com/office/drawing/2014/main" id="{35C56B7B-50B7-B300-BE4E-0CD60D895F30}"/>
+            </a:ext>
+          </a:extLst>
+        </p:cNvPr>
+        <p:cNvGrpSpPr/>
+        <p:nvPr/>
+      </p:nvGrpSpPr>
+      <p:grpSpPr>
+        <a:xfrm>
+          <a:off x="0" y="0"/>
+          <a:ext cx="0" cy="0"/>
+          <a:chOff x="0" y="0"/>
+          <a:chExt cx="0" cy="0"/>
+        </a:xfrm>
+      </p:grpSpPr>
+      <p:sp>
+        <p:nvSpPr>
+          <p:cNvPr id="2" name="Slide Image Placeholder 1">
+            <a:extLst>
+              <a:ext uri="{FF2B5EF4-FFF2-40B4-BE49-F238E27FC236}">
+                <a16:creationId xmlns:a16="http://schemas.microsoft.com/office/drawing/2014/main" id="{C14CE499-0FBE-FBBD-CD5F-72A945F606A9}"/>
+              </a:ext>
+            </a:extLst>
+          </p:cNvPr>
+          <p:cNvSpPr>
+            <a:spLocks noGrp="1" noRot="1" noChangeAspect="1"/>
+          </p:cNvSpPr>
+          <p:nvPr>
+            <p:ph type="sldImg"/>
+          </p:nvPr>
+        </p:nvSpPr>
+        <p:spPr/>
+      </p:sp>
+      <p:sp>
+        <p:nvSpPr>
+          <p:cNvPr id="3" name="Notes Placeholder 2">
+            <a:extLst>
+              <a:ext uri="{FF2B5EF4-FFF2-40B4-BE49-F238E27FC236}">
+                <a16:creationId xmlns:a16="http://schemas.microsoft.com/office/drawing/2014/main" id="{D59C34BC-BBAB-B592-5378-4BEDCFF60DC2}"/>
+              </a:ext>
+            </a:extLst>
+          </p:cNvPr>
+          <p:cNvSpPr>
+            <a:spLocks noGrp="1"/>
+          </p:cNvSpPr>
+          <p:nvPr>
+            <p:ph type="body" idx="1"/>
+          </p:nvPr>
+        </p:nvSpPr>
+        <p:spPr/>
+        <p:txBody>
+          <a:bodyPr/>
+          <a:lstStyle/>
+          <a:p>
+            <a:pPr marL="0" marR="0" lvl="0" indent="0" algn="l" defTabSz="914400" rtl="0" eaLnBrk="1" fontAlgn="auto" latinLnBrk="0" hangingPunct="1">
+              <a:lnSpc>
+                <a:spcPct val="100000"/>
+              </a:lnSpc>
+              <a:spcBef>
+                <a:spcPts val="0"/>
+              </a:spcBef>
+              <a:spcAft>
+                <a:spcPts val="0"/>
+              </a:spcAft>
+              <a:buClrTx/>
+              <a:buSzTx/>
+              <a:buFontTx/>
+              <a:buNone/>
+              <a:tabLst/>
+              <a:defRPr/>
+            </a:pPr>
+            <a:r>
+              <a:rPr lang="en-US" sz="1800">
+                <a:effectLst/>
+                <a:latin typeface="Calibri" panose="020F0502020204030204" pitchFamily="34" charset="0"/>
+                <a:ea typeface="Aptos" panose="020B0004020202020204" pitchFamily="34" charset="0"/>
+                <a:cs typeface="Times New Roman" panose="02020603050405020304" pitchFamily="18" charset="0"/>
+              </a:rPr>
+              <a:t>Which ones to you want to see?</a:t>
+            </a:r>
+            <a:endParaRPr lang="nl-NL" sz="1800">
+              <a:effectLst/>
+              <a:latin typeface="Calibri" panose="020F0502020204030204" pitchFamily="34" charset="0"/>
+              <a:ea typeface="Aptos" panose="020B0004020202020204" pitchFamily="34" charset="0"/>
+              <a:cs typeface="Times New Roman" panose="02020603050405020304" pitchFamily="18" charset="0"/>
+            </a:endParaRPr>
+          </a:p>
+          <a:p>
+            <a:r>
+              <a:rPr lang="en-US" sz="1200">
+                <a:effectLst/>
+                <a:latin typeface="Calibri" panose="020F0502020204030204" pitchFamily="34" charset="0"/>
+                <a:ea typeface="Aptos" panose="020B0004020202020204" pitchFamily="34" charset="0"/>
+                <a:cs typeface="Times New Roman" panose="02020603050405020304" pitchFamily="18" charset="0"/>
+              </a:rPr>
+              <a:t>We can look at the code too.</a:t>
+            </a:r>
+            <a:endParaRPr lang="nl-NL" sz="1200">
+              <a:effectLst/>
+              <a:latin typeface="Calibri" panose="020F0502020204030204" pitchFamily="34" charset="0"/>
+              <a:ea typeface="Aptos" panose="020B0004020202020204" pitchFamily="34" charset="0"/>
+              <a:cs typeface="Times New Roman" panose="02020603050405020304" pitchFamily="18" charset="0"/>
+            </a:endParaRPr>
+          </a:p>
+          <a:p>
+            <a:endParaRPr lang="en-US" dirty="0"/>
+          </a:p>
+        </p:txBody>
+      </p:sp>
+      <p:sp>
+        <p:nvSpPr>
+          <p:cNvPr id="4" name="Slide Number Placeholder 3">
+            <a:extLst>
+              <a:ext uri="{FF2B5EF4-FFF2-40B4-BE49-F238E27FC236}">
+                <a16:creationId xmlns:a16="http://schemas.microsoft.com/office/drawing/2014/main" id="{496ACB10-5C5F-9F7D-8D05-35BF7759223D}"/>
+              </a:ext>
+            </a:extLst>
+          </p:cNvPr>
+          <p:cNvSpPr>
+            <a:spLocks noGrp="1"/>
+          </p:cNvSpPr>
+          <p:nvPr>
+            <p:ph type="sldNum" sz="quarter" idx="5"/>
+          </p:nvPr>
+        </p:nvSpPr>
+        <p:spPr/>
+        <p:txBody>
+          <a:bodyPr/>
+          <a:lstStyle/>
+          <a:p>
+            <a:fld id="{7084ECCA-2E5B-4BF5-B400-4B85B948503C}" type="slidenum">
+              <a:rPr lang="nl-NL" smtClean="0"/>
+              <a:t>15</a:t>
+            </a:fld>
+            <a:endParaRPr lang="nl-NL" dirty="0"/>
+          </a:p>
+        </p:txBody>
+      </p:sp>
+    </p:spTree>
+    <p:extLst>
+      <p:ext uri="{BB962C8B-B14F-4D97-AF65-F5344CB8AC3E}">
+        <p14:creationId xmlns:p14="http://schemas.microsoft.com/office/powerpoint/2010/main" val="836897038"/>
+      </p:ext>
+    </p:extLst>
+  </p:cSld>
+  <p:clrMapOvr>
+    <a:masterClrMapping/>
+  </p:clrMapOvr>
+</p:notes>
+</file>
+
+<file path=ppt/notesSlides/notesSlide16.xml><?xml version="1.0" encoding="utf-8"?>
+<p:notes xmlns:a="http://schemas.openxmlformats.org/drawingml/2006/main" xmlns:r="http://schemas.openxmlformats.org/officeDocument/2006/relationships" xmlns:p="http://schemas.openxmlformats.org/presentationml/2006/main">
+  <p:cSld>
+    <p:spTree>
+      <p:nvGrpSpPr>
+        <p:cNvPr id="1" name=""/>
+        <p:cNvGrpSpPr/>
+        <p:nvPr/>
+      </p:nvGrpSpPr>
+      <p:grpSpPr>
+        <a:xfrm>
+          <a:off x="0" y="0"/>
+          <a:ext cx="0" cy="0"/>
+          <a:chOff x="0" y="0"/>
+          <a:chExt cx="0" cy="0"/>
+        </a:xfrm>
+      </p:grpSpPr>
+      <p:sp>
+        <p:nvSpPr>
+          <p:cNvPr id="2" name="Slide Image Placeholder 1"/>
+          <p:cNvSpPr>
+            <a:spLocks noGrp="1" noRot="1" noChangeAspect="1"/>
+          </p:cNvSpPr>
+          <p:nvPr>
+            <p:ph type="sldImg"/>
+          </p:nvPr>
+        </p:nvSpPr>
+        <p:spPr/>
+      </p:sp>
+      <p:sp>
+        <p:nvSpPr>
+          <p:cNvPr id="3" name="Notes Placeholder 2"/>
+          <p:cNvSpPr>
+            <a:spLocks noGrp="1"/>
+          </p:cNvSpPr>
+          <p:nvPr>
+            <p:ph type="body" idx="1"/>
+          </p:nvPr>
+        </p:nvSpPr>
+        <p:spPr/>
+        <p:txBody>
+          <a:bodyPr/>
+          <a:lstStyle/>
+          <a:p>
+            <a:endParaRPr lang="en-US" dirty="0"/>
+          </a:p>
+        </p:txBody>
+      </p:sp>
+      <p:sp>
+        <p:nvSpPr>
+          <p:cNvPr id="4" name="Slide Number Placeholder 3"/>
+          <p:cNvSpPr>
+            <a:spLocks noGrp="1"/>
+          </p:cNvSpPr>
+          <p:nvPr>
+            <p:ph type="sldNum" sz="quarter" idx="5"/>
+          </p:nvPr>
+        </p:nvSpPr>
+        <p:spPr/>
+        <p:txBody>
+          <a:bodyPr/>
+          <a:lstStyle/>
+          <a:p>
+            <a:fld id="{7084ECCA-2E5B-4BF5-B400-4B85B948503C}" type="slidenum">
+              <a:rPr lang="nl-NL" smtClean="0"/>
+              <a:t>16</a:t>
+            </a:fld>
+            <a:endParaRPr lang="nl-NL" dirty="0"/>
           </a:p>
         </p:txBody>
       </p:sp>
@@ -705,9 +1491,56 @@
           <a:lstStyle/>
           <a:p>
             <a:r>
-              <a:rPr lang="en-US"/>
-              <a:t>Databases: Postgres, MariaDB and MySQL.</a:t>
-            </a:r>
+              <a:rPr lang="en-US" sz="1800">
+                <a:effectLst/>
+                <a:latin typeface="Calibri" panose="020F0502020204030204" pitchFamily="34" charset="0"/>
+                <a:ea typeface="Aptos" panose="020B0004020202020204" pitchFamily="34" charset="0"/>
+                <a:cs typeface="Calibri" panose="020F0502020204030204" pitchFamily="34" charset="0"/>
+              </a:rPr>
+              <a:t>Started computing early 80-ties, back in the BBS days... </a:t>
+            </a:r>
+            <a:br>
+              <a:rPr lang="en-US" sz="1800">
+                <a:effectLst/>
+                <a:latin typeface="Calibri" panose="020F0502020204030204" pitchFamily="34" charset="0"/>
+                <a:ea typeface="Aptos" panose="020B0004020202020204" pitchFamily="34" charset="0"/>
+                <a:cs typeface="Calibri" panose="020F0502020204030204" pitchFamily="34" charset="0"/>
+              </a:rPr>
+            </a:br>
+            <a:r>
+              <a:rPr lang="en-US" sz="1800">
+                <a:effectLst/>
+                <a:latin typeface="Calibri" panose="020F0502020204030204" pitchFamily="34" charset="0"/>
+                <a:ea typeface="Aptos" panose="020B0004020202020204" pitchFamily="34" charset="0"/>
+                <a:cs typeface="Calibri" panose="020F0502020204030204" pitchFamily="34" charset="0"/>
+              </a:rPr>
+              <a:t>Developed the new biggest Dutch BBS called NEABBS in C on Unix clone called Xenix.</a:t>
+            </a:r>
+            <a:endParaRPr lang="nl-NL" sz="1800">
+              <a:effectLst/>
+              <a:latin typeface="Calibri" panose="020F0502020204030204" pitchFamily="34" charset="0"/>
+              <a:ea typeface="Aptos" panose="020B0004020202020204" pitchFamily="34" charset="0"/>
+              <a:cs typeface="Times New Roman" panose="02020603050405020304" pitchFamily="18" charset="0"/>
+            </a:endParaRPr>
+          </a:p>
+          <a:p>
+            <a:r>
+              <a:rPr lang="en-US" sz="1800">
+                <a:effectLst/>
+                <a:latin typeface="Calibri" panose="020F0502020204030204" pitchFamily="34" charset="0"/>
+                <a:ea typeface="Aptos" panose="020B0004020202020204" pitchFamily="34" charset="0"/>
+                <a:cs typeface="Calibri" panose="020F0502020204030204" pitchFamily="34" charset="0"/>
+              </a:rPr>
+              <a:t>Started my career as a developer, in OO languages like C++.</a:t>
+            </a:r>
+          </a:p>
+          <a:p>
+            <a:endParaRPr lang="nl-NL" sz="1800">
+              <a:effectLst/>
+              <a:latin typeface="Calibri" panose="020F0502020204030204" pitchFamily="34" charset="0"/>
+              <a:ea typeface="Aptos" panose="020B0004020202020204" pitchFamily="34" charset="0"/>
+              <a:cs typeface="Times New Roman" panose="02020603050405020304" pitchFamily="18" charset="0"/>
+            </a:endParaRPr>
           </a:p>
         </p:txBody>
       </p:sp>
@@ -730,7 +1563,7 @@
               <a:rPr lang="nl-NL" smtClean="0"/>
               <a:t>2</a:t>
             </a:fld>
-            <a:endParaRPr lang="nl-NL"/>
+            <a:endParaRPr lang="nl-NL" dirty="0"/>
           </a:p>
         </p:txBody>
       </p:sp>
@@ -752,7 +1585,13 @@
   <p:cSld>
     <p:spTree>
       <p:nvGrpSpPr>
-        <p:cNvPr id="1" name=""/>
+        <p:cNvPr id="1" name="">
+          <a:extLst>
+            <a:ext uri="{FF2B5EF4-FFF2-40B4-BE49-F238E27FC236}">
+              <a16:creationId xmlns:a16="http://schemas.microsoft.com/office/drawing/2014/main" id="{563FA58E-AA0E-C99C-7F96-9A7A4FB1B0D6}"/>
+            </a:ext>
+          </a:extLst>
+        </p:cNvPr>
         <p:cNvGrpSpPr/>
         <p:nvPr/>
       </p:nvGrpSpPr>
@@ -766,7 +1605,13 @@
       </p:grpSpPr>
       <p:sp>
         <p:nvSpPr>
-          <p:cNvPr id="2" name="Slide Image Placeholder 1"/>
+          <p:cNvPr id="2" name="Slide Image Placeholder 1">
+            <a:extLst>
+              <a:ext uri="{FF2B5EF4-FFF2-40B4-BE49-F238E27FC236}">
+                <a16:creationId xmlns:a16="http://schemas.microsoft.com/office/drawing/2014/main" id="{1F58315C-AD47-B39D-1737-050E085B9FBA}"/>
+              </a:ext>
+            </a:extLst>
+          </p:cNvPr>
           <p:cNvSpPr>
             <a:spLocks noGrp="1" noRot="1" noChangeAspect="1"/>
           </p:cNvSpPr>
@@ -778,7 +1623,13 @@
       </p:sp>
       <p:sp>
         <p:nvSpPr>
-          <p:cNvPr id="3" name="Notes Placeholder 2"/>
+          <p:cNvPr id="3" name="Notes Placeholder 2">
+            <a:extLst>
+              <a:ext uri="{FF2B5EF4-FFF2-40B4-BE49-F238E27FC236}">
+                <a16:creationId xmlns:a16="http://schemas.microsoft.com/office/drawing/2014/main" id="{22E1954B-8B20-A9C7-0405-B9DCE5389F55}"/>
+              </a:ext>
+            </a:extLst>
+          </p:cNvPr>
           <p:cNvSpPr>
             <a:spLocks noGrp="1"/>
           </p:cNvSpPr>
@@ -792,33 +1643,119 @@
           <a:lstStyle/>
           <a:p>
             <a:r>
-              <a:rPr lang="en-US"/>
-              <a:t>The pop-left contains the ST base library (image).</a:t>
-            </a:r>
-          </a:p>
-          <a:p>
-            <a:r>
-              <a:rPr lang="en-US"/>
-              <a:t>Below that the example shop client, in a separate project.</a:t>
-            </a:r>
-          </a:p>
-          <a:p>
-            <a:r>
-              <a:rPr lang="en-US"/>
-              <a:t>ST source code on the right, methods loadOrders and onLoadOrders (part).</a:t>
-            </a:r>
-          </a:p>
-          <a:p>
-            <a:r>
-              <a:rPr lang="en-US"/>
-              <a:t>Live demo possible...</a:t>
-            </a:r>
-          </a:p>
-        </p:txBody>
-      </p:sp>
-      <p:sp>
-        <p:nvSpPr>
-          <p:cNvPr id="4" name="Slide Number Placeholder 3"/>
+              <a:rPr lang="en-US" sz="1800">
+                <a:effectLst/>
+                <a:latin typeface="Calibri" panose="020F0502020204030204" pitchFamily="34" charset="0"/>
+                <a:ea typeface="Aptos" panose="020B0004020202020204" pitchFamily="34" charset="0"/>
+                <a:cs typeface="Calibri" panose="020F0502020204030204" pitchFamily="34" charset="0"/>
+              </a:rPr>
+              <a:t>So SmallJS is targeted more at JS des than ST devs.</a:t>
+            </a:r>
+            <a:endParaRPr lang="nl-NL" sz="1800">
+              <a:effectLst/>
+              <a:latin typeface="Calibri" panose="020F0502020204030204" pitchFamily="34" charset="0"/>
+              <a:ea typeface="Aptos" panose="020B0004020202020204" pitchFamily="34" charset="0"/>
+              <a:cs typeface="Times New Roman" panose="02020603050405020304" pitchFamily="18" charset="0"/>
+            </a:endParaRPr>
+          </a:p>
+          <a:p>
+            <a:r>
+              <a:rPr lang="en-US" sz="1800">
+                <a:effectLst/>
+                <a:latin typeface="Calibri" panose="020F0502020204030204" pitchFamily="34" charset="0"/>
+                <a:ea typeface="Aptos" panose="020B0004020202020204" pitchFamily="34" charset="0"/>
+                <a:cs typeface="Calibri" panose="020F0502020204030204" pitchFamily="34" charset="0"/>
+              </a:rPr>
+              <a:t>But for ST devs, like here, it should be interesting, especially you want:</a:t>
+            </a:r>
+            <a:endParaRPr lang="nl-NL" sz="1800">
+              <a:effectLst/>
+              <a:latin typeface="Calibri" panose="020F0502020204030204" pitchFamily="34" charset="0"/>
+              <a:ea typeface="Aptos" panose="020B0004020202020204" pitchFamily="34" charset="0"/>
+              <a:cs typeface="Times New Roman" panose="02020603050405020304" pitchFamily="18" charset="0"/>
+            </a:endParaRPr>
+          </a:p>
+          <a:p>
+            <a:r>
+              <a:rPr lang="en-US" sz="1800">
+                <a:effectLst/>
+                <a:latin typeface="Calibri" panose="020F0502020204030204" pitchFamily="34" charset="0"/>
+                <a:ea typeface="Aptos" panose="020B0004020202020204" pitchFamily="34" charset="0"/>
+                <a:cs typeface="Calibri" panose="020F0502020204030204" pitchFamily="34" charset="0"/>
+              </a:rPr>
+              <a:t>	- Native JS development.</a:t>
+            </a:r>
+            <a:endParaRPr lang="nl-NL" sz="1800">
+              <a:effectLst/>
+              <a:latin typeface="Calibri" panose="020F0502020204030204" pitchFamily="34" charset="0"/>
+              <a:ea typeface="Aptos" panose="020B0004020202020204" pitchFamily="34" charset="0"/>
+              <a:cs typeface="Times New Roman" panose="02020603050405020304" pitchFamily="18" charset="0"/>
+            </a:endParaRPr>
+          </a:p>
+          <a:p>
+            <a:r>
+              <a:rPr lang="en-US" sz="1800">
+                <a:effectLst/>
+                <a:latin typeface="Calibri" panose="020F0502020204030204" pitchFamily="34" charset="0"/>
+                <a:ea typeface="Aptos" panose="020B0004020202020204" pitchFamily="34" charset="0"/>
+              </a:rPr>
+              <a:t>	- Full debugging capabilities.</a:t>
+            </a:r>
+          </a:p>
+          <a:p>
+            <a:endParaRPr lang="en-US" sz="1800">
+              <a:effectLst/>
+              <a:latin typeface="Calibri" panose="020F0502020204030204" pitchFamily="34" charset="0"/>
+            </a:endParaRPr>
+          </a:p>
+          <a:p>
+            <a:r>
+              <a:rPr lang="en-US" sz="1800">
+                <a:effectLst/>
+                <a:latin typeface="Calibri" panose="020F0502020204030204" pitchFamily="34" charset="0"/>
+                <a:ea typeface="Aptos" panose="020B0004020202020204" pitchFamily="34" charset="0"/>
+                <a:cs typeface="Calibri" panose="020F0502020204030204" pitchFamily="34" charset="0"/>
+              </a:rPr>
+              <a:t>Rest of presentation is ST form a JS point of view.</a:t>
+            </a:r>
+            <a:endParaRPr lang="nl-NL" sz="1800">
+              <a:effectLst/>
+              <a:latin typeface="Calibri" panose="020F0502020204030204" pitchFamily="34" charset="0"/>
+              <a:ea typeface="Aptos" panose="020B0004020202020204" pitchFamily="34" charset="0"/>
+              <a:cs typeface="Times New Roman" panose="02020603050405020304" pitchFamily="18" charset="0"/>
+            </a:endParaRPr>
+          </a:p>
+          <a:p>
+            <a:r>
+              <a:rPr lang="en-US" sz="1800">
+                <a:effectLst/>
+                <a:latin typeface="Calibri" panose="020F0502020204030204" pitchFamily="34" charset="0"/>
+                <a:ea typeface="Aptos" panose="020B0004020202020204" pitchFamily="34" charset="0"/>
+                <a:cs typeface="Calibri" panose="020F0502020204030204" pitchFamily="34" charset="0"/>
+              </a:rPr>
+              <a:t>Try to keep that in mind.</a:t>
+            </a:r>
+            <a:endParaRPr lang="nl-NL" sz="1800">
+              <a:effectLst/>
+              <a:latin typeface="Calibri" panose="020F0502020204030204" pitchFamily="34" charset="0"/>
+              <a:ea typeface="Aptos" panose="020B0004020202020204" pitchFamily="34" charset="0"/>
+              <a:cs typeface="Times New Roman" panose="02020603050405020304" pitchFamily="18" charset="0"/>
+            </a:endParaRPr>
+          </a:p>
+          <a:p>
+            <a:endParaRPr lang="en-US" dirty="0"/>
+          </a:p>
+        </p:txBody>
+      </p:sp>
+      <p:sp>
+        <p:nvSpPr>
+          <p:cNvPr id="4" name="Slide Number Placeholder 3">
+            <a:extLst>
+              <a:ext uri="{FF2B5EF4-FFF2-40B4-BE49-F238E27FC236}">
+                <a16:creationId xmlns:a16="http://schemas.microsoft.com/office/drawing/2014/main" id="{02A0C031-FB09-6FF1-7C54-DF584E067264}"/>
+              </a:ext>
+            </a:extLst>
+          </p:cNvPr>
           <p:cNvSpPr>
             <a:spLocks noGrp="1"/>
           </p:cNvSpPr>
@@ -835,14 +1772,14 @@
               <a:rPr lang="nl-NL" smtClean="0"/>
               <a:t>3</a:t>
             </a:fld>
-            <a:endParaRPr lang="nl-NL"/>
+            <a:endParaRPr lang="nl-NL" dirty="0"/>
           </a:p>
         </p:txBody>
       </p:sp>
     </p:spTree>
     <p:extLst>
       <p:ext uri="{BB962C8B-B14F-4D97-AF65-F5344CB8AC3E}">
-        <p14:creationId xmlns:p14="http://schemas.microsoft.com/office/powerpoint/2010/main" val="1100651486"/>
+        <p14:creationId xmlns:p14="http://schemas.microsoft.com/office/powerpoint/2010/main" val="1083781054"/>
       </p:ext>
     </p:extLst>
   </p:cSld>
@@ -857,7 +1794,13 @@
   <p:cSld>
     <p:spTree>
       <p:nvGrpSpPr>
-        <p:cNvPr id="1" name=""/>
+        <p:cNvPr id="1" name="">
+          <a:extLst>
+            <a:ext uri="{FF2B5EF4-FFF2-40B4-BE49-F238E27FC236}">
+              <a16:creationId xmlns:a16="http://schemas.microsoft.com/office/drawing/2014/main" id="{C2B70623-8B54-ED52-197E-F1A9906858A1}"/>
+            </a:ext>
+          </a:extLst>
+        </p:cNvPr>
         <p:cNvGrpSpPr/>
         <p:nvPr/>
       </p:nvGrpSpPr>
@@ -871,7 +1814,13 @@
       </p:grpSpPr>
       <p:sp>
         <p:nvSpPr>
-          <p:cNvPr id="2" name="Slide Image Placeholder 1"/>
+          <p:cNvPr id="2" name="Slide Image Placeholder 1">
+            <a:extLst>
+              <a:ext uri="{FF2B5EF4-FFF2-40B4-BE49-F238E27FC236}">
+                <a16:creationId xmlns:a16="http://schemas.microsoft.com/office/drawing/2014/main" id="{F174198B-14FF-03DD-6E0A-973291B44EFC}"/>
+              </a:ext>
+            </a:extLst>
+          </p:cNvPr>
           <p:cNvSpPr>
             <a:spLocks noGrp="1" noRot="1" noChangeAspect="1"/>
           </p:cNvSpPr>
@@ -883,7 +1832,13 @@
       </p:sp>
       <p:sp>
         <p:nvSpPr>
-          <p:cNvPr id="3" name="Notes Placeholder 2"/>
+          <p:cNvPr id="3" name="Notes Placeholder 2">
+            <a:extLst>
+              <a:ext uri="{FF2B5EF4-FFF2-40B4-BE49-F238E27FC236}">
+                <a16:creationId xmlns:a16="http://schemas.microsoft.com/office/drawing/2014/main" id="{50C20A7B-0346-FFC3-6047-7A434629CA26}"/>
+              </a:ext>
+            </a:extLst>
+          </p:cNvPr>
           <p:cNvSpPr>
             <a:spLocks noGrp="1"/>
           </p:cNvSpPr>
@@ -896,16 +1851,19 @@
           <a:bodyPr/>
           <a:lstStyle/>
           <a:p>
-            <a:r>
-              <a:rPr lang="en-US"/>
-              <a:t>So why should I use SmallJS i.s.o. TypeScript? (don’t use bare JS ;-)</a:t>
-            </a:r>
-          </a:p>
-        </p:txBody>
-      </p:sp>
-      <p:sp>
-        <p:nvSpPr>
-          <p:cNvPr id="4" name="Slide Number Placeholder 3"/>
+            <a:endParaRPr lang="en-US" dirty="0"/>
+          </a:p>
+        </p:txBody>
+      </p:sp>
+      <p:sp>
+        <p:nvSpPr>
+          <p:cNvPr id="4" name="Slide Number Placeholder 3">
+            <a:extLst>
+              <a:ext uri="{FF2B5EF4-FFF2-40B4-BE49-F238E27FC236}">
+                <a16:creationId xmlns:a16="http://schemas.microsoft.com/office/drawing/2014/main" id="{5B33DF68-3356-ACE8-DE8B-9431BEF68DF6}"/>
+              </a:ext>
+            </a:extLst>
+          </p:cNvPr>
           <p:cNvSpPr>
             <a:spLocks noGrp="1"/>
           </p:cNvSpPr>
@@ -922,14 +1880,14 @@
               <a:rPr lang="nl-NL" smtClean="0"/>
               <a:t>4</a:t>
             </a:fld>
-            <a:endParaRPr lang="nl-NL"/>
+            <a:endParaRPr lang="nl-NL" dirty="0"/>
           </a:p>
         </p:txBody>
       </p:sp>
     </p:spTree>
     <p:extLst>
       <p:ext uri="{BB962C8B-B14F-4D97-AF65-F5344CB8AC3E}">
-        <p14:creationId xmlns:p14="http://schemas.microsoft.com/office/powerpoint/2010/main" val="3186947931"/>
+        <p14:creationId xmlns:p14="http://schemas.microsoft.com/office/powerpoint/2010/main" val="900961000"/>
       </p:ext>
     </p:extLst>
   </p:cSld>
@@ -944,7 +1902,13 @@
   <p:cSld>
     <p:spTree>
       <p:nvGrpSpPr>
-        <p:cNvPr id="1" name=""/>
+        <p:cNvPr id="1" name="">
+          <a:extLst>
+            <a:ext uri="{FF2B5EF4-FFF2-40B4-BE49-F238E27FC236}">
+              <a16:creationId xmlns:a16="http://schemas.microsoft.com/office/drawing/2014/main" id="{87B07938-9C74-55F0-CEC7-BC8312F20ED6}"/>
+            </a:ext>
+          </a:extLst>
+        </p:cNvPr>
         <p:cNvGrpSpPr/>
         <p:nvPr/>
       </p:nvGrpSpPr>
@@ -958,7 +1922,13 @@
       </p:grpSpPr>
       <p:sp>
         <p:nvSpPr>
-          <p:cNvPr id="2" name="Slide Image Placeholder 1"/>
+          <p:cNvPr id="2" name="Slide Image Placeholder 1">
+            <a:extLst>
+              <a:ext uri="{FF2B5EF4-FFF2-40B4-BE49-F238E27FC236}">
+                <a16:creationId xmlns:a16="http://schemas.microsoft.com/office/drawing/2014/main" id="{B62D5554-5A2F-D470-C6C0-D9D5BAB1493F}"/>
+              </a:ext>
+            </a:extLst>
+          </p:cNvPr>
           <p:cNvSpPr>
             <a:spLocks noGrp="1" noRot="1" noChangeAspect="1"/>
           </p:cNvSpPr>
@@ -970,7 +1940,13 @@
       </p:sp>
       <p:sp>
         <p:nvSpPr>
-          <p:cNvPr id="3" name="Notes Placeholder 2"/>
+          <p:cNvPr id="3" name="Notes Placeholder 2">
+            <a:extLst>
+              <a:ext uri="{FF2B5EF4-FFF2-40B4-BE49-F238E27FC236}">
+                <a16:creationId xmlns:a16="http://schemas.microsoft.com/office/drawing/2014/main" id="{1D725F02-54E5-E109-B519-A2AEBEBB5E4A}"/>
+              </a:ext>
+            </a:extLst>
+          </p:cNvPr>
           <p:cNvSpPr>
             <a:spLocks noGrp="1"/>
           </p:cNvSpPr>
@@ -984,21 +1960,66 @@
           <a:lstStyle/>
           <a:p>
             <a:r>
-              <a:rPr lang="en-US" noProof="0"/>
-              <a:t>That the syntax fits on a postcard is actually true.</a:t>
-            </a:r>
-          </a:p>
-          <a:p>
-            <a:r>
-              <a:rPr lang="en-US" noProof="0"/>
-              <a:t>The quarter on the lower left contains the complete syntax.</a:t>
-            </a:r>
-          </a:p>
-        </p:txBody>
-      </p:sp>
-      <p:sp>
-        <p:nvSpPr>
-          <p:cNvPr id="4" name="Slide Number Placeholder 3"/>
+              <a:rPr lang="en-US" sz="1800">
+                <a:effectLst/>
+                <a:latin typeface="Calibri" panose="020F0502020204030204" pitchFamily="34" charset="0"/>
+                <a:ea typeface="Aptos" panose="020B0004020202020204" pitchFamily="34" charset="0"/>
+                <a:cs typeface="Times New Roman" panose="02020603050405020304" pitchFamily="18" charset="0"/>
+              </a:rPr>
+              <a:t>Number hierarchy includes classes: Fraction, BigInt, Date and Point.</a:t>
+            </a:r>
+            <a:endParaRPr lang="nl-NL" sz="1800">
+              <a:effectLst/>
+              <a:latin typeface="Calibri" panose="020F0502020204030204" pitchFamily="34" charset="0"/>
+              <a:ea typeface="Aptos" panose="020B0004020202020204" pitchFamily="34" charset="0"/>
+              <a:cs typeface="Times New Roman" panose="02020603050405020304" pitchFamily="18" charset="0"/>
+            </a:endParaRPr>
+          </a:p>
+          <a:p>
+            <a:r>
+              <a:rPr lang="en-US" sz="1800">
+                <a:effectLst/>
+                <a:latin typeface="Calibri" panose="020F0502020204030204" pitchFamily="34" charset="0"/>
+                <a:ea typeface="Aptos" panose="020B0004020202020204" pitchFamily="34" charset="0"/>
+                <a:cs typeface="Times New Roman" panose="02020603050405020304" pitchFamily="18" charset="0"/>
+              </a:rPr>
+              <a:t>Not all JS libraries are *fully* implemented,  </a:t>
+            </a:r>
+            <a:endParaRPr lang="nl-NL" sz="1800">
+              <a:effectLst/>
+              <a:latin typeface="Calibri" panose="020F0502020204030204" pitchFamily="34" charset="0"/>
+              <a:ea typeface="Aptos" panose="020B0004020202020204" pitchFamily="34" charset="0"/>
+              <a:cs typeface="Times New Roman" panose="02020603050405020304" pitchFamily="18" charset="0"/>
+            </a:endParaRPr>
+          </a:p>
+          <a:p>
+            <a:r>
+              <a:rPr lang="en-US" sz="1800">
+                <a:effectLst/>
+                <a:latin typeface="Calibri" panose="020F0502020204030204" pitchFamily="34" charset="0"/>
+                <a:ea typeface="Aptos" panose="020B0004020202020204" pitchFamily="34" charset="0"/>
+                <a:cs typeface="Times New Roman" panose="02020603050405020304" pitchFamily="18" charset="0"/>
+              </a:rPr>
+              <a:t>but making them (more) complete is easy to do.</a:t>
+            </a:r>
+            <a:endParaRPr lang="nl-NL" sz="1800">
+              <a:effectLst/>
+              <a:latin typeface="Calibri" panose="020F0502020204030204" pitchFamily="34" charset="0"/>
+              <a:ea typeface="Aptos" panose="020B0004020202020204" pitchFamily="34" charset="0"/>
+              <a:cs typeface="Times New Roman" panose="02020603050405020304" pitchFamily="18" charset="0"/>
+            </a:endParaRPr>
+          </a:p>
+        </p:txBody>
+      </p:sp>
+      <p:sp>
+        <p:nvSpPr>
+          <p:cNvPr id="4" name="Slide Number Placeholder 3">
+            <a:extLst>
+              <a:ext uri="{FF2B5EF4-FFF2-40B4-BE49-F238E27FC236}">
+                <a16:creationId xmlns:a16="http://schemas.microsoft.com/office/drawing/2014/main" id="{E08A7EC4-CE62-8B12-6870-3DDB725D6BF6}"/>
+              </a:ext>
+            </a:extLst>
+          </p:cNvPr>
           <p:cNvSpPr>
             <a:spLocks noGrp="1"/>
           </p:cNvSpPr>
@@ -1015,14 +2036,14 @@
               <a:rPr lang="nl-NL" smtClean="0"/>
               <a:t>5</a:t>
             </a:fld>
-            <a:endParaRPr lang="nl-NL"/>
+            <a:endParaRPr lang="nl-NL" dirty="0"/>
           </a:p>
         </p:txBody>
       </p:sp>
     </p:spTree>
     <p:extLst>
       <p:ext uri="{BB962C8B-B14F-4D97-AF65-F5344CB8AC3E}">
-        <p14:creationId xmlns:p14="http://schemas.microsoft.com/office/powerpoint/2010/main" val="834792673"/>
+        <p14:creationId xmlns:p14="http://schemas.microsoft.com/office/powerpoint/2010/main" val="1635264379"/>
       </p:ext>
     </p:extLst>
   </p:cSld>
@@ -1077,49 +2098,71 @@
           <a:lstStyle/>
           <a:p>
             <a:r>
-              <a:rPr lang="en-US"/>
-              <a:t>Smalltalk advantages</a:t>
-            </a:r>
-          </a:p>
-          <a:p>
-            <a:pPr marL="171450" indent="-171450">
-              <a:buFontTx/>
-              <a:buChar char="-"/>
-            </a:pPr>
-            <a:r>
-              <a:rPr lang="en-US"/>
-              <a:t>More elegant calling and reuse.</a:t>
-            </a:r>
-          </a:p>
-          <a:p>
-            <a:pPr marL="171450" indent="-171450">
-              <a:buFontTx/>
-              <a:buChar char="-"/>
-            </a:pPr>
-            <a:r>
-              <a:rPr lang="en-US"/>
-              <a:t>Preserves fractions.</a:t>
-            </a:r>
-          </a:p>
-          <a:p>
-            <a:pPr marL="171450" indent="-171450">
-              <a:buFontTx/>
-              <a:buChar char="-"/>
-            </a:pPr>
-            <a:r>
-              <a:rPr lang="en-US"/>
-              <a:t>Automatic big int use.</a:t>
-            </a:r>
-          </a:p>
-          <a:p>
-            <a:pPr marL="171450" indent="-171450">
-              <a:buFontTx/>
-              <a:buChar char="-"/>
-            </a:pPr>
-            <a:r>
-              <a:rPr lang="en-US"/>
-              <a:t>Signals error after illegal use i.s.o. unwanted coercion.</a:t>
-            </a:r>
+              <a:rPr lang="en-US" sz="1800">
+                <a:effectLst/>
+                <a:latin typeface="Calibri" panose="020F0502020204030204" pitchFamily="34" charset="0"/>
+                <a:ea typeface="Aptos" panose="020B0004020202020204" pitchFamily="34" charset="0"/>
+                <a:cs typeface="Calibri" panose="020F0502020204030204" pitchFamily="34" charset="0"/>
+              </a:rPr>
+              <a:t>The pop-left contains the ST base library (image).</a:t>
+            </a:r>
+            <a:endParaRPr lang="nl-NL" sz="1800">
+              <a:effectLst/>
+              <a:latin typeface="Calibri" panose="020F0502020204030204" pitchFamily="34" charset="0"/>
+              <a:ea typeface="Aptos" panose="020B0004020202020204" pitchFamily="34" charset="0"/>
+              <a:cs typeface="Times New Roman" panose="02020603050405020304" pitchFamily="18" charset="0"/>
+            </a:endParaRPr>
+          </a:p>
+          <a:p>
+            <a:r>
+              <a:rPr lang="en-US" sz="1800">
+                <a:effectLst/>
+                <a:latin typeface="Calibri" panose="020F0502020204030204" pitchFamily="34" charset="0"/>
+                <a:ea typeface="Aptos" panose="020B0004020202020204" pitchFamily="34" charset="0"/>
+                <a:cs typeface="Calibri" panose="020F0502020204030204" pitchFamily="34" charset="0"/>
+              </a:rPr>
+              <a:t>Below that the example shop client, in a separate project.</a:t>
+            </a:r>
+            <a:endParaRPr lang="nl-NL" sz="1800">
+              <a:effectLst/>
+              <a:latin typeface="Calibri" panose="020F0502020204030204" pitchFamily="34" charset="0"/>
+              <a:ea typeface="Aptos" panose="020B0004020202020204" pitchFamily="34" charset="0"/>
+              <a:cs typeface="Times New Roman" panose="02020603050405020304" pitchFamily="18" charset="0"/>
+            </a:endParaRPr>
+          </a:p>
+          <a:p>
+            <a:r>
+              <a:rPr lang="en-US" sz="1800">
+                <a:effectLst/>
+                <a:latin typeface="Calibri" panose="020F0502020204030204" pitchFamily="34" charset="0"/>
+                <a:ea typeface="Aptos" panose="020B0004020202020204" pitchFamily="34" charset="0"/>
+                <a:cs typeface="Calibri" panose="020F0502020204030204" pitchFamily="34" charset="0"/>
+              </a:rPr>
+              <a:t>ST source code on the right, methods loadOrders and onLoadOrders (part).</a:t>
+            </a:r>
+            <a:endParaRPr lang="nl-NL" sz="1800">
+              <a:effectLst/>
+              <a:latin typeface="Calibri" panose="020F0502020204030204" pitchFamily="34" charset="0"/>
+              <a:ea typeface="Aptos" panose="020B0004020202020204" pitchFamily="34" charset="0"/>
+              <a:cs typeface="Times New Roman" panose="02020603050405020304" pitchFamily="18" charset="0"/>
+            </a:endParaRPr>
+          </a:p>
+          <a:p>
+            <a:r>
+              <a:rPr lang="en-US" sz="1800">
+                <a:effectLst/>
+                <a:latin typeface="Calibri" panose="020F0502020204030204" pitchFamily="34" charset="0"/>
+                <a:ea typeface="Aptos" panose="020B0004020202020204" pitchFamily="34" charset="0"/>
+                <a:cs typeface="Calibri" panose="020F0502020204030204" pitchFamily="34" charset="0"/>
+              </a:rPr>
+              <a:t>Live demo's later.</a:t>
+            </a:r>
+            <a:endParaRPr lang="nl-NL" sz="1800">
+              <a:effectLst/>
+              <a:latin typeface="Calibri" panose="020F0502020204030204" pitchFamily="34" charset="0"/>
+              <a:ea typeface="Aptos" panose="020B0004020202020204" pitchFamily="34" charset="0"/>
+              <a:cs typeface="Times New Roman" panose="02020603050405020304" pitchFamily="18" charset="0"/>
+            </a:endParaRPr>
           </a:p>
         </p:txBody>
       </p:sp>
@@ -1142,14 +2185,14 @@
               <a:rPr lang="nl-NL" smtClean="0"/>
               <a:t>6</a:t>
             </a:fld>
-            <a:endParaRPr lang="nl-NL"/>
+            <a:endParaRPr lang="nl-NL" dirty="0"/>
           </a:p>
         </p:txBody>
       </p:sp>
     </p:spTree>
     <p:extLst>
       <p:ext uri="{BB962C8B-B14F-4D97-AF65-F5344CB8AC3E}">
-        <p14:creationId xmlns:p14="http://schemas.microsoft.com/office/powerpoint/2010/main" val="4214277623"/>
+        <p14:creationId xmlns:p14="http://schemas.microsoft.com/office/powerpoint/2010/main" val="1100651486"/>
       </p:ext>
     </p:extLst>
   </p:cSld>
@@ -1204,14 +2247,8 @@
           <a:lstStyle/>
           <a:p>
             <a:r>
-              <a:rPr lang="en-US"/>
-              <a:t>For async / wait it is not possible to work around it with a simpler concurrency method: block fork.</a:t>
-            </a:r>
-          </a:p>
-          <a:p>
-            <a:r>
-              <a:rPr lang="en-US"/>
-              <a:t>The basic design fix is that the *caller* should decide async execution, not the *callee*.</a:t>
+              <a:rPr lang="en-US" dirty="0"/>
+              <a:t>So why should I use SmallJS i.s.o. TypeScript? (don’t use bare JS ;-)</a:t>
             </a:r>
           </a:p>
         </p:txBody>
@@ -1235,14 +2272,14 @@
               <a:rPr lang="nl-NL" smtClean="0"/>
               <a:t>7</a:t>
             </a:fld>
-            <a:endParaRPr lang="nl-NL"/>
+            <a:endParaRPr lang="nl-NL" dirty="0"/>
           </a:p>
         </p:txBody>
       </p:sp>
     </p:spTree>
     <p:extLst>
       <p:ext uri="{BB962C8B-B14F-4D97-AF65-F5344CB8AC3E}">
-        <p14:creationId xmlns:p14="http://schemas.microsoft.com/office/powerpoint/2010/main" val="2732147747"/>
+        <p14:creationId xmlns:p14="http://schemas.microsoft.com/office/powerpoint/2010/main" val="3186947931"/>
       </p:ext>
     </p:extLst>
   </p:cSld>
@@ -1297,39 +2334,19 @@
           <a:lstStyle/>
           <a:p>
             <a:r>
-              <a:rPr lang="en-US"/>
-              <a:t>Type inferencing via VSCode IDE needs language server.</a:t>
-            </a:r>
-          </a:p>
-          <a:p>
-            <a:r>
-              <a:rPr lang="en-US"/>
-              <a:t>Dolphin Smalltalk implemented namespaces recently.</a:t>
-            </a:r>
-          </a:p>
-          <a:p>
-            <a:r>
-              <a:rPr lang="en-US"/>
-              <a:t>Community: That’s what you guys could help with. </a:t>
-            </a:r>
-            <a:r>
-              <a:rPr lang="en-US">
-                <a:sym typeface="Wingdings" panose="05000000000000000000" pitchFamily="2" charset="2"/>
-              </a:rPr>
-              <a:t></a:t>
-            </a:r>
-          </a:p>
-          <a:p>
-            <a:r>
-              <a:rPr lang="en-US">
-                <a:sym typeface="Wingdings" panose="05000000000000000000" pitchFamily="2" charset="2"/>
-              </a:rPr>
-              <a:t>And you can use SmallJS incrementally next to TS.</a:t>
-            </a:r>
-            <a:endParaRPr lang="en-US"/>
-          </a:p>
-          <a:p>
-            <a:endParaRPr lang="en-US"/>
+              <a:rPr lang="en-US" noProof="0" dirty="0"/>
+              <a:t>That the syntax fits on a postcard is actually true.</a:t>
+            </a:r>
+          </a:p>
+          <a:p>
+            <a:r>
+              <a:rPr lang="en-US" noProof="0"/>
+              <a:t>The quarter area </a:t>
+            </a:r>
+            <a:r>
+              <a:rPr lang="en-US" noProof="0" dirty="0"/>
+              <a:t>on the lower left contains the complete syntax.</a:t>
+            </a:r>
           </a:p>
         </p:txBody>
       </p:sp>
@@ -1350,16 +2367,16 @@
           <a:p>
             <a:fld id="{7084ECCA-2E5B-4BF5-B400-4B85B948503C}" type="slidenum">
               <a:rPr lang="nl-NL" smtClean="0"/>
-              <a:t>9</a:t>
+              <a:t>8</a:t>
             </a:fld>
-            <a:endParaRPr lang="nl-NL"/>
+            <a:endParaRPr lang="nl-NL" dirty="0"/>
           </a:p>
         </p:txBody>
       </p:sp>
     </p:spTree>
     <p:extLst>
       <p:ext uri="{BB962C8B-B14F-4D97-AF65-F5344CB8AC3E}">
-        <p14:creationId xmlns:p14="http://schemas.microsoft.com/office/powerpoint/2010/main" val="2154498010"/>
+        <p14:creationId xmlns:p14="http://schemas.microsoft.com/office/powerpoint/2010/main" val="834792673"/>
       </p:ext>
     </p:extLst>
   </p:cSld>
@@ -1413,7 +2430,50 @@
           <a:bodyPr/>
           <a:lstStyle/>
           <a:p>
-            <a:endParaRPr lang="en-US"/>
+            <a:r>
+              <a:rPr lang="en-US" dirty="0"/>
+              <a:t>Smalltalk advantages</a:t>
+            </a:r>
+          </a:p>
+          <a:p>
+            <a:pPr marL="171450" indent="-171450">
+              <a:buFontTx/>
+              <a:buChar char="-"/>
+            </a:pPr>
+            <a:r>
+              <a:rPr lang="en-US" dirty="0"/>
+              <a:t>More elegant calling and reuse.</a:t>
+            </a:r>
+          </a:p>
+          <a:p>
+            <a:pPr marL="171450" indent="-171450">
+              <a:buFontTx/>
+              <a:buChar char="-"/>
+            </a:pPr>
+            <a:r>
+              <a:rPr lang="en-US" dirty="0"/>
+              <a:t>Preserves fractions.</a:t>
+            </a:r>
+          </a:p>
+          <a:p>
+            <a:pPr marL="171450" indent="-171450">
+              <a:buFontTx/>
+              <a:buChar char="-"/>
+            </a:pPr>
+            <a:r>
+              <a:rPr lang="en-US" dirty="0"/>
+              <a:t>Automatic big int use.</a:t>
+            </a:r>
+          </a:p>
+          <a:p>
+            <a:pPr marL="171450" indent="-171450">
+              <a:buFontTx/>
+              <a:buChar char="-"/>
+            </a:pPr>
+            <a:r>
+              <a:rPr lang="en-US" dirty="0"/>
+              <a:t>Signals error after illegal use i.s.o. unwanted coercion.</a:t>
+            </a:r>
           </a:p>
         </p:txBody>
       </p:sp>
@@ -1434,16 +2494,16 @@
           <a:p>
             <a:fld id="{7084ECCA-2E5B-4BF5-B400-4B85B948503C}" type="slidenum">
               <a:rPr lang="nl-NL" smtClean="0"/>
-              <a:t>10</a:t>
+              <a:t>9</a:t>
             </a:fld>
-            <a:endParaRPr lang="nl-NL"/>
+            <a:endParaRPr lang="nl-NL" dirty="0"/>
           </a:p>
         </p:txBody>
       </p:sp>
     </p:spTree>
     <p:extLst>
       <p:ext uri="{BB962C8B-B14F-4D97-AF65-F5344CB8AC3E}">
-        <p14:creationId xmlns:p14="http://schemas.microsoft.com/office/powerpoint/2010/main" val="3802836720"/>
+        <p14:creationId xmlns:p14="http://schemas.microsoft.com/office/powerpoint/2010/main" val="4214277623"/>
       </p:ext>
     </p:extLst>
   </p:cSld>
@@ -2198,9 +3258,9 @@
           <a:p>
             <a:fld id="{4D9E9568-0F03-4866-87AD-CAF9FA4FA032}" type="datetimeFigureOut">
               <a:rPr lang="nl-NL" smtClean="0"/>
-              <a:t>11-7-2024</a:t>
+              <a:t>1-3-2025</a:t>
             </a:fld>
-            <a:endParaRPr lang="nl-NL"/>
+            <a:endParaRPr lang="nl-NL" dirty="0"/>
           </a:p>
         </p:txBody>
       </p:sp>
@@ -2219,7 +3279,7 @@
           <a:bodyPr/>
           <a:lstStyle/>
           <a:p>
-            <a:endParaRPr lang="nl-NL"/>
+            <a:endParaRPr lang="nl-NL" dirty="0"/>
           </a:p>
         </p:txBody>
       </p:sp>
@@ -2242,7 +3302,7 @@
               <a:rPr lang="nl-NL" smtClean="0"/>
               <a:t>‹#›</a:t>
             </a:fld>
-            <a:endParaRPr lang="nl-NL"/>
+            <a:endParaRPr lang="nl-NL" dirty="0"/>
           </a:p>
         </p:txBody>
       </p:sp>
@@ -2449,9 +3509,9 @@
           <a:p>
             <a:fld id="{4D9E9568-0F03-4866-87AD-CAF9FA4FA032}" type="datetimeFigureOut">
               <a:rPr lang="nl-NL" smtClean="0"/>
-              <a:t>11-7-2024</a:t>
+              <a:t>1-3-2025</a:t>
             </a:fld>
-            <a:endParaRPr lang="nl-NL"/>
+            <a:endParaRPr lang="nl-NL" dirty="0"/>
           </a:p>
         </p:txBody>
       </p:sp>
@@ -2470,7 +3530,7 @@
           <a:bodyPr/>
           <a:lstStyle/>
           <a:p>
-            <a:endParaRPr lang="nl-NL"/>
+            <a:endParaRPr lang="nl-NL" dirty="0"/>
           </a:p>
         </p:txBody>
       </p:sp>
@@ -2493,7 +3553,7 @@
               <a:rPr lang="nl-NL" smtClean="0"/>
               <a:t>‹#›</a:t>
             </a:fld>
-            <a:endParaRPr lang="nl-NL"/>
+            <a:endParaRPr lang="nl-NL" dirty="0"/>
           </a:p>
         </p:txBody>
       </p:sp>
@@ -2763,9 +3823,9 @@
           <a:p>
             <a:fld id="{4D9E9568-0F03-4866-87AD-CAF9FA4FA032}" type="datetimeFigureOut">
               <a:rPr lang="nl-NL" smtClean="0"/>
-              <a:t>11-7-2024</a:t>
+              <a:t>1-3-2025</a:t>
             </a:fld>
-            <a:endParaRPr lang="nl-NL"/>
+            <a:endParaRPr lang="nl-NL" dirty="0"/>
           </a:p>
         </p:txBody>
       </p:sp>
@@ -2784,7 +3844,7 @@
           <a:bodyPr/>
           <a:lstStyle/>
           <a:p>
-            <a:endParaRPr lang="nl-NL"/>
+            <a:endParaRPr lang="nl-NL" dirty="0"/>
           </a:p>
         </p:txBody>
       </p:sp>
@@ -2807,7 +3867,7 @@
               <a:rPr lang="nl-NL" smtClean="0"/>
               <a:t>‹#›</a:t>
             </a:fld>
-            <a:endParaRPr lang="nl-NL"/>
+            <a:endParaRPr lang="nl-NL" dirty="0"/>
           </a:p>
         </p:txBody>
       </p:sp>
@@ -2834,7 +3894,7 @@
           <a:p>
             <a:pPr lvl="0"/>
             <a:r>
-              <a:rPr lang="en-US" sz="8000" baseline="0">
+              <a:rPr lang="en-US" sz="8000" baseline="0" dirty="0">
                 <a:ln w="3175" cmpd="sng">
                   <a:noFill/>
                 </a:ln>
@@ -2875,7 +3935,7 @@
           <a:p>
             <a:pPr lvl="0"/>
             <a:r>
-              <a:rPr lang="en-US" sz="8000" baseline="0">
+              <a:rPr lang="en-US" sz="8000" baseline="0" dirty="0">
                 <a:ln w="3175" cmpd="sng">
                   <a:noFill/>
                 </a:ln>
@@ -3096,9 +4156,9 @@
           <a:p>
             <a:fld id="{4D9E9568-0F03-4866-87AD-CAF9FA4FA032}" type="datetimeFigureOut">
               <a:rPr lang="nl-NL" smtClean="0"/>
-              <a:t>11-7-2024</a:t>
+              <a:t>1-3-2025</a:t>
             </a:fld>
-            <a:endParaRPr lang="nl-NL"/>
+            <a:endParaRPr lang="nl-NL" dirty="0"/>
           </a:p>
         </p:txBody>
       </p:sp>
@@ -3117,7 +4177,7 @@
           <a:bodyPr/>
           <a:lstStyle/>
           <a:p>
-            <a:endParaRPr lang="nl-NL"/>
+            <a:endParaRPr lang="nl-NL" dirty="0"/>
           </a:p>
         </p:txBody>
       </p:sp>
@@ -3140,7 +4200,7 @@
               <a:rPr lang="nl-NL" smtClean="0"/>
               <a:t>‹#›</a:t>
             </a:fld>
-            <a:endParaRPr lang="nl-NL"/>
+            <a:endParaRPr lang="nl-NL" dirty="0"/>
           </a:p>
         </p:txBody>
       </p:sp>
@@ -3410,9 +4470,9 @@
           <a:p>
             <a:fld id="{4D9E9568-0F03-4866-87AD-CAF9FA4FA032}" type="datetimeFigureOut">
               <a:rPr lang="nl-NL" smtClean="0"/>
-              <a:t>11-7-2024</a:t>
+              <a:t>1-3-2025</a:t>
             </a:fld>
-            <a:endParaRPr lang="nl-NL"/>
+            <a:endParaRPr lang="nl-NL" dirty="0"/>
           </a:p>
         </p:txBody>
       </p:sp>
@@ -3431,7 +4491,7 @@
           <a:bodyPr/>
           <a:lstStyle/>
           <a:p>
-            <a:endParaRPr lang="nl-NL"/>
+            <a:endParaRPr lang="nl-NL" dirty="0"/>
           </a:p>
         </p:txBody>
       </p:sp>
@@ -3454,7 +4514,7 @@
               <a:rPr lang="nl-NL" smtClean="0"/>
               <a:t>‹#›</a:t>
             </a:fld>
-            <a:endParaRPr lang="nl-NL"/>
+            <a:endParaRPr lang="nl-NL" dirty="0"/>
           </a:p>
         </p:txBody>
       </p:sp>
@@ -3481,7 +4541,7 @@
           <a:p>
             <a:pPr lvl="0"/>
             <a:r>
-              <a:rPr lang="en-US" sz="8000" baseline="0">
+              <a:rPr lang="en-US" sz="8000" baseline="0" dirty="0">
                 <a:ln w="3175" cmpd="sng">
                   <a:noFill/>
                 </a:ln>
@@ -3522,7 +4582,7 @@
           <a:p>
             <a:pPr lvl="0"/>
             <a:r>
-              <a:rPr lang="en-US" sz="8000" baseline="0">
+              <a:rPr lang="en-US" sz="8000" baseline="0" dirty="0">
                 <a:ln w="3175" cmpd="sng">
                   <a:noFill/>
                 </a:ln>
@@ -3803,9 +4863,9 @@
           <a:p>
             <a:fld id="{4D9E9568-0F03-4866-87AD-CAF9FA4FA032}" type="datetimeFigureOut">
               <a:rPr lang="nl-NL" smtClean="0"/>
-              <a:t>11-7-2024</a:t>
+              <a:t>1-3-2025</a:t>
             </a:fld>
-            <a:endParaRPr lang="nl-NL"/>
+            <a:endParaRPr lang="nl-NL" dirty="0"/>
           </a:p>
         </p:txBody>
       </p:sp>
@@ -3824,7 +4884,7 @@
           <a:bodyPr/>
           <a:lstStyle/>
           <a:p>
-            <a:endParaRPr lang="nl-NL"/>
+            <a:endParaRPr lang="nl-NL" dirty="0"/>
           </a:p>
         </p:txBody>
       </p:sp>
@@ -3847,7 +4907,7 @@
               <a:rPr lang="nl-NL" smtClean="0"/>
               <a:t>‹#›</a:t>
             </a:fld>
-            <a:endParaRPr lang="nl-NL"/>
+            <a:endParaRPr lang="nl-NL" dirty="0"/>
           </a:p>
         </p:txBody>
       </p:sp>
@@ -3973,9 +5033,9 @@
           <a:p>
             <a:fld id="{4D9E9568-0F03-4866-87AD-CAF9FA4FA032}" type="datetimeFigureOut">
               <a:rPr lang="nl-NL" smtClean="0"/>
-              <a:t>11-7-2024</a:t>
+              <a:t>1-3-2025</a:t>
             </a:fld>
-            <a:endParaRPr lang="nl-NL"/>
+            <a:endParaRPr lang="nl-NL" dirty="0"/>
           </a:p>
         </p:txBody>
       </p:sp>
@@ -3994,7 +5054,7 @@
           <a:bodyPr/>
           <a:lstStyle/>
           <a:p>
-            <a:endParaRPr lang="nl-NL"/>
+            <a:endParaRPr lang="nl-NL" dirty="0"/>
           </a:p>
         </p:txBody>
       </p:sp>
@@ -4017,7 +5077,7 @@
               <a:rPr lang="nl-NL" smtClean="0"/>
               <a:t>‹#›</a:t>
             </a:fld>
-            <a:endParaRPr lang="nl-NL"/>
+            <a:endParaRPr lang="nl-NL" dirty="0"/>
           </a:p>
         </p:txBody>
       </p:sp>
@@ -4153,9 +5213,9 @@
           <a:p>
             <a:fld id="{4D9E9568-0F03-4866-87AD-CAF9FA4FA032}" type="datetimeFigureOut">
               <a:rPr lang="nl-NL" smtClean="0"/>
-              <a:t>11-7-2024</a:t>
+              <a:t>1-3-2025</a:t>
             </a:fld>
-            <a:endParaRPr lang="nl-NL"/>
+            <a:endParaRPr lang="nl-NL" dirty="0"/>
           </a:p>
         </p:txBody>
       </p:sp>
@@ -4174,7 +5234,7 @@
           <a:bodyPr/>
           <a:lstStyle/>
           <a:p>
-            <a:endParaRPr lang="nl-NL"/>
+            <a:endParaRPr lang="nl-NL" dirty="0"/>
           </a:p>
         </p:txBody>
       </p:sp>
@@ -4197,7 +5257,7 @@
               <a:rPr lang="nl-NL" smtClean="0"/>
               <a:t>‹#›</a:t>
             </a:fld>
-            <a:endParaRPr lang="nl-NL"/>
+            <a:endParaRPr lang="nl-NL" dirty="0"/>
           </a:p>
         </p:txBody>
       </p:sp>
@@ -4323,9 +5383,9 @@
           <a:p>
             <a:fld id="{4D9E9568-0F03-4866-87AD-CAF9FA4FA032}" type="datetimeFigureOut">
               <a:rPr lang="nl-NL" smtClean="0"/>
-              <a:t>11-7-2024</a:t>
+              <a:t>1-3-2025</a:t>
             </a:fld>
-            <a:endParaRPr lang="nl-NL"/>
+            <a:endParaRPr lang="nl-NL" dirty="0"/>
           </a:p>
         </p:txBody>
       </p:sp>
@@ -4344,7 +5404,7 @@
           <a:bodyPr/>
           <a:lstStyle/>
           <a:p>
-            <a:endParaRPr lang="nl-NL"/>
+            <a:endParaRPr lang="nl-NL" dirty="0"/>
           </a:p>
         </p:txBody>
       </p:sp>
@@ -4367,7 +5427,7 @@
               <a:rPr lang="nl-NL" smtClean="0"/>
               <a:t>‹#›</a:t>
             </a:fld>
-            <a:endParaRPr lang="nl-NL"/>
+            <a:endParaRPr lang="nl-NL" dirty="0"/>
           </a:p>
         </p:txBody>
       </p:sp>
@@ -4570,9 +5630,9 @@
           <a:p>
             <a:fld id="{4D9E9568-0F03-4866-87AD-CAF9FA4FA032}" type="datetimeFigureOut">
               <a:rPr lang="nl-NL" smtClean="0"/>
-              <a:t>11-7-2024</a:t>
+              <a:t>1-3-2025</a:t>
             </a:fld>
-            <a:endParaRPr lang="nl-NL"/>
+            <a:endParaRPr lang="nl-NL" dirty="0"/>
           </a:p>
         </p:txBody>
       </p:sp>
@@ -4591,7 +5651,7 @@
           <a:bodyPr/>
           <a:lstStyle/>
           <a:p>
-            <a:endParaRPr lang="nl-NL"/>
+            <a:endParaRPr lang="nl-NL" dirty="0"/>
           </a:p>
         </p:txBody>
       </p:sp>
@@ -4614,7 +5674,7 @@
               <a:rPr lang="nl-NL" smtClean="0"/>
               <a:t>‹#›</a:t>
             </a:fld>
-            <a:endParaRPr lang="nl-NL"/>
+            <a:endParaRPr lang="nl-NL" dirty="0"/>
           </a:p>
         </p:txBody>
       </p:sp>
@@ -4802,9 +5862,9 @@
           <a:p>
             <a:fld id="{4D9E9568-0F03-4866-87AD-CAF9FA4FA032}" type="datetimeFigureOut">
               <a:rPr lang="nl-NL" smtClean="0"/>
-              <a:t>11-7-2024</a:t>
+              <a:t>1-3-2025</a:t>
             </a:fld>
-            <a:endParaRPr lang="nl-NL"/>
+            <a:endParaRPr lang="nl-NL" dirty="0"/>
           </a:p>
         </p:txBody>
       </p:sp>
@@ -4823,7 +5883,7 @@
           <a:bodyPr/>
           <a:lstStyle/>
           <a:p>
-            <a:endParaRPr lang="nl-NL"/>
+            <a:endParaRPr lang="nl-NL" dirty="0"/>
           </a:p>
         </p:txBody>
       </p:sp>
@@ -4846,7 +5906,7 @@
               <a:rPr lang="nl-NL" smtClean="0"/>
               <a:t>‹#›</a:t>
             </a:fld>
-            <a:endParaRPr lang="nl-NL"/>
+            <a:endParaRPr lang="nl-NL" dirty="0"/>
           </a:p>
         </p:txBody>
       </p:sp>
@@ -5176,9 +6236,9 @@
           <a:p>
             <a:fld id="{4D9E9568-0F03-4866-87AD-CAF9FA4FA032}" type="datetimeFigureOut">
               <a:rPr lang="nl-NL" smtClean="0"/>
-              <a:t>11-7-2024</a:t>
+              <a:t>1-3-2025</a:t>
             </a:fld>
-            <a:endParaRPr lang="nl-NL"/>
+            <a:endParaRPr lang="nl-NL" dirty="0"/>
           </a:p>
         </p:txBody>
       </p:sp>
@@ -5197,7 +6257,7 @@
           <a:bodyPr/>
           <a:lstStyle/>
           <a:p>
-            <a:endParaRPr lang="nl-NL"/>
+            <a:endParaRPr lang="nl-NL" dirty="0"/>
           </a:p>
         </p:txBody>
       </p:sp>
@@ -5220,7 +6280,7 @@
               <a:rPr lang="nl-NL" smtClean="0"/>
               <a:t>‹#›</a:t>
             </a:fld>
-            <a:endParaRPr lang="nl-NL"/>
+            <a:endParaRPr lang="nl-NL" dirty="0"/>
           </a:p>
         </p:txBody>
       </p:sp>
@@ -5299,9 +6359,9 @@
           <a:p>
             <a:fld id="{4D9E9568-0F03-4866-87AD-CAF9FA4FA032}" type="datetimeFigureOut">
               <a:rPr lang="nl-NL" smtClean="0"/>
-              <a:t>11-7-2024</a:t>
+              <a:t>1-3-2025</a:t>
             </a:fld>
-            <a:endParaRPr lang="nl-NL"/>
+            <a:endParaRPr lang="nl-NL" dirty="0"/>
           </a:p>
         </p:txBody>
       </p:sp>
@@ -5320,7 +6380,7 @@
           <a:bodyPr/>
           <a:lstStyle/>
           <a:p>
-            <a:endParaRPr lang="nl-NL"/>
+            <a:endParaRPr lang="nl-NL" dirty="0"/>
           </a:p>
         </p:txBody>
       </p:sp>
@@ -5343,7 +6403,7 @@
               <a:rPr lang="nl-NL" smtClean="0"/>
               <a:t>‹#›</a:t>
             </a:fld>
-            <a:endParaRPr lang="nl-NL"/>
+            <a:endParaRPr lang="nl-NL" dirty="0"/>
           </a:p>
         </p:txBody>
       </p:sp>
@@ -5394,9 +6454,9 @@
           <a:p>
             <a:fld id="{4D9E9568-0F03-4866-87AD-CAF9FA4FA032}" type="datetimeFigureOut">
               <a:rPr lang="nl-NL" smtClean="0"/>
-              <a:t>11-7-2024</a:t>
+              <a:t>1-3-2025</a:t>
             </a:fld>
-            <a:endParaRPr lang="nl-NL"/>
+            <a:endParaRPr lang="nl-NL" dirty="0"/>
           </a:p>
         </p:txBody>
       </p:sp>
@@ -5415,7 +6475,7 @@
           <a:bodyPr/>
           <a:lstStyle/>
           <a:p>
-            <a:endParaRPr lang="nl-NL"/>
+            <a:endParaRPr lang="nl-NL" dirty="0"/>
           </a:p>
         </p:txBody>
       </p:sp>
@@ -5438,7 +6498,7 @@
               <a:rPr lang="nl-NL" smtClean="0"/>
               <a:t>‹#›</a:t>
             </a:fld>
-            <a:endParaRPr lang="nl-NL"/>
+            <a:endParaRPr lang="nl-NL" dirty="0"/>
           </a:p>
         </p:txBody>
       </p:sp>
@@ -5649,9 +6709,9 @@
           <a:p>
             <a:fld id="{4D9E9568-0F03-4866-87AD-CAF9FA4FA032}" type="datetimeFigureOut">
               <a:rPr lang="nl-NL" smtClean="0"/>
-              <a:t>11-7-2024</a:t>
+              <a:t>1-3-2025</a:t>
             </a:fld>
-            <a:endParaRPr lang="nl-NL"/>
+            <a:endParaRPr lang="nl-NL" dirty="0"/>
           </a:p>
         </p:txBody>
       </p:sp>
@@ -5670,7 +6730,7 @@
           <a:bodyPr/>
           <a:lstStyle/>
           <a:p>
-            <a:endParaRPr lang="nl-NL"/>
+            <a:endParaRPr lang="nl-NL" dirty="0"/>
           </a:p>
         </p:txBody>
       </p:sp>
@@ -5693,7 +6753,7 @@
               <a:rPr lang="nl-NL" smtClean="0"/>
               <a:t>‹#›</a:t>
             </a:fld>
-            <a:endParaRPr lang="nl-NL"/>
+            <a:endParaRPr lang="nl-NL" dirty="0"/>
           </a:p>
         </p:txBody>
       </p:sp>
@@ -5821,7 +6881,7 @@
           </a:lstStyle>
           <a:p>
             <a:r>
-              <a:rPr lang="en-US"/>
+              <a:rPr lang="en-US" dirty="0"/>
               <a:t>Click icon to add picture</a:t>
             </a:r>
           </a:p>
@@ -5909,7 +6969,7 @@
           <a:bodyPr/>
           <a:lstStyle/>
           <a:p>
-            <a:endParaRPr lang="nl-NL"/>
+            <a:endParaRPr lang="nl-NL" dirty="0"/>
           </a:p>
         </p:txBody>
       </p:sp>
@@ -5932,7 +6992,7 @@
               <a:rPr lang="nl-NL" smtClean="0"/>
               <a:t>‹#›</a:t>
             </a:fld>
-            <a:endParaRPr lang="nl-NL"/>
+            <a:endParaRPr lang="nl-NL" dirty="0"/>
           </a:p>
         </p:txBody>
       </p:sp>
@@ -5953,9 +7013,9 @@
           <a:p>
             <a:fld id="{4D9E9568-0F03-4866-87AD-CAF9FA4FA032}" type="datetimeFigureOut">
               <a:rPr lang="nl-NL" smtClean="0"/>
-              <a:t>11-7-2024</a:t>
+              <a:t>1-3-2025</a:t>
             </a:fld>
-            <a:endParaRPr lang="nl-NL"/>
+            <a:endParaRPr lang="nl-NL" dirty="0"/>
           </a:p>
         </p:txBody>
       </p:sp>
@@ -6655,9 +7715,9 @@
           <a:p>
             <a:fld id="{4D9E9568-0F03-4866-87AD-CAF9FA4FA032}" type="datetimeFigureOut">
               <a:rPr lang="nl-NL" smtClean="0"/>
-              <a:t>11-7-2024</a:t>
+              <a:t>1-3-2025</a:t>
             </a:fld>
-            <a:endParaRPr lang="nl-NL"/>
+            <a:endParaRPr lang="nl-NL" dirty="0"/>
           </a:p>
         </p:txBody>
       </p:sp>
@@ -6694,7 +7754,7 @@
             </a:lvl1pPr>
           </a:lstStyle>
           <a:p>
-            <a:endParaRPr lang="nl-NL"/>
+            <a:endParaRPr lang="nl-NL" dirty="0"/>
           </a:p>
         </p:txBody>
       </p:sp>
@@ -6733,7 +7793,7 @@
               <a:rPr lang="nl-NL" smtClean="0"/>
               <a:t>‹#›</a:t>
             </a:fld>
-            <a:endParaRPr lang="nl-NL"/>
+            <a:endParaRPr lang="nl-NL" dirty="0"/>
           </a:p>
         </p:txBody>
       </p:sp>
@@ -7205,7 +8265,7 @@
           <a:bodyPr/>
           <a:lstStyle/>
           <a:p>
-            <a:pPr marL="0" marR="0" lvl="0" indent="0" defTabSz="457200" rtl="0" eaLnBrk="1" fontAlgn="auto" latinLnBrk="0" hangingPunct="1">
+            <a:pPr marL="0" marR="0" lvl="0" indent="0" algn="l" defTabSz="457200" rtl="0" eaLnBrk="1" fontAlgn="auto" latinLnBrk="0" hangingPunct="1">
               <a:lnSpc>
                 <a:spcPct val="100000"/>
               </a:lnSpc>
@@ -7225,7 +8285,7 @@
               <a:defRPr/>
             </a:pPr>
             <a:r>
-              <a:rPr lang="en-US" sz="7200" cap="none">
+              <a:rPr lang="en-US" sz="7200" cap="none" dirty="0">
                 <a:solidFill>
                   <a:srgbClr val="0070C0"/>
                 </a:solidFill>
@@ -7233,14 +8293,14 @@
               <a:t>SmallJS</a:t>
             </a:r>
             <a:br>
-              <a:rPr lang="en-US" cap="none">
+              <a:rPr lang="en-US" cap="none" dirty="0">
                 <a:solidFill>
                   <a:srgbClr val="0070C0"/>
                 </a:solidFill>
               </a:rPr>
             </a:br>
             <a:r>
-              <a:rPr kumimoji="0" lang="en-US" sz="2400" b="0" i="0" u="none" strike="noStrike" kern="1200" cap="none" spc="0" normalizeH="0" baseline="0" noProof="0">
+              <a:rPr kumimoji="0" lang="en-US" sz="2400" b="0" i="0" u="none" strike="noStrike" kern="1200" cap="none" spc="0" normalizeH="0" baseline="0" noProof="0" dirty="0">
                 <a:ln>
                   <a:noFill/>
                 </a:ln>
@@ -7259,7 +8319,7 @@
               </a:rPr>
               <a:t>Back to elegance</a:t>
             </a:r>
-            <a:endParaRPr lang="en-US" sz="2400" cap="none">
+            <a:endParaRPr lang="en-US" sz="2400" cap="none" dirty="0">
               <a:solidFill>
                 <a:srgbClr val="0070C0"/>
               </a:solidFill>
@@ -7295,7 +8355,7 @@
         </p:blipFill>
         <p:spPr>
           <a:xfrm>
-            <a:off x="4188177" y="2935111"/>
+            <a:off x="5157958" y="2680308"/>
             <a:ext cx="3070579" cy="3070579"/>
           </a:xfrm>
           <a:prstGeom prst="rect">
@@ -7317,8 +8377,8 @@
         </p:nvSpPr>
         <p:spPr>
           <a:xfrm>
-            <a:off x="300728" y="6312093"/>
-            <a:ext cx="6105644" cy="369332"/>
+            <a:off x="406911" y="6245591"/>
+            <a:ext cx="2691854" cy="369332"/>
           </a:xfrm>
           <a:prstGeom prst="rect">
             <a:avLst/>
@@ -7332,11 +8392,11 @@
           <a:lstStyle/>
           <a:p>
             <a:r>
-              <a:rPr lang="nl-NL"/>
+              <a:rPr lang="nl-NL" dirty="0"/>
               <a:t>Website:  </a:t>
             </a:r>
             <a:r>
-              <a:rPr lang="nl-NL">
+              <a:rPr lang="nl-NL" dirty="0">
                 <a:solidFill>
                   <a:srgbClr val="0070C0"/>
                 </a:solidFill>
@@ -7376,6 +8436,81 @@
           </a:prstGeom>
         </p:spPr>
       </p:pic>
+      <p:sp>
+        <p:nvSpPr>
+          <p:cNvPr id="3" name="TextBox 2">
+            <a:extLst>
+              <a:ext uri="{FF2B5EF4-FFF2-40B4-BE49-F238E27FC236}">
+                <a16:creationId xmlns:a16="http://schemas.microsoft.com/office/drawing/2014/main" id="{F01377E2-89CC-D900-C1E7-033AC1136FE7}"/>
+              </a:ext>
+            </a:extLst>
+          </p:cNvPr>
+          <p:cNvSpPr txBox="1"/>
+          <p:nvPr/>
+        </p:nvSpPr>
+        <p:spPr>
+          <a:xfrm>
+            <a:off x="1306647" y="3800100"/>
+            <a:ext cx="2656818" cy="830997"/>
+          </a:xfrm>
+          <a:prstGeom prst="rect">
+            <a:avLst/>
+          </a:prstGeom>
+          <a:noFill/>
+        </p:spPr>
+        <p:txBody>
+          <a:bodyPr wrap="none" rtlCol="0">
+            <a:spAutoFit/>
+          </a:bodyPr>
+          <a:lstStyle/>
+          <a:p>
+            <a:pPr algn="ctr"/>
+            <a:r>
+              <a:rPr lang="en-US" sz="2400" dirty="0">
+                <a:solidFill>
+                  <a:schemeClr val="bg2">
+                    <a:lumMod val="50000"/>
+                  </a:schemeClr>
+                </a:solidFill>
+              </a:rPr>
+              <a:t>b</a:t>
+            </a:r>
+            <a:r>
+              <a:rPr lang="en-US" sz="2400">
+                <a:solidFill>
+                  <a:schemeClr val="bg2">
+                    <a:lumMod val="50000"/>
+                  </a:schemeClr>
+                </a:solidFill>
+              </a:rPr>
+              <a:t>y</a:t>
+            </a:r>
+            <a:r>
+              <a:rPr lang="en-US" sz="2400" dirty="0">
+                <a:solidFill>
+                  <a:schemeClr val="bg2">
+                    <a:lumMod val="50000"/>
+                  </a:schemeClr>
+                </a:solidFill>
+              </a:rPr>
+              <a:t>:</a:t>
+            </a:r>
+          </a:p>
+          <a:p>
+            <a:pPr algn="ctr"/>
+            <a:r>
+              <a:rPr lang="en-US" sz="2400" dirty="0">
+                <a:solidFill>
+                  <a:schemeClr val="bg2">
+                    <a:lumMod val="50000"/>
+                  </a:schemeClr>
+                </a:solidFill>
+              </a:rPr>
+              <a:t>Richard Ronteltap</a:t>
+            </a:r>
+          </a:p>
+        </p:txBody>
+      </p:sp>
     </p:spTree>
     <p:extLst>
       <p:ext uri="{BB962C8B-B14F-4D97-AF65-F5344CB8AC3E}">
@@ -7408,10 +8543,10 @@
       </p:grpSpPr>
       <p:sp>
         <p:nvSpPr>
-          <p:cNvPr id="2" name="Title 1">
+          <p:cNvPr id="8" name="Title 7">
             <a:extLst>
               <a:ext uri="{FF2B5EF4-FFF2-40B4-BE49-F238E27FC236}">
-                <a16:creationId xmlns:a16="http://schemas.microsoft.com/office/drawing/2014/main" id="{5BADE274-46AE-3FD4-3F75-D108B44442FC}"/>
+                <a16:creationId xmlns:a16="http://schemas.microsoft.com/office/drawing/2014/main" id="{C388D08D-2DE2-F1EF-051B-1D2D8A8F724B}"/>
               </a:ext>
             </a:extLst>
           </p:cNvPr>
@@ -7424,24 +8559,28 @@
         </p:nvSpPr>
         <p:spPr>
           <a:xfrm>
-            <a:off x="677334" y="609600"/>
-            <a:ext cx="8596668" cy="699911"/>
+            <a:off x="699912" y="425811"/>
+            <a:ext cx="8596668" cy="760943"/>
           </a:xfrm>
         </p:spPr>
         <p:txBody>
           <a:bodyPr/>
           <a:lstStyle/>
           <a:p>
-            <a:pPr algn="ctr"/>
-            <a:r>
-              <a:rPr lang="en-US">
+            <a:pPr algn="ctr">
+              <a:spcAft>
+                <a:spcPts val="2400"/>
+              </a:spcAft>
+            </a:pPr>
+            <a:r>
+              <a:rPr lang="en-US" dirty="0">
                 <a:solidFill>
                   <a:srgbClr val="0070C0"/>
                 </a:solidFill>
               </a:rPr>
-              <a:t>SmallJS summary</a:t>
-            </a:r>
-            <a:endParaRPr lang="nl-NL">
+              <a:t>What about my new JS/TS features?</a:t>
+            </a:r>
+            <a:endParaRPr lang="nl-NL" sz="2800" dirty="0">
               <a:solidFill>
                 <a:srgbClr val="0070C0"/>
               </a:solidFill>
@@ -7449,59 +8588,538 @@
           </a:p>
         </p:txBody>
       </p:sp>
-      <p:sp>
-        <p:nvSpPr>
-          <p:cNvPr id="3" name="Content Placeholder 2">
+      <p:graphicFrame>
+        <p:nvGraphicFramePr>
+          <p:cNvPr id="7" name="Table 9">
             <a:extLst>
               <a:ext uri="{FF2B5EF4-FFF2-40B4-BE49-F238E27FC236}">
-                <a16:creationId xmlns:a16="http://schemas.microsoft.com/office/drawing/2014/main" id="{2E82CB3C-C7CA-C813-C0CC-E0C4F3201309}"/>
+                <a16:creationId xmlns:a16="http://schemas.microsoft.com/office/drawing/2014/main" id="{92B6E55E-AD4F-C7A1-0A98-914507B764FF}"/>
               </a:ext>
             </a:extLst>
           </p:cNvPr>
-          <p:cNvSpPr>
-            <a:spLocks noGrp="1"/>
-          </p:cNvSpPr>
-          <p:nvPr>
-            <p:ph idx="1"/>
-          </p:nvPr>
+          <p:cNvGraphicFramePr>
+            <a:graphicFrameLocks noGrp="1"/>
+          </p:cNvGraphicFramePr>
+          <p:nvPr>
+            <p:extLst>
+              <p:ext uri="{D42A27DB-BD31-4B8C-83A1-F6EECF244321}">
+                <p14:modId xmlns:p14="http://schemas.microsoft.com/office/powerpoint/2010/main" val="2228130788"/>
+              </p:ext>
+            </p:extLst>
+          </p:nvPr>
+        </p:nvGraphicFramePr>
+        <p:xfrm>
+          <a:off x="699912" y="1644906"/>
+          <a:ext cx="7202310" cy="4023360"/>
+        </p:xfrm>
+        <a:graphic>
+          <a:graphicData uri="http://schemas.openxmlformats.org/drawingml/2006/table">
+            <a:tbl>
+              <a:tblPr firstRow="1" bandRow="1">
+                <a:tableStyleId>{5C22544A-7EE6-4342-B048-85BDC9FD1C3A}</a:tableStyleId>
+              </a:tblPr>
+              <a:tblGrid>
+                <a:gridCol w="2920936">
+                  <a:extLst>
+                    <a:ext uri="{9D8B030D-6E8A-4147-A177-3AD203B41FA5}">
+                      <a16:colId xmlns:a16="http://schemas.microsoft.com/office/drawing/2014/main" val="210355143"/>
+                    </a:ext>
+                  </a:extLst>
+                </a:gridCol>
+                <a:gridCol w="4281374">
+                  <a:extLst>
+                    <a:ext uri="{9D8B030D-6E8A-4147-A177-3AD203B41FA5}">
+                      <a16:colId xmlns:a16="http://schemas.microsoft.com/office/drawing/2014/main" val="2332211"/>
+                    </a:ext>
+                  </a:extLst>
+                </a:gridCol>
+              </a:tblGrid>
+              <a:tr h="0">
+                <a:tc>
+                  <a:txBody>
+                    <a:bodyPr/>
+                    <a:lstStyle/>
+                    <a:p>
+                      <a:r>
+                        <a:rPr lang="en-US" sz="1600" dirty="0"/>
+                        <a:t>Feature</a:t>
+                      </a:r>
+                    </a:p>
+                  </a:txBody>
+                  <a:tcPr/>
+                </a:tc>
+                <a:tc>
+                  <a:txBody>
+                    <a:bodyPr/>
+                    <a:lstStyle/>
+                    <a:p>
+                      <a:r>
+                        <a:rPr lang="en-US" sz="1600" dirty="0"/>
+                        <a:t>ST solution</a:t>
+                      </a:r>
+                    </a:p>
+                  </a:txBody>
+                  <a:tcPr/>
+                </a:tc>
+                <a:extLst>
+                  <a:ext uri="{0D108BD9-81ED-4DB2-BD59-A6C34878D82A}">
+                    <a16:rowId xmlns:a16="http://schemas.microsoft.com/office/drawing/2014/main" val="2086558593"/>
+                  </a:ext>
+                </a:extLst>
+              </a:tr>
+              <a:tr h="0">
+                <a:tc>
+                  <a:txBody>
+                    <a:bodyPr/>
+                    <a:lstStyle/>
+                    <a:p>
+                      <a:r>
+                        <a:rPr lang="en-US" sz="1600" dirty="0"/>
+                        <a:t>functional programming</a:t>
+                      </a:r>
+                    </a:p>
+                  </a:txBody>
+                  <a:tcPr/>
+                </a:tc>
+                <a:tc>
+                  <a:txBody>
+                    <a:bodyPr/>
+                    <a:lstStyle/>
+                    <a:p>
+                      <a:r>
+                        <a:rPr lang="en-US" sz="1600" dirty="0"/>
+                        <a:t>Don't use state vars. Use array iterators.</a:t>
+                      </a:r>
+                    </a:p>
+                  </a:txBody>
+                  <a:tcPr/>
+                </a:tc>
+                <a:extLst>
+                  <a:ext uri="{0D108BD9-81ED-4DB2-BD59-A6C34878D82A}">
+                    <a16:rowId xmlns:a16="http://schemas.microsoft.com/office/drawing/2014/main" val="1009586556"/>
+                  </a:ext>
+                </a:extLst>
+              </a:tr>
+              <a:tr h="0">
+                <a:tc>
+                  <a:txBody>
+                    <a:bodyPr/>
+                    <a:lstStyle/>
+                    <a:p>
+                      <a:r>
+                        <a:rPr lang="en-US" sz="1600" dirty="0"/>
+                        <a:t>interface</a:t>
+                      </a:r>
+                    </a:p>
+                  </a:txBody>
+                  <a:tcPr/>
+                </a:tc>
+                <a:tc>
+                  <a:txBody>
+                    <a:bodyPr/>
+                    <a:lstStyle/>
+                    <a:p>
+                      <a:r>
+                        <a:rPr lang="en-US" sz="1600" dirty="0"/>
+                        <a:t>Abstract base class</a:t>
+                      </a:r>
+                    </a:p>
+                  </a:txBody>
+                  <a:tcPr/>
+                </a:tc>
+                <a:extLst>
+                  <a:ext uri="{0D108BD9-81ED-4DB2-BD59-A6C34878D82A}">
+                    <a16:rowId xmlns:a16="http://schemas.microsoft.com/office/drawing/2014/main" val="3963623770"/>
+                  </a:ext>
+                </a:extLst>
+              </a:tr>
+              <a:tr h="0">
+                <a:tc>
+                  <a:txBody>
+                    <a:bodyPr/>
+                    <a:lstStyle/>
+                    <a:p>
+                      <a:r>
+                        <a:rPr lang="en-US" sz="1600" dirty="0"/>
+                        <a:t>Record, tuple</a:t>
+                      </a:r>
+                    </a:p>
+                  </a:txBody>
+                  <a:tcPr/>
+                </a:tc>
+                <a:tc>
+                  <a:txBody>
+                    <a:bodyPr/>
+                    <a:lstStyle/>
+                    <a:p>
+                      <a:r>
+                        <a:rPr lang="en-US" sz="1600" dirty="0"/>
+                        <a:t>Class with only getters</a:t>
+                      </a:r>
+                    </a:p>
+                  </a:txBody>
+                  <a:tcPr/>
+                </a:tc>
+                <a:extLst>
+                  <a:ext uri="{0D108BD9-81ED-4DB2-BD59-A6C34878D82A}">
+                    <a16:rowId xmlns:a16="http://schemas.microsoft.com/office/drawing/2014/main" val="2574144308"/>
+                  </a:ext>
+                </a:extLst>
+              </a:tr>
+              <a:tr h="0">
+                <a:tc>
+                  <a:txBody>
+                    <a:bodyPr/>
+                    <a:lstStyle/>
+                    <a:p>
+                      <a:r>
+                        <a:rPr lang="en-US" sz="1600" dirty="0"/>
+                        <a:t>decorator</a:t>
+                      </a:r>
+                    </a:p>
+                  </a:txBody>
+                  <a:tcPr/>
+                </a:tc>
+                <a:tc>
+                  <a:txBody>
+                    <a:bodyPr/>
+                    <a:lstStyle/>
+                    <a:p>
+                      <a:r>
+                        <a:rPr lang="en-US" sz="1600" dirty="0"/>
+                        <a:t>Pass anonymous function (block)</a:t>
+                      </a:r>
+                    </a:p>
+                  </a:txBody>
+                  <a:tcPr/>
+                </a:tc>
+                <a:extLst>
+                  <a:ext uri="{0D108BD9-81ED-4DB2-BD59-A6C34878D82A}">
+                    <a16:rowId xmlns:a16="http://schemas.microsoft.com/office/drawing/2014/main" val="3491806834"/>
+                  </a:ext>
+                </a:extLst>
+              </a:tr>
+              <a:tr h="0">
+                <a:tc>
+                  <a:txBody>
+                    <a:bodyPr/>
+                    <a:lstStyle/>
+                    <a:p>
+                      <a:r>
+                        <a:rPr lang="en-US" sz="1600" dirty="0"/>
+                        <a:t>static</a:t>
+                      </a:r>
+                    </a:p>
+                  </a:txBody>
+                  <a:tcPr/>
+                </a:tc>
+                <a:tc>
+                  <a:txBody>
+                    <a:bodyPr/>
+                    <a:lstStyle/>
+                    <a:p>
+                      <a:r>
+                        <a:rPr lang="en-US" sz="1600" dirty="0"/>
+                        <a:t>Class method</a:t>
+                      </a:r>
+                    </a:p>
+                  </a:txBody>
+                  <a:tcPr/>
+                </a:tc>
+                <a:extLst>
+                  <a:ext uri="{0D108BD9-81ED-4DB2-BD59-A6C34878D82A}">
+                    <a16:rowId xmlns:a16="http://schemas.microsoft.com/office/drawing/2014/main" val="3247650158"/>
+                  </a:ext>
+                </a:extLst>
+              </a:tr>
+              <a:tr h="0">
+                <a:tc>
+                  <a:txBody>
+                    <a:bodyPr/>
+                    <a:lstStyle/>
+                    <a:p>
+                      <a:r>
+                        <a:rPr lang="en-US" sz="1600" dirty="0"/>
+                        <a:t>private</a:t>
+                      </a:r>
+                    </a:p>
+                  </a:txBody>
+                  <a:tcPr/>
+                </a:tc>
+                <a:tc>
+                  <a:txBody>
+                    <a:bodyPr/>
+                    <a:lstStyle/>
+                    <a:p>
+                      <a:r>
+                        <a:rPr lang="en-US" sz="1600" dirty="0"/>
+                        <a:t>No getter method</a:t>
+                      </a:r>
+                    </a:p>
+                  </a:txBody>
+                  <a:tcPr/>
+                </a:tc>
+                <a:extLst>
+                  <a:ext uri="{0D108BD9-81ED-4DB2-BD59-A6C34878D82A}">
+                    <a16:rowId xmlns:a16="http://schemas.microsoft.com/office/drawing/2014/main" val="987462627"/>
+                  </a:ext>
+                </a:extLst>
+              </a:tr>
+              <a:tr h="0">
+                <a:tc>
+                  <a:txBody>
+                    <a:bodyPr/>
+                    <a:lstStyle/>
+                    <a:p>
+                      <a:r>
+                        <a:rPr lang="en-US" sz="1600" dirty="0"/>
+                        <a:t>variable argument list</a:t>
+                      </a:r>
+                    </a:p>
+                  </a:txBody>
+                  <a:tcPr/>
+                </a:tc>
+                <a:tc>
+                  <a:txBody>
+                    <a:bodyPr/>
+                    <a:lstStyle/>
+                    <a:p>
+                      <a:r>
+                        <a:rPr lang="en-US" sz="1600" dirty="0"/>
+                        <a:t>Array</a:t>
+                      </a:r>
+                    </a:p>
+                  </a:txBody>
+                  <a:tcPr/>
+                </a:tc>
+                <a:extLst>
+                  <a:ext uri="{0D108BD9-81ED-4DB2-BD59-A6C34878D82A}">
+                    <a16:rowId xmlns:a16="http://schemas.microsoft.com/office/drawing/2014/main" val="1625230811"/>
+                  </a:ext>
+                </a:extLst>
+              </a:tr>
+              <a:tr h="0">
+                <a:tc>
+                  <a:txBody>
+                    <a:bodyPr/>
+                    <a:lstStyle/>
+                    <a:p>
+                      <a:r>
+                        <a:rPr lang="en-US" sz="1600" dirty="0"/>
+                        <a:t>optional argument</a:t>
+                      </a:r>
+                    </a:p>
+                  </a:txBody>
+                  <a:tcPr/>
+                </a:tc>
+                <a:tc>
+                  <a:txBody>
+                    <a:bodyPr/>
+                    <a:lstStyle/>
+                    <a:p>
+                      <a:r>
+                        <a:rPr lang="en-US" sz="1600" dirty="0"/>
+                        <a:t>Extra 1-line method</a:t>
+                      </a:r>
+                    </a:p>
+                  </a:txBody>
+                  <a:tcPr/>
+                </a:tc>
+                <a:extLst>
+                  <a:ext uri="{0D108BD9-81ED-4DB2-BD59-A6C34878D82A}">
+                    <a16:rowId xmlns:a16="http://schemas.microsoft.com/office/drawing/2014/main" val="3227197200"/>
+                  </a:ext>
+                </a:extLst>
+              </a:tr>
+              <a:tr h="0">
+                <a:tc>
+                  <a:txBody>
+                    <a:bodyPr/>
+                    <a:lstStyle/>
+                    <a:p>
+                      <a:r>
+                        <a:rPr lang="en-US" sz="1600" dirty="0"/>
+                        <a:t>import / export </a:t>
+                      </a:r>
+                    </a:p>
+                  </a:txBody>
+                  <a:tcPr/>
+                </a:tc>
+                <a:tc>
+                  <a:txBody>
+                    <a:bodyPr/>
+                    <a:lstStyle/>
+                    <a:p>
+                      <a:r>
+                        <a:rPr lang="en-US" sz="1600" dirty="0"/>
+                        <a:t>Automatic</a:t>
+                      </a:r>
+                    </a:p>
+                  </a:txBody>
+                  <a:tcPr/>
+                </a:tc>
+                <a:extLst>
+                  <a:ext uri="{0D108BD9-81ED-4DB2-BD59-A6C34878D82A}">
+                    <a16:rowId xmlns:a16="http://schemas.microsoft.com/office/drawing/2014/main" val="1444702884"/>
+                  </a:ext>
+                </a:extLst>
+              </a:tr>
+              <a:tr h="0">
+                <a:tc>
+                  <a:txBody>
+                    <a:bodyPr/>
+                    <a:lstStyle/>
+                    <a:p>
+                      <a:r>
+                        <a:rPr lang="en-US" sz="1600" dirty="0"/>
+                        <a:t>async / await</a:t>
+                      </a:r>
+                    </a:p>
+                  </a:txBody>
+                  <a:tcPr/>
+                </a:tc>
+                <a:tc>
+                  <a:txBody>
+                    <a:bodyPr/>
+                    <a:lstStyle/>
+                    <a:p>
+                      <a:r>
+                        <a:rPr lang="en-US" sz="1600" dirty="0"/>
+                        <a:t>Implemented, unfortunately...</a:t>
+                      </a:r>
+                    </a:p>
+                  </a:txBody>
+                  <a:tcPr/>
+                </a:tc>
+                <a:extLst>
+                  <a:ext uri="{0D108BD9-81ED-4DB2-BD59-A6C34878D82A}">
+                    <a16:rowId xmlns:a16="http://schemas.microsoft.com/office/drawing/2014/main" val="335856941"/>
+                  </a:ext>
+                </a:extLst>
+              </a:tr>
+              <a:tr h="0">
+                <a:tc>
+                  <a:txBody>
+                    <a:bodyPr/>
+                    <a:lstStyle/>
+                    <a:p>
+                      <a:r>
+                        <a:rPr lang="en-US" sz="1600" dirty="0"/>
+                        <a:t>type checking</a:t>
+                      </a:r>
+                    </a:p>
+                  </a:txBody>
+                  <a:tcPr/>
+                </a:tc>
+                <a:tc>
+                  <a:txBody>
+                    <a:bodyPr/>
+                    <a:lstStyle/>
+                    <a:p>
+                      <a:r>
+                        <a:rPr lang="en-US" sz="1600" dirty="0"/>
+                        <a:t>Build IDE type inferencing (not yet)</a:t>
+                      </a:r>
+                    </a:p>
+                  </a:txBody>
+                  <a:tcPr/>
+                </a:tc>
+                <a:extLst>
+                  <a:ext uri="{0D108BD9-81ED-4DB2-BD59-A6C34878D82A}">
+                    <a16:rowId xmlns:a16="http://schemas.microsoft.com/office/drawing/2014/main" val="2666908373"/>
+                  </a:ext>
+                </a:extLst>
+              </a:tr>
+            </a:tbl>
+          </a:graphicData>
+        </a:graphic>
+      </p:graphicFrame>
+      <p:sp>
+        <p:nvSpPr>
+          <p:cNvPr id="10" name="TextBox 9">
+            <a:extLst>
+              <a:ext uri="{FF2B5EF4-FFF2-40B4-BE49-F238E27FC236}">
+                <a16:creationId xmlns:a16="http://schemas.microsoft.com/office/drawing/2014/main" id="{F6001308-5505-274F-EC04-C15B24D7F4C8}"/>
+              </a:ext>
+            </a:extLst>
+          </p:cNvPr>
+          <p:cNvSpPr txBox="1"/>
+          <p:nvPr/>
         </p:nvSpPr>
         <p:spPr>
           <a:xfrm>
-            <a:off x="530578" y="1930400"/>
-            <a:ext cx="8596668" cy="3880773"/>
+            <a:off x="640736" y="1137700"/>
+            <a:ext cx="7651072" cy="369332"/>
           </a:xfrm>
+          <a:prstGeom prst="rect">
+            <a:avLst/>
+          </a:prstGeom>
+          <a:noFill/>
         </p:spPr>
         <p:txBody>
-          <a:bodyPr/>
+          <a:bodyPr wrap="square" rtlCol="0">
+            <a:spAutoFit/>
+          </a:bodyPr>
           <a:lstStyle/>
           <a:p>
             <a:r>
-              <a:rPr lang="en-US" sz="2400" b="1"/>
-              <a:t>Uses the elegant and safe Smalltalk language!</a:t>
-            </a:r>
-          </a:p>
-          <a:p>
-            <a:r>
-              <a:rPr lang="en-US" sz="2400"/>
-              <a:t>Integrates tightly with JS.</a:t>
-            </a:r>
-          </a:p>
-          <a:p>
-            <a:r>
-              <a:rPr lang="en-US" sz="2400"/>
-              <a:t>Familiar JS class and method names.</a:t>
-            </a:r>
-          </a:p>
-          <a:p>
-            <a:r>
-              <a:rPr lang="en-US" sz="2400"/>
-              <a:t>Use with your favorite IDE.</a:t>
-            </a:r>
-          </a:p>
-          <a:p>
-            <a:r>
-              <a:rPr lang="en-US" sz="2400"/>
-              <a:t>Incremental use possible, mix and match.</a:t>
+              <a:rPr lang="en-US" dirty="0"/>
+              <a:t>ST implementation of JS/TS language features.</a:t>
+            </a:r>
+          </a:p>
+        </p:txBody>
+      </p:sp>
+      <p:sp>
+        <p:nvSpPr>
+          <p:cNvPr id="11" name="TextBox 10">
+            <a:extLst>
+              <a:ext uri="{FF2B5EF4-FFF2-40B4-BE49-F238E27FC236}">
+                <a16:creationId xmlns:a16="http://schemas.microsoft.com/office/drawing/2014/main" id="{03C50045-EC2D-400B-03B0-43677B3B8D26}"/>
+              </a:ext>
+            </a:extLst>
+          </p:cNvPr>
+          <p:cNvSpPr txBox="1"/>
+          <p:nvPr/>
+        </p:nvSpPr>
+        <p:spPr>
+          <a:xfrm>
+            <a:off x="8291808" y="3160214"/>
+            <a:ext cx="3206045" cy="1328023"/>
+          </a:xfrm>
+          <a:prstGeom prst="roundRect">
+            <a:avLst/>
+          </a:prstGeom>
+          <a:ln w="38100"/>
+        </p:spPr>
+        <p:style>
+          <a:lnRef idx="2">
+            <a:schemeClr val="accent1"/>
+          </a:lnRef>
+          <a:fillRef idx="1">
+            <a:schemeClr val="lt1"/>
+          </a:fillRef>
+          <a:effectRef idx="0">
+            <a:schemeClr val="accent1"/>
+          </a:effectRef>
+          <a:fontRef idx="minor">
+            <a:schemeClr val="dk1"/>
+          </a:fontRef>
+        </p:style>
+        <p:txBody>
+          <a:bodyPr wrap="square" rtlCol="0">
+            <a:spAutoFit/>
+          </a:bodyPr>
+          <a:lstStyle/>
+          <a:p>
+            <a:r>
+              <a:rPr lang="en-US" dirty="0"/>
+              <a:t>The philosophy is that retaining simplicity </a:t>
+            </a:r>
+          </a:p>
+          <a:p>
+            <a:r>
+              <a:rPr lang="en-US" dirty="0"/>
+              <a:t>is worth some extra lines of  encapsulated code.</a:t>
             </a:r>
           </a:p>
         </p:txBody>
@@ -7509,7 +9127,7 @@
     </p:spTree>
     <p:extLst>
       <p:ext uri="{BB962C8B-B14F-4D97-AF65-F5344CB8AC3E}">
-        <p14:creationId xmlns:p14="http://schemas.microsoft.com/office/powerpoint/2010/main" val="4073419068"/>
+        <p14:creationId xmlns:p14="http://schemas.microsoft.com/office/powerpoint/2010/main" val="2350656856"/>
       </p:ext>
     </p:extLst>
   </p:cSld>
@@ -7552,6 +9170,1326 @@
             <p:ph type="title"/>
           </p:nvPr>
         </p:nvSpPr>
+        <p:spPr/>
+        <p:txBody>
+          <a:bodyPr>
+            <a:normAutofit/>
+          </a:bodyPr>
+          <a:lstStyle/>
+          <a:p>
+            <a:r>
+              <a:rPr lang="en-US" dirty="0">
+                <a:solidFill>
+                  <a:srgbClr val="0070C0"/>
+                </a:solidFill>
+              </a:rPr>
+              <a:t>SmallJS vs traditional Smalltalks</a:t>
+            </a:r>
+            <a:br>
+              <a:rPr lang="en-US" dirty="0">
+                <a:solidFill>
+                  <a:srgbClr val="0070C0"/>
+                </a:solidFill>
+              </a:rPr>
+            </a:br>
+            <a:r>
+              <a:rPr lang="en-US" sz="2400" dirty="0">
+                <a:solidFill>
+                  <a:srgbClr val="0070C0"/>
+                </a:solidFill>
+              </a:rPr>
+              <a:t>(E.g.: Pharo, Dolphin, Cincom, Squeak)</a:t>
+            </a:r>
+            <a:endParaRPr lang="nl-NL" sz="2400" dirty="0">
+              <a:solidFill>
+                <a:srgbClr val="0070C0"/>
+              </a:solidFill>
+            </a:endParaRPr>
+          </a:p>
+        </p:txBody>
+      </p:sp>
+      <p:sp>
+        <p:nvSpPr>
+          <p:cNvPr id="3" name="Content Placeholder 2">
+            <a:extLst>
+              <a:ext uri="{FF2B5EF4-FFF2-40B4-BE49-F238E27FC236}">
+                <a16:creationId xmlns:a16="http://schemas.microsoft.com/office/drawing/2014/main" id="{2E82CB3C-C7CA-C813-C0CC-E0C4F3201309}"/>
+              </a:ext>
+            </a:extLst>
+          </p:cNvPr>
+          <p:cNvSpPr>
+            <a:spLocks noGrp="1"/>
+          </p:cNvSpPr>
+          <p:nvPr>
+            <p:ph idx="1"/>
+          </p:nvPr>
+        </p:nvSpPr>
+        <p:spPr>
+          <a:xfrm>
+            <a:off x="677334" y="1930400"/>
+            <a:ext cx="8596668" cy="4447822"/>
+          </a:xfrm>
+        </p:spPr>
+        <p:txBody>
+          <a:bodyPr>
+            <a:normAutofit/>
+          </a:bodyPr>
+          <a:lstStyle/>
+          <a:p>
+            <a:r>
+              <a:rPr lang="en-US" sz="2400" dirty="0"/>
+              <a:t>File-based (not image-based)</a:t>
+            </a:r>
+          </a:p>
+          <a:p>
+            <a:pPr lvl="1"/>
+            <a:r>
+              <a:rPr lang="en-US" dirty="0"/>
+              <a:t>Easy source control in clear hierarchy. IDE safely separate from code. </a:t>
+            </a:r>
+          </a:p>
+          <a:p>
+            <a:pPr lvl="1"/>
+            <a:r>
+              <a:rPr lang="en-US" dirty="0"/>
+              <a:t>Modular class loading iso unsafe image stripping. </a:t>
+            </a:r>
+          </a:p>
+          <a:p>
+            <a:pPr lvl="1"/>
+            <a:r>
+              <a:rPr lang="en-US" dirty="0"/>
+              <a:t>Can use rich and familiar IDE (VSCode).</a:t>
+            </a:r>
+          </a:p>
+          <a:p>
+            <a:r>
+              <a:rPr lang="en-US" sz="2400" dirty="0"/>
+              <a:t>Run anywhere</a:t>
+            </a:r>
+          </a:p>
+          <a:p>
+            <a:pPr lvl="1"/>
+            <a:r>
+              <a:rPr lang="en-US" dirty="0"/>
+              <a:t>One language for front-end and back-end apps in all browsers and Node.js.</a:t>
+            </a:r>
+            <a:br>
+              <a:rPr lang="en-US" dirty="0"/>
+            </a:br>
+            <a:r>
+              <a:rPr lang="en-US" dirty="0"/>
+              <a:t>So also runs on mobile devices.</a:t>
+            </a:r>
+          </a:p>
+          <a:p>
+            <a:r>
+              <a:rPr lang="en-US" sz="2400" dirty="0"/>
+              <a:t>Integrates smoothly with the rich JS ecosystem</a:t>
+            </a:r>
+          </a:p>
+          <a:p>
+            <a:pPr lvl="1"/>
+            <a:r>
+              <a:rPr lang="en-US" dirty="0"/>
+              <a:t>Typically 1 line of interfacing code per encapsulated JS method.</a:t>
+            </a:r>
+          </a:p>
+          <a:p>
+            <a:pPr lvl="1"/>
+            <a:r>
+              <a:rPr lang="en-US" dirty="0"/>
+              <a:t>ST can call JS and vice versa.</a:t>
+            </a:r>
+          </a:p>
+          <a:p>
+            <a:pPr lvl="1"/>
+            <a:r>
+              <a:rPr lang="en-US" dirty="0"/>
+              <a:t>Newly available JS features and libraries can be integrated quickly.</a:t>
+            </a:r>
+          </a:p>
+        </p:txBody>
+      </p:sp>
+    </p:spTree>
+    <p:extLst>
+      <p:ext uri="{BB962C8B-B14F-4D97-AF65-F5344CB8AC3E}">
+        <p14:creationId xmlns:p14="http://schemas.microsoft.com/office/powerpoint/2010/main" val="4145308596"/>
+      </p:ext>
+    </p:extLst>
+  </p:cSld>
+  <p:clrMapOvr>
+    <a:masterClrMapping/>
+  </p:clrMapOvr>
+</p:sld>
+</file>
+
+<file path=ppt/slides/slide12.xml><?xml version="1.0" encoding="utf-8"?>
+<p:sld xmlns:a="http://schemas.openxmlformats.org/drawingml/2006/main" xmlns:r="http://schemas.openxmlformats.org/officeDocument/2006/relationships" xmlns:p="http://schemas.openxmlformats.org/presentationml/2006/main">
+  <p:cSld>
+    <p:spTree>
+      <p:nvGrpSpPr>
+        <p:cNvPr id="1" name=""/>
+        <p:cNvGrpSpPr/>
+        <p:nvPr/>
+      </p:nvGrpSpPr>
+      <p:grpSpPr>
+        <a:xfrm>
+          <a:off x="0" y="0"/>
+          <a:ext cx="0" cy="0"/>
+          <a:chOff x="0" y="0"/>
+          <a:chExt cx="0" cy="0"/>
+        </a:xfrm>
+      </p:grpSpPr>
+      <p:sp>
+        <p:nvSpPr>
+          <p:cNvPr id="2" name="Title 1">
+            <a:extLst>
+              <a:ext uri="{FF2B5EF4-FFF2-40B4-BE49-F238E27FC236}">
+                <a16:creationId xmlns:a16="http://schemas.microsoft.com/office/drawing/2014/main" id="{5BADE274-46AE-3FD4-3F75-D108B44442FC}"/>
+              </a:ext>
+            </a:extLst>
+          </p:cNvPr>
+          <p:cNvSpPr>
+            <a:spLocks noGrp="1"/>
+          </p:cNvSpPr>
+          <p:nvPr>
+            <p:ph type="title"/>
+          </p:nvPr>
+        </p:nvSpPr>
+        <p:spPr>
+          <a:xfrm>
+            <a:off x="677334" y="609600"/>
+            <a:ext cx="8596668" cy="654756"/>
+          </a:xfrm>
+        </p:spPr>
+        <p:txBody>
+          <a:bodyPr/>
+          <a:lstStyle/>
+          <a:p>
+            <a:r>
+              <a:rPr lang="en-US" dirty="0">
+                <a:solidFill>
+                  <a:srgbClr val="0070C0"/>
+                </a:solidFill>
+              </a:rPr>
+              <a:t>SmallJS trade-offs</a:t>
+            </a:r>
+            <a:endParaRPr lang="nl-NL" dirty="0">
+              <a:solidFill>
+                <a:srgbClr val="0070C0"/>
+              </a:solidFill>
+            </a:endParaRPr>
+          </a:p>
+        </p:txBody>
+      </p:sp>
+      <p:sp>
+        <p:nvSpPr>
+          <p:cNvPr id="3" name="Content Placeholder 2">
+            <a:extLst>
+              <a:ext uri="{FF2B5EF4-FFF2-40B4-BE49-F238E27FC236}">
+                <a16:creationId xmlns:a16="http://schemas.microsoft.com/office/drawing/2014/main" id="{2E82CB3C-C7CA-C813-C0CC-E0C4F3201309}"/>
+              </a:ext>
+            </a:extLst>
+          </p:cNvPr>
+          <p:cNvSpPr>
+            <a:spLocks noGrp="1"/>
+          </p:cNvSpPr>
+          <p:nvPr>
+            <p:ph idx="1"/>
+          </p:nvPr>
+        </p:nvSpPr>
+        <p:spPr>
+          <a:xfrm>
+            <a:off x="530578" y="1488613"/>
+            <a:ext cx="8596668" cy="3880773"/>
+          </a:xfrm>
+        </p:spPr>
+        <p:txBody>
+          <a:bodyPr/>
+          <a:lstStyle/>
+          <a:p>
+            <a:r>
+              <a:rPr lang="en-US" sz="2400" dirty="0"/>
+              <a:t>ST is dynamically typed</a:t>
+            </a:r>
+          </a:p>
+          <a:p>
+            <a:pPr lvl="1"/>
+            <a:r>
+              <a:rPr lang="en-US" sz="2000" dirty="0"/>
+              <a:t>An IDE enhancement cloud help here.</a:t>
+            </a:r>
+          </a:p>
+          <a:p>
+            <a:pPr lvl="1"/>
+            <a:r>
+              <a:rPr lang="en-US" sz="2000" dirty="0"/>
+              <a:t>And optional typing like TS is an idea...</a:t>
+            </a:r>
+          </a:p>
+          <a:p>
+            <a:r>
+              <a:rPr lang="en-US" sz="2400" dirty="0"/>
+              <a:t>No namespaces (yet)</a:t>
+            </a:r>
+          </a:p>
+          <a:p>
+            <a:r>
+              <a:rPr lang="en-US" sz="2400" dirty="0"/>
+              <a:t>Tiny community :-)</a:t>
+            </a:r>
+          </a:p>
+          <a:p>
+            <a:endParaRPr lang="nl-NL" dirty="0"/>
+          </a:p>
+        </p:txBody>
+      </p:sp>
+    </p:spTree>
+    <p:extLst>
+      <p:ext uri="{BB962C8B-B14F-4D97-AF65-F5344CB8AC3E}">
+        <p14:creationId xmlns:p14="http://schemas.microsoft.com/office/powerpoint/2010/main" val="3575216965"/>
+      </p:ext>
+    </p:extLst>
+  </p:cSld>
+  <p:clrMapOvr>
+    <a:masterClrMapping/>
+  </p:clrMapOvr>
+</p:sld>
+</file>
+
+<file path=ppt/slides/slide13.xml><?xml version="1.0" encoding="utf-8"?>
+<p:sld xmlns:a="http://schemas.openxmlformats.org/drawingml/2006/main" xmlns:r="http://schemas.openxmlformats.org/officeDocument/2006/relationships" xmlns:p="http://schemas.openxmlformats.org/presentationml/2006/main">
+  <p:cSld>
+    <p:spTree>
+      <p:nvGrpSpPr>
+        <p:cNvPr id="1" name=""/>
+        <p:cNvGrpSpPr/>
+        <p:nvPr/>
+      </p:nvGrpSpPr>
+      <p:grpSpPr>
+        <a:xfrm>
+          <a:off x="0" y="0"/>
+          <a:ext cx="0" cy="0"/>
+          <a:chOff x="0" y="0"/>
+          <a:chExt cx="0" cy="0"/>
+        </a:xfrm>
+      </p:grpSpPr>
+      <p:sp>
+        <p:nvSpPr>
+          <p:cNvPr id="2" name="Title 1">
+            <a:extLst>
+              <a:ext uri="{FF2B5EF4-FFF2-40B4-BE49-F238E27FC236}">
+                <a16:creationId xmlns:a16="http://schemas.microsoft.com/office/drawing/2014/main" id="{5BADE274-46AE-3FD4-3F75-D108B44442FC}"/>
+              </a:ext>
+            </a:extLst>
+          </p:cNvPr>
+          <p:cNvSpPr>
+            <a:spLocks noGrp="1"/>
+          </p:cNvSpPr>
+          <p:nvPr>
+            <p:ph type="title"/>
+          </p:nvPr>
+        </p:nvSpPr>
+        <p:spPr>
+          <a:xfrm>
+            <a:off x="677334" y="609600"/>
+            <a:ext cx="8596668" cy="699911"/>
+          </a:xfrm>
+        </p:spPr>
+        <p:txBody>
+          <a:bodyPr/>
+          <a:lstStyle/>
+          <a:p>
+            <a:pPr algn="ctr"/>
+            <a:r>
+              <a:rPr lang="en-US" dirty="0">
+                <a:solidFill>
+                  <a:srgbClr val="0070C0"/>
+                </a:solidFill>
+              </a:rPr>
+              <a:t>SmallJS summary</a:t>
+            </a:r>
+            <a:endParaRPr lang="nl-NL" dirty="0">
+              <a:solidFill>
+                <a:srgbClr val="0070C0"/>
+              </a:solidFill>
+            </a:endParaRPr>
+          </a:p>
+        </p:txBody>
+      </p:sp>
+      <p:sp>
+        <p:nvSpPr>
+          <p:cNvPr id="3" name="Content Placeholder 2">
+            <a:extLst>
+              <a:ext uri="{FF2B5EF4-FFF2-40B4-BE49-F238E27FC236}">
+                <a16:creationId xmlns:a16="http://schemas.microsoft.com/office/drawing/2014/main" id="{2E82CB3C-C7CA-C813-C0CC-E0C4F3201309}"/>
+              </a:ext>
+            </a:extLst>
+          </p:cNvPr>
+          <p:cNvSpPr>
+            <a:spLocks noGrp="1"/>
+          </p:cNvSpPr>
+          <p:nvPr>
+            <p:ph idx="1"/>
+          </p:nvPr>
+        </p:nvSpPr>
+        <p:spPr>
+          <a:xfrm>
+            <a:off x="530578" y="1930400"/>
+            <a:ext cx="8596668" cy="3880773"/>
+          </a:xfrm>
+        </p:spPr>
+        <p:txBody>
+          <a:bodyPr/>
+          <a:lstStyle/>
+          <a:p>
+            <a:r>
+              <a:rPr lang="en-US" sz="2400" b="1" dirty="0"/>
+              <a:t>Elegant and safe Smalltalk language!</a:t>
+            </a:r>
+          </a:p>
+          <a:p>
+            <a:r>
+              <a:rPr lang="en-US" sz="2400" dirty="0"/>
+              <a:t>Integrates tightly with JS.</a:t>
+            </a:r>
+          </a:p>
+          <a:p>
+            <a:r>
+              <a:rPr lang="en-US" sz="2400" dirty="0"/>
+              <a:t>Familiar JS class and method names.</a:t>
+            </a:r>
+          </a:p>
+          <a:p>
+            <a:r>
+              <a:rPr lang="en-US" sz="2400" dirty="0"/>
+              <a:t>Use with your favorite IDE.</a:t>
+            </a:r>
+          </a:p>
+          <a:p>
+            <a:r>
+              <a:rPr lang="en-US" sz="2400" dirty="0"/>
+              <a:t>Incremental use possible, mix and match.</a:t>
+            </a:r>
+          </a:p>
+        </p:txBody>
+      </p:sp>
+    </p:spTree>
+    <p:extLst>
+      <p:ext uri="{BB962C8B-B14F-4D97-AF65-F5344CB8AC3E}">
+        <p14:creationId xmlns:p14="http://schemas.microsoft.com/office/powerpoint/2010/main" val="4073419068"/>
+      </p:ext>
+    </p:extLst>
+  </p:cSld>
+  <p:clrMapOvr>
+    <a:masterClrMapping/>
+  </p:clrMapOvr>
+</p:sld>
+</file>
+
+<file path=ppt/slides/slide14.xml><?xml version="1.0" encoding="utf-8"?>
+<p:sld xmlns:a="http://schemas.openxmlformats.org/drawingml/2006/main" xmlns:r="http://schemas.openxmlformats.org/officeDocument/2006/relationships" xmlns:p="http://schemas.openxmlformats.org/presentationml/2006/main">
+  <p:cSld>
+    <p:spTree>
+      <p:nvGrpSpPr>
+        <p:cNvPr id="1" name="">
+          <a:extLst>
+            <a:ext uri="{FF2B5EF4-FFF2-40B4-BE49-F238E27FC236}">
+              <a16:creationId xmlns:a16="http://schemas.microsoft.com/office/drawing/2014/main" id="{6C544A8D-0DB8-23CD-8CA7-0992F2FA0597}"/>
+            </a:ext>
+          </a:extLst>
+        </p:cNvPr>
+        <p:cNvGrpSpPr/>
+        <p:nvPr/>
+      </p:nvGrpSpPr>
+      <p:grpSpPr>
+        <a:xfrm>
+          <a:off x="0" y="0"/>
+          <a:ext cx="0" cy="0"/>
+          <a:chOff x="0" y="0"/>
+          <a:chExt cx="0" cy="0"/>
+        </a:xfrm>
+      </p:grpSpPr>
+      <p:sp>
+        <p:nvSpPr>
+          <p:cNvPr id="2" name="Title 1">
+            <a:extLst>
+              <a:ext uri="{FF2B5EF4-FFF2-40B4-BE49-F238E27FC236}">
+                <a16:creationId xmlns:a16="http://schemas.microsoft.com/office/drawing/2014/main" id="{C4B7609E-755D-D214-0C93-FEF7AE2F4FA3}"/>
+              </a:ext>
+            </a:extLst>
+          </p:cNvPr>
+          <p:cNvSpPr>
+            <a:spLocks noGrp="1"/>
+          </p:cNvSpPr>
+          <p:nvPr>
+            <p:ph type="title"/>
+          </p:nvPr>
+        </p:nvSpPr>
+        <p:spPr>
+          <a:xfrm>
+            <a:off x="677334" y="609600"/>
+            <a:ext cx="8596668" cy="1109749"/>
+          </a:xfrm>
+        </p:spPr>
+        <p:txBody>
+          <a:bodyPr/>
+          <a:lstStyle/>
+          <a:p>
+            <a:pPr algn="ctr"/>
+            <a:r>
+              <a:rPr lang="en-US" dirty="0">
+                <a:solidFill>
+                  <a:srgbClr val="0070C0"/>
+                </a:solidFill>
+              </a:rPr>
+              <a:t>Live demo's (basic)</a:t>
+            </a:r>
+            <a:br>
+              <a:rPr lang="en-US" dirty="0">
+                <a:solidFill>
+                  <a:srgbClr val="0070C0"/>
+                </a:solidFill>
+              </a:rPr>
+            </a:br>
+            <a:r>
+              <a:rPr lang="en-US" sz="2400" dirty="0">
+                <a:solidFill>
+                  <a:srgbClr val="0070C0"/>
+                </a:solidFill>
+              </a:rPr>
+              <a:t>with code inspection</a:t>
+            </a:r>
+            <a:endParaRPr lang="nl-NL" sz="2400" dirty="0">
+              <a:solidFill>
+                <a:srgbClr val="0070C0"/>
+              </a:solidFill>
+            </a:endParaRPr>
+          </a:p>
+        </p:txBody>
+      </p:sp>
+      <p:sp>
+        <p:nvSpPr>
+          <p:cNvPr id="3" name="Content Placeholder 2">
+            <a:extLst>
+              <a:ext uri="{FF2B5EF4-FFF2-40B4-BE49-F238E27FC236}">
+                <a16:creationId xmlns:a16="http://schemas.microsoft.com/office/drawing/2014/main" id="{08097D6D-06EB-2730-C9F1-F39235FDC4CE}"/>
+              </a:ext>
+            </a:extLst>
+          </p:cNvPr>
+          <p:cNvSpPr>
+            <a:spLocks noGrp="1"/>
+          </p:cNvSpPr>
+          <p:nvPr>
+            <p:ph idx="1"/>
+          </p:nvPr>
+        </p:nvSpPr>
+        <p:spPr>
+          <a:xfrm>
+            <a:off x="598311" y="1642533"/>
+            <a:ext cx="8466667" cy="508000"/>
+          </a:xfrm>
+        </p:spPr>
+        <p:txBody>
+          <a:bodyPr/>
+          <a:lstStyle/>
+          <a:p>
+            <a:pPr marL="0" indent="0">
+              <a:buNone/>
+            </a:pPr>
+            <a:r>
+              <a:rPr lang="en-US" sz="2000" dirty="0"/>
+              <a:t>Basic example apps:</a:t>
+            </a:r>
+          </a:p>
+          <a:p>
+            <a:endParaRPr lang="en-US" sz="2400" b="1" dirty="0"/>
+          </a:p>
+          <a:p>
+            <a:endParaRPr lang="en-US" sz="2400" dirty="0"/>
+          </a:p>
+        </p:txBody>
+      </p:sp>
+      <p:graphicFrame>
+        <p:nvGraphicFramePr>
+          <p:cNvPr id="4" name="Table 3">
+            <a:extLst>
+              <a:ext uri="{FF2B5EF4-FFF2-40B4-BE49-F238E27FC236}">
+                <a16:creationId xmlns:a16="http://schemas.microsoft.com/office/drawing/2014/main" id="{7A432649-861D-6CFC-5804-36D6967E8C63}"/>
+              </a:ext>
+            </a:extLst>
+          </p:cNvPr>
+          <p:cNvGraphicFramePr>
+            <a:graphicFrameLocks noGrp="1"/>
+          </p:cNvGraphicFramePr>
+          <p:nvPr>
+            <p:extLst>
+              <p:ext uri="{D42A27DB-BD31-4B8C-83A1-F6EECF244321}">
+                <p14:modId xmlns:p14="http://schemas.microsoft.com/office/powerpoint/2010/main" val="550280288"/>
+              </p:ext>
+            </p:extLst>
+          </p:nvPr>
+        </p:nvGraphicFramePr>
+        <p:xfrm>
+          <a:off x="677334" y="2150533"/>
+          <a:ext cx="9098432" cy="2820552"/>
+        </p:xfrm>
+        <a:graphic>
+          <a:graphicData uri="http://schemas.openxmlformats.org/drawingml/2006/table">
+            <a:tbl>
+              <a:tblPr firstRow="1" bandRow="1">
+                <a:tableStyleId>{5C22544A-7EE6-4342-B048-85BDC9FD1C3A}</a:tableStyleId>
+              </a:tblPr>
+              <a:tblGrid>
+                <a:gridCol w="1648177">
+                  <a:extLst>
+                    <a:ext uri="{9D8B030D-6E8A-4147-A177-3AD203B41FA5}">
+                      <a16:colId xmlns:a16="http://schemas.microsoft.com/office/drawing/2014/main" val="2799560432"/>
+                    </a:ext>
+                  </a:extLst>
+                </a:gridCol>
+                <a:gridCol w="7450255">
+                  <a:extLst>
+                    <a:ext uri="{9D8B030D-6E8A-4147-A177-3AD203B41FA5}">
+                      <a16:colId xmlns:a16="http://schemas.microsoft.com/office/drawing/2014/main" val="1687308639"/>
+                    </a:ext>
+                  </a:extLst>
+                </a:gridCol>
+              </a:tblGrid>
+              <a:tr h="450156">
+                <a:tc>
+                  <a:txBody>
+                    <a:bodyPr/>
+                    <a:lstStyle/>
+                    <a:p>
+                      <a:r>
+                        <a:rPr lang="en-US" dirty="0"/>
+                        <a:t>App</a:t>
+                      </a:r>
+                    </a:p>
+                  </a:txBody>
+                  <a:tcPr/>
+                </a:tc>
+                <a:tc>
+                  <a:txBody>
+                    <a:bodyPr/>
+                    <a:lstStyle/>
+                    <a:p>
+                      <a:r>
+                        <a:rPr lang="en-US" dirty="0"/>
+                        <a:t>Notes</a:t>
+                      </a:r>
+                    </a:p>
+                  </a:txBody>
+                  <a:tcPr/>
+                </a:tc>
+                <a:extLst>
+                  <a:ext uri="{0D108BD9-81ED-4DB2-BD59-A6C34878D82A}">
+                    <a16:rowId xmlns:a16="http://schemas.microsoft.com/office/drawing/2014/main" val="2289154795"/>
+                  </a:ext>
+                </a:extLst>
+              </a:tr>
+              <a:tr h="450156">
+                <a:tc>
+                  <a:txBody>
+                    <a:bodyPr/>
+                    <a:lstStyle/>
+                    <a:p>
+                      <a:r>
+                        <a:rPr lang="en-US" sz="1800" b="1" dirty="0"/>
+                        <a:t>Counter</a:t>
+                      </a:r>
+                      <a:endParaRPr lang="en-US" dirty="0"/>
+                    </a:p>
+                  </a:txBody>
+                  <a:tcPr/>
+                </a:tc>
+                <a:tc>
+                  <a:txBody>
+                    <a:bodyPr/>
+                    <a:lstStyle/>
+                    <a:p>
+                      <a:r>
+                        <a:rPr lang="en-US" b="0" dirty="0"/>
+                        <a:t>Standard minimal web app.</a:t>
+                      </a:r>
+                    </a:p>
+                  </a:txBody>
+                  <a:tcPr/>
+                </a:tc>
+                <a:extLst>
+                  <a:ext uri="{0D108BD9-81ED-4DB2-BD59-A6C34878D82A}">
+                    <a16:rowId xmlns:a16="http://schemas.microsoft.com/office/drawing/2014/main" val="3920172727"/>
+                  </a:ext>
+                </a:extLst>
+              </a:tr>
+              <a:tr h="450156">
+                <a:tc>
+                  <a:txBody>
+                    <a:bodyPr/>
+                    <a:lstStyle/>
+                    <a:p>
+                      <a:r>
+                        <a:rPr lang="en-US" b="1" dirty="0"/>
+                        <a:t>Todo </a:t>
+                      </a:r>
+                    </a:p>
+                  </a:txBody>
+                  <a:tcPr/>
+                </a:tc>
+                <a:tc>
+                  <a:txBody>
+                    <a:bodyPr/>
+                    <a:lstStyle/>
+                    <a:p>
+                      <a:r>
+                        <a:rPr lang="en-US" b="0" dirty="0"/>
+                        <a:t>Todo list web app with CRUD operations, sorting and multi-language support.</a:t>
+                      </a:r>
+                    </a:p>
+                  </a:txBody>
+                  <a:tcPr/>
+                </a:tc>
+                <a:extLst>
+                  <a:ext uri="{0D108BD9-81ED-4DB2-BD59-A6C34878D82A}">
+                    <a16:rowId xmlns:a16="http://schemas.microsoft.com/office/drawing/2014/main" val="3736132610"/>
+                  </a:ext>
+                </a:extLst>
+              </a:tr>
+              <a:tr h="450156">
+                <a:tc>
+                  <a:txBody>
+                    <a:bodyPr/>
+                    <a:lstStyle/>
+                    <a:p>
+                      <a:r>
+                        <a:rPr lang="en-US" b="1" dirty="0"/>
+                        <a:t>Balls</a:t>
+                      </a:r>
+                    </a:p>
+                  </a:txBody>
+                  <a:tcPr/>
+                </a:tc>
+                <a:tc>
+                  <a:txBody>
+                    <a:bodyPr/>
+                    <a:lstStyle/>
+                    <a:p>
+                      <a:r>
+                        <a:rPr lang="en-US" b="0" dirty="0"/>
+                        <a:t>Colorful bouncing balls, using the HTML Canvas 2D API,</a:t>
+                      </a:r>
+                      <a:br>
+                        <a:rPr lang="en-US" b="0" dirty="0"/>
+                      </a:br>
+                      <a:r>
+                        <a:rPr lang="en-US" b="0" dirty="0"/>
+                        <a:t>which is fully supported.</a:t>
+                      </a:r>
+                    </a:p>
+                  </a:txBody>
+                  <a:tcPr/>
+                </a:tc>
+                <a:extLst>
+                  <a:ext uri="{0D108BD9-81ED-4DB2-BD59-A6C34878D82A}">
+                    <a16:rowId xmlns:a16="http://schemas.microsoft.com/office/drawing/2014/main" val="973315670"/>
+                  </a:ext>
+                </a:extLst>
+              </a:tr>
+              <a:tr h="450156">
+                <a:tc>
+                  <a:txBody>
+                    <a:bodyPr/>
+                    <a:lstStyle/>
+                    <a:p>
+                      <a:r>
+                        <a:rPr lang="en-US" b="1" dirty="0"/>
+                        <a:t>Shop</a:t>
+                      </a:r>
+                    </a:p>
+                  </a:txBody>
+                  <a:tcPr/>
+                </a:tc>
+                <a:tc>
+                  <a:txBody>
+                    <a:bodyPr/>
+                    <a:lstStyle/>
+                    <a:p>
+                      <a:pPr marL="0" marR="0" lvl="0" indent="0" algn="l" defTabSz="457200" rtl="0" eaLnBrk="1" fontAlgn="auto" latinLnBrk="0" hangingPunct="1">
+                        <a:lnSpc>
+                          <a:spcPct val="100000"/>
+                        </a:lnSpc>
+                        <a:spcBef>
+                          <a:spcPts val="0"/>
+                        </a:spcBef>
+                        <a:spcAft>
+                          <a:spcPts val="0"/>
+                        </a:spcAft>
+                        <a:buClrTx/>
+                        <a:buSzTx/>
+                        <a:buFontTx/>
+                        <a:buNone/>
+                        <a:tabLst/>
+                        <a:defRPr/>
+                      </a:pPr>
+                      <a:r>
+                        <a:rPr lang="en-US" b="0" dirty="0"/>
+                        <a:t>Basic web shop front-ends, traditional and as SPA and</a:t>
+                      </a:r>
+                    </a:p>
+                    <a:p>
+                      <a:pPr marL="0" marR="0" lvl="0" indent="0" algn="l" defTabSz="457200" rtl="0" eaLnBrk="1" fontAlgn="auto" latinLnBrk="0" hangingPunct="1">
+                        <a:lnSpc>
+                          <a:spcPct val="100000"/>
+                        </a:lnSpc>
+                        <a:spcBef>
+                          <a:spcPts val="0"/>
+                        </a:spcBef>
+                        <a:spcAft>
+                          <a:spcPts val="0"/>
+                        </a:spcAft>
+                        <a:buClrTx/>
+                        <a:buSzTx/>
+                        <a:buFontTx/>
+                        <a:buNone/>
+                        <a:tabLst/>
+                        <a:defRPr/>
+                      </a:pPr>
+                      <a:r>
+                        <a:rPr lang="en-US" b="0" dirty="0"/>
+                        <a:t>back-end, with database support on SQL ORM mapper.</a:t>
+                      </a:r>
+                    </a:p>
+                  </a:txBody>
+                  <a:tcPr/>
+                </a:tc>
+                <a:extLst>
+                  <a:ext uri="{0D108BD9-81ED-4DB2-BD59-A6C34878D82A}">
+                    <a16:rowId xmlns:a16="http://schemas.microsoft.com/office/drawing/2014/main" val="3655170907"/>
+                  </a:ext>
+                </a:extLst>
+              </a:tr>
+            </a:tbl>
+          </a:graphicData>
+        </a:graphic>
+      </p:graphicFrame>
+    </p:spTree>
+    <p:extLst>
+      <p:ext uri="{BB962C8B-B14F-4D97-AF65-F5344CB8AC3E}">
+        <p14:creationId xmlns:p14="http://schemas.microsoft.com/office/powerpoint/2010/main" val="1846196916"/>
+      </p:ext>
+    </p:extLst>
+  </p:cSld>
+  <p:clrMapOvr>
+    <a:masterClrMapping/>
+  </p:clrMapOvr>
+</p:sld>
+</file>
+
+<file path=ppt/slides/slide15.xml><?xml version="1.0" encoding="utf-8"?>
+<p:sld xmlns:a="http://schemas.openxmlformats.org/drawingml/2006/main" xmlns:r="http://schemas.openxmlformats.org/officeDocument/2006/relationships" xmlns:p="http://schemas.openxmlformats.org/presentationml/2006/main">
+  <p:cSld>
+    <p:spTree>
+      <p:nvGrpSpPr>
+        <p:cNvPr id="1" name="">
+          <a:extLst>
+            <a:ext uri="{FF2B5EF4-FFF2-40B4-BE49-F238E27FC236}">
+              <a16:creationId xmlns:a16="http://schemas.microsoft.com/office/drawing/2014/main" id="{5573224A-9C8C-C0C5-8498-B4D8F68F0EB0}"/>
+            </a:ext>
+          </a:extLst>
+        </p:cNvPr>
+        <p:cNvGrpSpPr/>
+        <p:nvPr/>
+      </p:nvGrpSpPr>
+      <p:grpSpPr>
+        <a:xfrm>
+          <a:off x="0" y="0"/>
+          <a:ext cx="0" cy="0"/>
+          <a:chOff x="0" y="0"/>
+          <a:chExt cx="0" cy="0"/>
+        </a:xfrm>
+      </p:grpSpPr>
+      <p:sp>
+        <p:nvSpPr>
+          <p:cNvPr id="2" name="Title 1">
+            <a:extLst>
+              <a:ext uri="{FF2B5EF4-FFF2-40B4-BE49-F238E27FC236}">
+                <a16:creationId xmlns:a16="http://schemas.microsoft.com/office/drawing/2014/main" id="{30C6D1BE-E713-6867-2B5B-F891639497DA}"/>
+              </a:ext>
+            </a:extLst>
+          </p:cNvPr>
+          <p:cNvSpPr>
+            <a:spLocks noGrp="1"/>
+          </p:cNvSpPr>
+          <p:nvPr>
+            <p:ph type="title"/>
+          </p:nvPr>
+        </p:nvSpPr>
+        <p:spPr>
+          <a:xfrm>
+            <a:off x="677334" y="609600"/>
+            <a:ext cx="8596668" cy="1109749"/>
+          </a:xfrm>
+        </p:spPr>
+        <p:txBody>
+          <a:bodyPr/>
+          <a:lstStyle/>
+          <a:p>
+            <a:pPr algn="ctr"/>
+            <a:r>
+              <a:rPr lang="en-US" dirty="0">
+                <a:solidFill>
+                  <a:srgbClr val="0070C0"/>
+                </a:solidFill>
+              </a:rPr>
+              <a:t>Live demo's (advanced)</a:t>
+            </a:r>
+            <a:br>
+              <a:rPr lang="en-US" dirty="0">
+                <a:solidFill>
+                  <a:srgbClr val="0070C0"/>
+                </a:solidFill>
+              </a:rPr>
+            </a:br>
+            <a:r>
+              <a:rPr lang="en-US" sz="2400" dirty="0">
+                <a:solidFill>
+                  <a:srgbClr val="0070C0"/>
+                </a:solidFill>
+              </a:rPr>
+              <a:t>with code inspection</a:t>
+            </a:r>
+            <a:endParaRPr lang="nl-NL" sz="2400" dirty="0">
+              <a:solidFill>
+                <a:srgbClr val="0070C0"/>
+              </a:solidFill>
+            </a:endParaRPr>
+          </a:p>
+        </p:txBody>
+      </p:sp>
+      <p:sp>
+        <p:nvSpPr>
+          <p:cNvPr id="3" name="Content Placeholder 2">
+            <a:extLst>
+              <a:ext uri="{FF2B5EF4-FFF2-40B4-BE49-F238E27FC236}">
+                <a16:creationId xmlns:a16="http://schemas.microsoft.com/office/drawing/2014/main" id="{26A8D8D6-93B3-E815-B9C1-0053575883BE}"/>
+              </a:ext>
+            </a:extLst>
+          </p:cNvPr>
+          <p:cNvSpPr>
+            <a:spLocks noGrp="1"/>
+          </p:cNvSpPr>
+          <p:nvPr>
+            <p:ph idx="1"/>
+          </p:nvPr>
+        </p:nvSpPr>
+        <p:spPr>
+          <a:xfrm>
+            <a:off x="598311" y="1642533"/>
+            <a:ext cx="8466667" cy="508000"/>
+          </a:xfrm>
+        </p:spPr>
+        <p:txBody>
+          <a:bodyPr/>
+          <a:lstStyle/>
+          <a:p>
+            <a:pPr marL="0" indent="0">
+              <a:buNone/>
+            </a:pPr>
+            <a:r>
+              <a:rPr lang="en-US" sz="2000" dirty="0"/>
+              <a:t>Advanced example apps:</a:t>
+            </a:r>
+          </a:p>
+          <a:p>
+            <a:endParaRPr lang="en-US" sz="2400" b="1" dirty="0"/>
+          </a:p>
+          <a:p>
+            <a:endParaRPr lang="en-US" sz="2400" dirty="0"/>
+          </a:p>
+        </p:txBody>
+      </p:sp>
+      <p:graphicFrame>
+        <p:nvGraphicFramePr>
+          <p:cNvPr id="4" name="Table 3">
+            <a:extLst>
+              <a:ext uri="{FF2B5EF4-FFF2-40B4-BE49-F238E27FC236}">
+                <a16:creationId xmlns:a16="http://schemas.microsoft.com/office/drawing/2014/main" id="{9122047B-8049-9AB9-E0C0-2616848039ED}"/>
+              </a:ext>
+            </a:extLst>
+          </p:cNvPr>
+          <p:cNvGraphicFramePr>
+            <a:graphicFrameLocks noGrp="1"/>
+          </p:cNvGraphicFramePr>
+          <p:nvPr>
+            <p:extLst>
+              <p:ext uri="{D42A27DB-BD31-4B8C-83A1-F6EECF244321}">
+                <p14:modId xmlns:p14="http://schemas.microsoft.com/office/powerpoint/2010/main" val="3048501282"/>
+              </p:ext>
+            </p:extLst>
+          </p:nvPr>
+        </p:nvGraphicFramePr>
+        <p:xfrm>
+          <a:off x="677334" y="2150533"/>
+          <a:ext cx="9098432" cy="3291840"/>
+        </p:xfrm>
+        <a:graphic>
+          <a:graphicData uri="http://schemas.openxmlformats.org/drawingml/2006/table">
+            <a:tbl>
+              <a:tblPr firstRow="1" bandRow="1">
+                <a:tableStyleId>{5C22544A-7EE6-4342-B048-85BDC9FD1C3A}</a:tableStyleId>
+              </a:tblPr>
+              <a:tblGrid>
+                <a:gridCol w="1907822">
+                  <a:extLst>
+                    <a:ext uri="{9D8B030D-6E8A-4147-A177-3AD203B41FA5}">
+                      <a16:colId xmlns:a16="http://schemas.microsoft.com/office/drawing/2014/main" val="2799560432"/>
+                    </a:ext>
+                  </a:extLst>
+                </a:gridCol>
+                <a:gridCol w="7190610">
+                  <a:extLst>
+                    <a:ext uri="{9D8B030D-6E8A-4147-A177-3AD203B41FA5}">
+                      <a16:colId xmlns:a16="http://schemas.microsoft.com/office/drawing/2014/main" val="1687308639"/>
+                    </a:ext>
+                  </a:extLst>
+                </a:gridCol>
+              </a:tblGrid>
+              <a:tr h="0">
+                <a:tc>
+                  <a:txBody>
+                    <a:bodyPr/>
+                    <a:lstStyle/>
+                    <a:p>
+                      <a:r>
+                        <a:rPr lang="en-US" dirty="0"/>
+                        <a:t>App</a:t>
+                      </a:r>
+                    </a:p>
+                  </a:txBody>
+                  <a:tcPr/>
+                </a:tc>
+                <a:tc>
+                  <a:txBody>
+                    <a:bodyPr/>
+                    <a:lstStyle/>
+                    <a:p>
+                      <a:r>
+                        <a:rPr lang="en-US" dirty="0"/>
+                        <a:t>Notes</a:t>
+                      </a:r>
+                    </a:p>
+                  </a:txBody>
+                  <a:tcPr/>
+                </a:tc>
+                <a:extLst>
+                  <a:ext uri="{0D108BD9-81ED-4DB2-BD59-A6C34878D82A}">
+                    <a16:rowId xmlns:a16="http://schemas.microsoft.com/office/drawing/2014/main" val="2289154795"/>
+                  </a:ext>
+                </a:extLst>
+              </a:tr>
+              <a:tr h="0">
+                <a:tc>
+                  <a:txBody>
+                    <a:bodyPr/>
+                    <a:lstStyle/>
+                    <a:p>
+                      <a:r>
+                        <a:rPr lang="en-US" b="1" dirty="0"/>
+                        <a:t>Benchmark</a:t>
+                      </a:r>
+                    </a:p>
+                  </a:txBody>
+                  <a:tcPr/>
+                </a:tc>
+                <a:tc>
+                  <a:txBody>
+                    <a:bodyPr/>
+                    <a:lstStyle/>
+                    <a:p>
+                      <a:r>
+                        <a:rPr lang="en-US" dirty="0"/>
+                        <a:t>Number crunching in SmallJS for: primes, Fibonacci, Pi</a:t>
+                      </a:r>
+                    </a:p>
+                  </a:txBody>
+                  <a:tcPr/>
+                </a:tc>
+                <a:extLst>
+                  <a:ext uri="{0D108BD9-81ED-4DB2-BD59-A6C34878D82A}">
+                    <a16:rowId xmlns:a16="http://schemas.microsoft.com/office/drawing/2014/main" val="153482256"/>
+                  </a:ext>
+                </a:extLst>
+              </a:tr>
+              <a:tr h="0">
+                <a:tc>
+                  <a:txBody>
+                    <a:bodyPr/>
+                    <a:lstStyle/>
+                    <a:p>
+                      <a:r>
+                        <a:rPr lang="en-US" b="1" dirty="0"/>
+                        <a:t>WebWorkers</a:t>
+                      </a:r>
+                    </a:p>
+                  </a:txBody>
+                  <a:tcPr/>
+                </a:tc>
+                <a:tc>
+                  <a:txBody>
+                    <a:bodyPr/>
+                    <a:lstStyle/>
+                    <a:p>
+                      <a:r>
+                        <a:rPr lang="en-US" dirty="0"/>
+                        <a:t>True multithreading using the Web Workers API.</a:t>
+                      </a:r>
+                      <a:br>
+                        <a:rPr lang="en-US" dirty="0"/>
+                      </a:br>
+                      <a:r>
+                        <a:rPr lang="en-US" dirty="0"/>
+                        <a:t>(Node worker threads are also supported)</a:t>
+                      </a:r>
+                    </a:p>
+                  </a:txBody>
+                  <a:tcPr/>
+                </a:tc>
+                <a:extLst>
+                  <a:ext uri="{0D108BD9-81ED-4DB2-BD59-A6C34878D82A}">
+                    <a16:rowId xmlns:a16="http://schemas.microsoft.com/office/drawing/2014/main" val="702428718"/>
+                  </a:ext>
+                </a:extLst>
+              </a:tr>
+              <a:tr h="0">
+                <a:tc>
+                  <a:txBody>
+                    <a:bodyPr/>
+                    <a:lstStyle/>
+                    <a:p>
+                      <a:r>
+                        <a:rPr lang="en-US" b="1" dirty="0"/>
+                        <a:t>Electron</a:t>
+                      </a:r>
+                    </a:p>
+                  </a:txBody>
+                  <a:tcPr/>
+                </a:tc>
+                <a:tc>
+                  <a:txBody>
+                    <a:bodyPr/>
+                    <a:lstStyle/>
+                    <a:p>
+                      <a:r>
+                        <a:rPr lang="en-US" dirty="0"/>
+                        <a:t>Platform independent desktop app based on Electron</a:t>
+                      </a:r>
+                      <a:br>
+                        <a:rPr lang="en-US" dirty="0"/>
+                      </a:br>
+                      <a:r>
+                        <a:rPr lang="en-US" dirty="0"/>
+                        <a:t>(when you don't care about memory usage and complexity :)</a:t>
+                      </a:r>
+                    </a:p>
+                  </a:txBody>
+                  <a:tcPr/>
+                </a:tc>
+                <a:extLst>
+                  <a:ext uri="{0D108BD9-81ED-4DB2-BD59-A6C34878D82A}">
+                    <a16:rowId xmlns:a16="http://schemas.microsoft.com/office/drawing/2014/main" val="2330243082"/>
+                  </a:ext>
+                </a:extLst>
+              </a:tr>
+              <a:tr h="0">
+                <a:tc>
+                  <a:txBody>
+                    <a:bodyPr/>
+                    <a:lstStyle/>
+                    <a:p>
+                      <a:r>
+                        <a:rPr lang="en-US" b="1" dirty="0"/>
+                        <a:t>NodeGui</a:t>
+                      </a:r>
+                    </a:p>
+                  </a:txBody>
+                  <a:tcPr/>
+                </a:tc>
+                <a:tc>
+                  <a:txBody>
+                    <a:bodyPr/>
+                    <a:lstStyle/>
+                    <a:p>
+                      <a:pPr marL="0" marR="0" lvl="0" indent="0" algn="l" defTabSz="457200" rtl="0" eaLnBrk="1" fontAlgn="auto" latinLnBrk="0" hangingPunct="1">
+                        <a:lnSpc>
+                          <a:spcPct val="100000"/>
+                        </a:lnSpc>
+                        <a:spcBef>
+                          <a:spcPts val="0"/>
+                        </a:spcBef>
+                        <a:spcAft>
+                          <a:spcPts val="0"/>
+                        </a:spcAft>
+                        <a:buClrTx/>
+                        <a:buSzTx/>
+                        <a:buFontTx/>
+                        <a:buNone/>
+                        <a:tabLst/>
+                        <a:defRPr/>
+                      </a:pPr>
+                      <a:r>
+                        <a:rPr lang="en-US" dirty="0"/>
+                        <a:t>Platform independent desktops app based on NodeGui/QT</a:t>
+                      </a:r>
+                      <a:br>
+                        <a:rPr lang="en-US" dirty="0"/>
+                      </a:br>
+                      <a:r>
+                        <a:rPr lang="en-US" dirty="0"/>
+                        <a:t>(when you </a:t>
+                      </a:r>
+                      <a:r>
+                        <a:rPr lang="en-US" b="1" i="1" dirty="0"/>
+                        <a:t>do</a:t>
+                      </a:r>
+                      <a:r>
+                        <a:rPr lang="en-US" dirty="0"/>
+                        <a:t> care about memory usage and simplicity)</a:t>
+                      </a:r>
+                    </a:p>
+                  </a:txBody>
+                  <a:tcPr/>
+                </a:tc>
+                <a:extLst>
+                  <a:ext uri="{0D108BD9-81ED-4DB2-BD59-A6C34878D82A}">
+                    <a16:rowId xmlns:a16="http://schemas.microsoft.com/office/drawing/2014/main" val="487041886"/>
+                  </a:ext>
+                </a:extLst>
+              </a:tr>
+              <a:tr h="0">
+                <a:tc>
+                  <a:txBody>
+                    <a:bodyPr/>
+                    <a:lstStyle/>
+                    <a:p>
+                      <a:r>
+                        <a:rPr lang="en-US" b="1" dirty="0"/>
+                        <a:t>Pharo</a:t>
+                      </a:r>
+                    </a:p>
+                  </a:txBody>
+                  <a:tcPr/>
+                </a:tc>
+                <a:tc>
+                  <a:txBody>
+                    <a:bodyPr/>
+                    <a:lstStyle/>
+                    <a:p>
+                      <a:pPr marL="0" marR="0" lvl="0" indent="0" algn="l" defTabSz="457200" rtl="0" eaLnBrk="1" fontAlgn="auto" latinLnBrk="0" hangingPunct="1">
+                        <a:lnSpc>
+                          <a:spcPct val="100000"/>
+                        </a:lnSpc>
+                        <a:spcBef>
+                          <a:spcPts val="0"/>
+                        </a:spcBef>
+                        <a:spcAft>
+                          <a:spcPts val="0"/>
+                        </a:spcAft>
+                        <a:buClrTx/>
+                        <a:buSzTx/>
+                        <a:buFontTx/>
+                        <a:buNone/>
+                        <a:tabLst/>
+                        <a:defRPr/>
+                      </a:pPr>
+                      <a:r>
+                        <a:rPr lang="en-US" dirty="0"/>
+                        <a:t>SmallJS front-end with Pharo back-end using Zinc and API call.</a:t>
+                      </a:r>
+                    </a:p>
+                    <a:p>
+                      <a:pPr marL="0" marR="0" lvl="0" indent="0" algn="l" defTabSz="457200" rtl="0" eaLnBrk="1" fontAlgn="auto" latinLnBrk="0" hangingPunct="1">
+                        <a:lnSpc>
+                          <a:spcPct val="100000"/>
+                        </a:lnSpc>
+                        <a:spcBef>
+                          <a:spcPts val="0"/>
+                        </a:spcBef>
+                        <a:spcAft>
+                          <a:spcPts val="0"/>
+                        </a:spcAft>
+                        <a:buClrTx/>
+                        <a:buSzTx/>
+                        <a:buFontTx/>
+                        <a:buNone/>
+                        <a:tabLst/>
+                        <a:defRPr/>
+                      </a:pPr>
+                      <a:r>
+                        <a:rPr lang="en-US" dirty="0"/>
+                        <a:t>(So quite basic on both sides)</a:t>
+                      </a:r>
+                    </a:p>
+                  </a:txBody>
+                  <a:tcPr/>
+                </a:tc>
+                <a:extLst>
+                  <a:ext uri="{0D108BD9-81ED-4DB2-BD59-A6C34878D82A}">
+                    <a16:rowId xmlns:a16="http://schemas.microsoft.com/office/drawing/2014/main" val="3319947376"/>
+                  </a:ext>
+                </a:extLst>
+              </a:tr>
+            </a:tbl>
+          </a:graphicData>
+        </a:graphic>
+      </p:graphicFrame>
+    </p:spTree>
+    <p:extLst>
+      <p:ext uri="{BB962C8B-B14F-4D97-AF65-F5344CB8AC3E}">
+        <p14:creationId xmlns:p14="http://schemas.microsoft.com/office/powerpoint/2010/main" val="373541811"/>
+      </p:ext>
+    </p:extLst>
+  </p:cSld>
+  <p:clrMapOvr>
+    <a:masterClrMapping/>
+  </p:clrMapOvr>
+</p:sld>
+</file>
+
+<file path=ppt/slides/slide16.xml><?xml version="1.0" encoding="utf-8"?>
+<p:sld xmlns:a="http://schemas.openxmlformats.org/drawingml/2006/main" xmlns:r="http://schemas.openxmlformats.org/officeDocument/2006/relationships" xmlns:p="http://schemas.openxmlformats.org/presentationml/2006/main">
+  <p:cSld>
+    <p:spTree>
+      <p:nvGrpSpPr>
+        <p:cNvPr id="1" name=""/>
+        <p:cNvGrpSpPr/>
+        <p:nvPr/>
+      </p:nvGrpSpPr>
+      <p:grpSpPr>
+        <a:xfrm>
+          <a:off x="0" y="0"/>
+          <a:ext cx="0" cy="0"/>
+          <a:chOff x="0" y="0"/>
+          <a:chExt cx="0" cy="0"/>
+        </a:xfrm>
+      </p:grpSpPr>
+      <p:sp>
+        <p:nvSpPr>
+          <p:cNvPr id="2" name="Title 1">
+            <a:extLst>
+              <a:ext uri="{FF2B5EF4-FFF2-40B4-BE49-F238E27FC236}">
+                <a16:creationId xmlns:a16="http://schemas.microsoft.com/office/drawing/2014/main" id="{5BADE274-46AE-3FD4-3F75-D108B44442FC}"/>
+              </a:ext>
+            </a:extLst>
+          </p:cNvPr>
+          <p:cNvSpPr>
+            <a:spLocks noGrp="1"/>
+          </p:cNvSpPr>
+          <p:nvPr>
+            <p:ph type="title"/>
+          </p:nvPr>
+        </p:nvSpPr>
         <p:spPr>
           <a:xfrm>
             <a:off x="677334" y="609600"/>
@@ -7564,14 +10502,14 @@
           <a:p>
             <a:pPr algn="ctr"/>
             <a:r>
-              <a:rPr lang="en-US">
+              <a:rPr lang="en-US" dirty="0">
                 <a:solidFill>
                   <a:srgbClr val="0070C0"/>
                 </a:solidFill>
               </a:rPr>
               <a:t>Any questions?</a:t>
             </a:r>
-            <a:endParaRPr lang="nl-NL">
+            <a:endParaRPr lang="nl-NL" dirty="0">
               <a:solidFill>
                 <a:srgbClr val="0070C0"/>
               </a:solidFill>
@@ -7601,8 +10539,8 @@
         </p:blipFill>
         <p:spPr>
           <a:xfrm>
-            <a:off x="5221112" y="1433687"/>
-            <a:ext cx="3474861" cy="4696179"/>
+            <a:off x="6249646" y="2133598"/>
+            <a:ext cx="2433364" cy="3288625"/>
           </a:xfrm>
           <a:prstGeom prst="rect">
             <a:avLst/>
@@ -7659,8 +10597,8 @@
         </p:nvSpPr>
         <p:spPr>
           <a:xfrm>
-            <a:off x="1573943" y="5988425"/>
-            <a:ext cx="9178938" cy="461665"/>
+            <a:off x="3991467" y="6042976"/>
+            <a:ext cx="3474861" cy="461665"/>
           </a:xfrm>
           <a:prstGeom prst="rect">
             <a:avLst/>
@@ -7673,13 +10611,12 @@
           </a:bodyPr>
           <a:lstStyle/>
           <a:p>
-            <a:pPr algn="ctr"/>
-            <a:r>
-              <a:rPr lang="nl-NL" sz="2400"/>
+            <a:r>
+              <a:rPr lang="nl-NL" sz="2400" dirty="0"/>
               <a:t>Website: </a:t>
             </a:r>
             <a:r>
-              <a:rPr lang="nl-NL" sz="2400">
+              <a:rPr lang="nl-NL" sz="2400" dirty="0">
                 <a:solidFill>
                   <a:srgbClr val="0070C0"/>
                 </a:solidFill>
@@ -7747,14 +10684,14 @@
           <a:p>
             <a:pPr algn="ctr"/>
             <a:r>
-              <a:rPr lang="en-US">
+              <a:rPr lang="en-US" dirty="0">
                 <a:solidFill>
                   <a:srgbClr val="0070C0"/>
                 </a:solidFill>
               </a:rPr>
-              <a:t>What is SmallJS?</a:t>
-            </a:r>
-            <a:endParaRPr lang="nl-NL">
+              <a:t>About the author</a:t>
+            </a:r>
+            <a:endParaRPr lang="nl-NL" dirty="0">
               <a:solidFill>
                 <a:srgbClr val="0070C0"/>
               </a:solidFill>
@@ -7780,8 +10717,8 @@
         </p:nvSpPr>
         <p:spPr>
           <a:xfrm>
-            <a:off x="677334" y="1404234"/>
-            <a:ext cx="8596668" cy="4951410"/>
+            <a:off x="677334" y="1404235"/>
+            <a:ext cx="8596668" cy="3832784"/>
           </a:xfrm>
         </p:spPr>
         <p:txBody>
@@ -7791,84 +10728,409 @@
           <a:lstStyle/>
           <a:p>
             <a:r>
-              <a:rPr lang="en-US" sz="2400"/>
-              <a:t>Transpiler from Smalltalk to efficient, lightweight JavaScript.</a:t>
-            </a:r>
-          </a:p>
-          <a:p>
-            <a:r>
-              <a:rPr lang="en-US" sz="2400"/>
-              <a:t>JS code runs in all browsers </a:t>
-            </a:r>
-            <a:r>
-              <a:rPr lang="en-US" sz="2400" b="1" i="1"/>
-              <a:t>and</a:t>
-            </a:r>
-            <a:r>
-              <a:rPr lang="en-US" sz="2400"/>
-              <a:t> Node.js.</a:t>
-            </a:r>
-          </a:p>
-          <a:p>
-            <a:r>
-              <a:rPr lang="en-US" sz="2400"/>
-              <a:t>Smalltalk-80 language syntax support</a:t>
-            </a:r>
-          </a:p>
-          <a:p>
-            <a:pPr lvl="1"/>
-            <a:r>
-              <a:rPr lang="en-US" sz="2000"/>
-              <a:t>Class and method names like familiar JS.</a:t>
-            </a:r>
-          </a:p>
-          <a:p>
-            <a:r>
-              <a:rPr lang="en-US" sz="2400"/>
-              <a:t>Source file based (not image based).</a:t>
-            </a:r>
-          </a:p>
-          <a:p>
-            <a:r>
-              <a:rPr lang="en-US" sz="2400"/>
-              <a:t>Development in Visual Studio Code IDE</a:t>
-            </a:r>
-          </a:p>
-          <a:p>
-            <a:pPr lvl="1"/>
-            <a:r>
-              <a:rPr lang="en-US" sz="2200"/>
-              <a:t>With syntax coloring and step debugging!</a:t>
-            </a:r>
-          </a:p>
-          <a:p>
-            <a:r>
-              <a:rPr lang="en-US" sz="2400"/>
-              <a:t>JS libraries already encapsulated in ST:</a:t>
-            </a:r>
-          </a:p>
-          <a:p>
-            <a:pPr lvl="1"/>
-            <a:r>
-              <a:rPr lang="en-US" sz="2000"/>
-              <a:t>Browser: Document, Window, HTML elements, events, CSS, streams.</a:t>
-            </a:r>
-          </a:p>
-          <a:p>
-            <a:pPr lvl="1"/>
-            <a:r>
-              <a:rPr lang="en-US" sz="2000"/>
-              <a:t>Node.JS: HTTP server, Express, 3 databases.</a:t>
-            </a:r>
-          </a:p>
-          <a:p>
-            <a:r>
-              <a:rPr lang="en-US" sz="2200"/>
-              <a:t>Examples, including a webshop client + server app template.</a:t>
-            </a:r>
-          </a:p>
-        </p:txBody>
-      </p:sp>
+              <a:rPr lang="en-US" sz="2400" dirty="0"/>
+              <a:t>My name is </a:t>
+            </a:r>
+            <a:r>
+              <a:rPr lang="en-US" sz="2400" b="1" dirty="0"/>
+              <a:t>Richard Ronteltap</a:t>
+            </a:r>
+            <a:br>
+              <a:rPr lang="en-US" sz="2400" b="1" dirty="0"/>
+            </a:br>
+            <a:r>
+              <a:rPr lang="en-US" sz="2400" dirty="0"/>
+              <a:t>(Yes, that </a:t>
+            </a:r>
+            <a:r>
+              <a:rPr lang="en-US" sz="2400" i="1" dirty="0"/>
+              <a:t>is</a:t>
+            </a:r>
+            <a:r>
+              <a:rPr lang="en-US" sz="2400" dirty="0"/>
+              <a:t> a strange last name, even here :)</a:t>
+            </a:r>
+          </a:p>
+          <a:p>
+            <a:r>
+              <a:rPr lang="en-US" sz="2400" dirty="0">
+                <a:effectLst/>
+                <a:latin typeface="+mj-lt"/>
+                <a:ea typeface="Aptos" panose="020B0004020202020204" pitchFamily="34" charset="0"/>
+                <a:cs typeface="Calibri" panose="020F0502020204030204" pitchFamily="34" charset="0"/>
+              </a:rPr>
+              <a:t>Live in Amsterdam, The Netherlands</a:t>
+            </a:r>
+            <a:endParaRPr lang="nl-NL" sz="2400" dirty="0">
+              <a:effectLst/>
+              <a:latin typeface="+mj-lt"/>
+              <a:ea typeface="Aptos" panose="020B0004020202020204" pitchFamily="34" charset="0"/>
+              <a:cs typeface="Times New Roman" panose="02020603050405020304" pitchFamily="18" charset="0"/>
+            </a:endParaRPr>
+          </a:p>
+          <a:p>
+            <a:r>
+              <a:rPr lang="en-US" sz="2400" dirty="0">
+                <a:effectLst/>
+                <a:latin typeface="+mj-lt"/>
+                <a:ea typeface="Aptos" panose="020B0004020202020204" pitchFamily="34" charset="0"/>
+                <a:cs typeface="Calibri" panose="020F0502020204030204" pitchFamily="34" charset="0"/>
+              </a:rPr>
+              <a:t>Studied Computer Science at the University of Amsterdam</a:t>
+            </a:r>
+            <a:br>
+              <a:rPr lang="en-US" sz="2400" dirty="0">
+                <a:effectLst/>
+                <a:latin typeface="+mj-lt"/>
+                <a:ea typeface="Aptos" panose="020B0004020202020204" pitchFamily="34" charset="0"/>
+                <a:cs typeface="Calibri" panose="020F0502020204030204" pitchFamily="34" charset="0"/>
+              </a:rPr>
+            </a:br>
+            <a:r>
+              <a:rPr lang="en-US" sz="2400" dirty="0">
+                <a:effectLst/>
+                <a:latin typeface="+mj-lt"/>
+                <a:ea typeface="Aptos" panose="020B0004020202020204" pitchFamily="34" charset="0"/>
+                <a:cs typeface="Calibri" panose="020F0502020204030204" pitchFamily="34" charset="0"/>
+              </a:rPr>
+              <a:t>where I met my wife (she insisted I say this :),</a:t>
+            </a:r>
+            <a:br>
+              <a:rPr lang="en-US" sz="2400" dirty="0">
+                <a:effectLst/>
+                <a:latin typeface="+mj-lt"/>
+                <a:ea typeface="Aptos" panose="020B0004020202020204" pitchFamily="34" charset="0"/>
+                <a:cs typeface="Calibri" panose="020F0502020204030204" pitchFamily="34" charset="0"/>
+              </a:rPr>
+            </a:br>
+            <a:r>
+              <a:rPr lang="en-US" sz="2400" dirty="0">
+                <a:effectLst/>
+                <a:latin typeface="+mj-lt"/>
+                <a:ea typeface="Aptos" panose="020B0004020202020204" pitchFamily="34" charset="0"/>
+                <a:cs typeface="Calibri" panose="020F0502020204030204" pitchFamily="34" charset="0"/>
+              </a:rPr>
+              <a:t>where I </a:t>
+            </a:r>
+            <a:r>
+              <a:rPr lang="en-US" sz="2400">
+                <a:effectLst/>
+                <a:latin typeface="+mj-lt"/>
+                <a:ea typeface="Aptos" panose="020B0004020202020204" pitchFamily="34" charset="0"/>
+                <a:cs typeface="Calibri" panose="020F0502020204030204" pitchFamily="34" charset="0"/>
+              </a:rPr>
+              <a:t>work as an IT </a:t>
+            </a:r>
+            <a:r>
+              <a:rPr lang="en-US" sz="2400" dirty="0">
+                <a:effectLst/>
+                <a:latin typeface="+mj-lt"/>
+                <a:ea typeface="Aptos" panose="020B0004020202020204" pitchFamily="34" charset="0"/>
+                <a:cs typeface="Calibri" panose="020F0502020204030204" pitchFamily="34" charset="0"/>
+              </a:rPr>
+              <a:t>department head.</a:t>
+            </a:r>
+            <a:endParaRPr lang="nl-NL" sz="2400" dirty="0">
+              <a:effectLst/>
+              <a:latin typeface="+mj-lt"/>
+              <a:ea typeface="Aptos" panose="020B0004020202020204" pitchFamily="34" charset="0"/>
+              <a:cs typeface="Times New Roman" panose="02020603050405020304" pitchFamily="18" charset="0"/>
+            </a:endParaRPr>
+          </a:p>
+          <a:p>
+            <a:r>
+              <a:rPr lang="en-US" sz="2400" dirty="0">
+                <a:effectLst/>
+                <a:latin typeface="+mj-lt"/>
+                <a:ea typeface="Aptos" panose="020B0004020202020204" pitchFamily="34" charset="0"/>
+                <a:cs typeface="Calibri" panose="020F0502020204030204" pitchFamily="34" charset="0"/>
+              </a:rPr>
+              <a:t>My CS thesis in '93 was on OO databases,</a:t>
+            </a:r>
+            <a:br>
+              <a:rPr lang="en-US" sz="2400" dirty="0">
+                <a:effectLst/>
+                <a:latin typeface="+mj-lt"/>
+                <a:ea typeface="Aptos" panose="020B0004020202020204" pitchFamily="34" charset="0"/>
+                <a:cs typeface="Calibri" panose="020F0502020204030204" pitchFamily="34" charset="0"/>
+              </a:rPr>
+            </a:br>
+            <a:r>
+              <a:rPr lang="en-US" sz="2400" dirty="0">
+                <a:effectLst/>
+                <a:latin typeface="+mj-lt"/>
+                <a:ea typeface="Aptos" panose="020B0004020202020204" pitchFamily="34" charset="0"/>
+                <a:cs typeface="Calibri" panose="020F0502020204030204" pitchFamily="34" charset="0"/>
+              </a:rPr>
+              <a:t>with a query optimizer written in Smalltalk-80.</a:t>
+            </a:r>
+            <a:endParaRPr lang="nl-NL" sz="2400" dirty="0">
+              <a:effectLst/>
+              <a:latin typeface="+mj-lt"/>
+              <a:ea typeface="Aptos" panose="020B0004020202020204" pitchFamily="34" charset="0"/>
+              <a:cs typeface="Times New Roman" panose="02020603050405020304" pitchFamily="18" charset="0"/>
+            </a:endParaRPr>
+          </a:p>
+          <a:p>
+            <a:r>
+              <a:rPr lang="en-US" sz="2400">
+                <a:effectLst/>
+                <a:latin typeface="+mj-lt"/>
+                <a:ea typeface="Aptos" panose="020B0004020202020204" pitchFamily="34" charset="0"/>
+                <a:cs typeface="Calibri" panose="020F0502020204030204" pitchFamily="34" charset="0"/>
+              </a:rPr>
+              <a:t>I also </a:t>
+            </a:r>
+            <a:r>
+              <a:rPr lang="en-US" sz="2400" dirty="0">
+                <a:effectLst/>
+                <a:latin typeface="+mj-lt"/>
+                <a:ea typeface="Aptos" panose="020B0004020202020204" pitchFamily="34" charset="0"/>
+                <a:cs typeface="Calibri" panose="020F0502020204030204" pitchFamily="34" charset="0"/>
+              </a:rPr>
+              <a:t>discovered: Smalltalk/V</a:t>
+            </a:r>
+            <a:r>
+              <a:rPr lang="en-US" sz="2400">
+                <a:effectLst/>
+                <a:latin typeface="+mj-lt"/>
+                <a:ea typeface="Aptos" panose="020B0004020202020204" pitchFamily="34" charset="0"/>
+                <a:cs typeface="Calibri" panose="020F0502020204030204" pitchFamily="34" charset="0"/>
+              </a:rPr>
+              <a:t>, Dolphin, </a:t>
+            </a:r>
+            <a:r>
+              <a:rPr lang="en-US" sz="2400" dirty="0">
+                <a:effectLst/>
+                <a:latin typeface="+mj-lt"/>
+                <a:ea typeface="Aptos" panose="020B0004020202020204" pitchFamily="34" charset="0"/>
+                <a:cs typeface="Calibri" panose="020F0502020204030204" pitchFamily="34" charset="0"/>
+              </a:rPr>
+              <a:t>Pharo, ...</a:t>
+            </a:r>
+            <a:endParaRPr lang="nl-NL" sz="2400" dirty="0">
+              <a:effectLst/>
+              <a:latin typeface="+mj-lt"/>
+              <a:ea typeface="Aptos" panose="020B0004020202020204" pitchFamily="34" charset="0"/>
+              <a:cs typeface="Times New Roman" panose="02020603050405020304" pitchFamily="18" charset="0"/>
+            </a:endParaRPr>
+          </a:p>
+        </p:txBody>
+      </p:sp>
+      <p:pic>
+        <p:nvPicPr>
+          <p:cNvPr id="4" name="Picture 3">
+            <a:extLst>
+              <a:ext uri="{FF2B5EF4-FFF2-40B4-BE49-F238E27FC236}">
+                <a16:creationId xmlns:a16="http://schemas.microsoft.com/office/drawing/2014/main" id="{A45DE625-066D-9741-FC14-B9AF36028C7E}"/>
+              </a:ext>
+            </a:extLst>
+          </p:cNvPr>
+          <p:cNvPicPr>
+            <a:picLocks noChangeAspect="1"/>
+          </p:cNvPicPr>
+          <p:nvPr/>
+        </p:nvPicPr>
+        <p:blipFill>
+          <a:blip r:embed="rId3"/>
+          <a:stretch>
+            <a:fillRect/>
+          </a:stretch>
+        </p:blipFill>
+        <p:spPr>
+          <a:xfrm>
+            <a:off x="7682643" y="977030"/>
+            <a:ext cx="1459140" cy="1509168"/>
+          </a:xfrm>
+          <a:prstGeom prst="rect">
+            <a:avLst/>
+          </a:prstGeom>
+        </p:spPr>
+      </p:pic>
+      <p:pic>
+        <p:nvPicPr>
+          <p:cNvPr id="6" name="Picture 5">
+            <a:extLst>
+              <a:ext uri="{FF2B5EF4-FFF2-40B4-BE49-F238E27FC236}">
+                <a16:creationId xmlns:a16="http://schemas.microsoft.com/office/drawing/2014/main" id="{C3C239F4-1851-FC3A-941A-EA7E68EF10EB}"/>
+              </a:ext>
+            </a:extLst>
+          </p:cNvPr>
+          <p:cNvPicPr>
+            <a:picLocks noChangeAspect="1"/>
+          </p:cNvPicPr>
+          <p:nvPr/>
+        </p:nvPicPr>
+        <p:blipFill>
+          <a:blip r:embed="rId4"/>
+          <a:stretch>
+            <a:fillRect/>
+          </a:stretch>
+        </p:blipFill>
+        <p:spPr>
+          <a:xfrm>
+            <a:off x="10167723" y="2486197"/>
+            <a:ext cx="1254529" cy="1254529"/>
+          </a:xfrm>
+          <a:prstGeom prst="rect">
+            <a:avLst/>
+          </a:prstGeom>
+        </p:spPr>
+      </p:pic>
+      <p:pic>
+        <p:nvPicPr>
+          <p:cNvPr id="7" name="Picture 6">
+            <a:extLst>
+              <a:ext uri="{FF2B5EF4-FFF2-40B4-BE49-F238E27FC236}">
+                <a16:creationId xmlns:a16="http://schemas.microsoft.com/office/drawing/2014/main" id="{22DD19CF-B443-AA23-DA65-AC8E696D2AFC}"/>
+              </a:ext>
+            </a:extLst>
+          </p:cNvPr>
+          <p:cNvPicPr>
+            <a:picLocks noChangeAspect="1"/>
+          </p:cNvPicPr>
+          <p:nvPr/>
+        </p:nvPicPr>
+        <p:blipFill>
+          <a:blip r:embed="rId5"/>
+          <a:stretch>
+            <a:fillRect/>
+          </a:stretch>
+        </p:blipFill>
+        <p:spPr>
+          <a:xfrm>
+            <a:off x="8620817" y="3609595"/>
+            <a:ext cx="939620" cy="1239059"/>
+          </a:xfrm>
+          <a:prstGeom prst="rect">
+            <a:avLst/>
+          </a:prstGeom>
+        </p:spPr>
+      </p:pic>
+      <p:pic>
+        <p:nvPicPr>
+          <p:cNvPr id="9" name="Picture 8">
+            <a:extLst>
+              <a:ext uri="{FF2B5EF4-FFF2-40B4-BE49-F238E27FC236}">
+                <a16:creationId xmlns:a16="http://schemas.microsoft.com/office/drawing/2014/main" id="{17DAA575-F38D-6F4A-3AF5-A1D28A6FDAE8}"/>
+              </a:ext>
+            </a:extLst>
+          </p:cNvPr>
+          <p:cNvPicPr>
+            <a:picLocks noChangeAspect="1"/>
+          </p:cNvPicPr>
+          <p:nvPr/>
+        </p:nvPicPr>
+        <p:blipFill>
+          <a:blip r:embed="rId6"/>
+          <a:stretch>
+            <a:fillRect/>
+          </a:stretch>
+        </p:blipFill>
+        <p:spPr>
+          <a:xfrm>
+            <a:off x="4754165" y="5132343"/>
+            <a:ext cx="1341835" cy="1341835"/>
+          </a:xfrm>
+          <a:prstGeom prst="rect">
+            <a:avLst/>
+          </a:prstGeom>
+        </p:spPr>
+      </p:pic>
+      <p:pic>
+        <p:nvPicPr>
+          <p:cNvPr id="1034" name="Picture 10" descr="Pharo-Smalltalk, Object Oriented ...">
+            <a:extLst>
+              <a:ext uri="{FF2B5EF4-FFF2-40B4-BE49-F238E27FC236}">
+                <a16:creationId xmlns:a16="http://schemas.microsoft.com/office/drawing/2014/main" id="{53FEDA25-07D2-447B-2586-39FA6BD97EC1}"/>
+              </a:ext>
+            </a:extLst>
+          </p:cNvPr>
+          <p:cNvPicPr>
+            <a:picLocks noChangeAspect="1" noChangeArrowheads="1"/>
+          </p:cNvPicPr>
+          <p:nvPr/>
+        </p:nvPicPr>
+        <p:blipFill>
+          <a:blip r:embed="rId7">
+            <a:extLst>
+              <a:ext uri="{28A0092B-C50C-407E-A947-70E740481C1C}">
+                <a14:useLocalDpi xmlns:a14="http://schemas.microsoft.com/office/drawing/2010/main" val="0"/>
+              </a:ext>
+            </a:extLst>
+          </a:blip>
+          <a:srcRect/>
+          <a:stretch>
+            <a:fillRect/>
+          </a:stretch>
+        </p:blipFill>
+        <p:spPr bwMode="auto">
+          <a:xfrm>
+            <a:off x="6382435" y="5401150"/>
+            <a:ext cx="2506619" cy="829112"/>
+          </a:xfrm>
+          <a:prstGeom prst="rect">
+            <a:avLst/>
+          </a:prstGeom>
+          <a:noFill/>
+          <a:extLst>
+            <a:ext uri="{909E8E84-426E-40DD-AFC4-6F175D3DCCD1}">
+              <a14:hiddenFill xmlns:a14="http://schemas.microsoft.com/office/drawing/2010/main">
+                <a:solidFill>
+                  <a:srgbClr val="FFFFFF"/>
+                </a:solidFill>
+              </a14:hiddenFill>
+            </a:ext>
+          </a:extLst>
+        </p:spPr>
+      </p:pic>
+      <p:pic>
+        <p:nvPicPr>
+          <p:cNvPr id="1036" name="Picture 12" descr="Smalltalk / V : Tutorial and Programming Handbook: Amazon.co.uk: Editors;  Digitalk Inc.: Books">
+            <a:extLst>
+              <a:ext uri="{FF2B5EF4-FFF2-40B4-BE49-F238E27FC236}">
+                <a16:creationId xmlns:a16="http://schemas.microsoft.com/office/drawing/2014/main" id="{3AADCAB3-682C-C023-4506-19C586C3523E}"/>
+              </a:ext>
+            </a:extLst>
+          </p:cNvPr>
+          <p:cNvPicPr>
+            <a:picLocks noChangeAspect="1" noChangeArrowheads="1"/>
+          </p:cNvPicPr>
+          <p:nvPr/>
+        </p:nvPicPr>
+        <p:blipFill>
+          <a:blip r:embed="rId8">
+            <a:extLst>
+              <a:ext uri="{28A0092B-C50C-407E-A947-70E740481C1C}">
+                <a14:useLocalDpi xmlns:a14="http://schemas.microsoft.com/office/drawing/2010/main" val="0"/>
+              </a:ext>
+            </a:extLst>
+          </a:blip>
+          <a:srcRect/>
+          <a:stretch>
+            <a:fillRect/>
+          </a:stretch>
+        </p:blipFill>
+        <p:spPr bwMode="auto">
+          <a:xfrm>
+            <a:off x="3383787" y="5093077"/>
+            <a:ext cx="1083943" cy="1445258"/>
+          </a:xfrm>
+          <a:prstGeom prst="rect">
+            <a:avLst/>
+          </a:prstGeom>
+          <a:noFill/>
+          <a:extLst>
+            <a:ext uri="{909E8E84-426E-40DD-AFC4-6F175D3DCCD1}">
+              <a14:hiddenFill xmlns:a14="http://schemas.microsoft.com/office/drawing/2010/main">
+                <a:solidFill>
+                  <a:srgbClr val="FFFFFF"/>
+                </a:solidFill>
+              </a14:hiddenFill>
+            </a:ext>
+          </a:extLst>
+        </p:spPr>
+      </p:pic>
     </p:spTree>
     <p:extLst>
       <p:ext uri="{BB962C8B-B14F-4D97-AF65-F5344CB8AC3E}">
@@ -7887,6 +11149,543 @@
   <p:cSld>
     <p:spTree>
       <p:nvGrpSpPr>
+        <p:cNvPr id="1" name="">
+          <a:extLst>
+            <a:ext uri="{FF2B5EF4-FFF2-40B4-BE49-F238E27FC236}">
+              <a16:creationId xmlns:a16="http://schemas.microsoft.com/office/drawing/2014/main" id="{35C2F76F-C533-798F-A8A4-BBEE63E67BC1}"/>
+            </a:ext>
+          </a:extLst>
+        </p:cNvPr>
+        <p:cNvGrpSpPr/>
+        <p:nvPr/>
+      </p:nvGrpSpPr>
+      <p:grpSpPr>
+        <a:xfrm>
+          <a:off x="0" y="0"/>
+          <a:ext cx="0" cy="0"/>
+          <a:chOff x="0" y="0"/>
+          <a:chExt cx="0" cy="0"/>
+        </a:xfrm>
+      </p:grpSpPr>
+      <p:sp>
+        <p:nvSpPr>
+          <p:cNvPr id="2" name="Title 1">
+            <a:extLst>
+              <a:ext uri="{FF2B5EF4-FFF2-40B4-BE49-F238E27FC236}">
+                <a16:creationId xmlns:a16="http://schemas.microsoft.com/office/drawing/2014/main" id="{DB2425CF-0D5A-EE26-5BD0-D084C85704B0}"/>
+              </a:ext>
+            </a:extLst>
+          </p:cNvPr>
+          <p:cNvSpPr>
+            <a:spLocks noGrp="1"/>
+          </p:cNvSpPr>
+          <p:nvPr>
+            <p:ph type="title"/>
+          </p:nvPr>
+        </p:nvSpPr>
+        <p:spPr>
+          <a:xfrm>
+            <a:off x="677334" y="383822"/>
+            <a:ext cx="8596668" cy="688622"/>
+          </a:xfrm>
+        </p:spPr>
+        <p:txBody>
+          <a:bodyPr/>
+          <a:lstStyle/>
+          <a:p>
+            <a:pPr algn="ctr"/>
+            <a:r>
+              <a:rPr lang="en-US" dirty="0">
+                <a:solidFill>
+                  <a:srgbClr val="0070C0"/>
+                </a:solidFill>
+              </a:rPr>
+              <a:t>Why make SmallJS?</a:t>
+            </a:r>
+            <a:endParaRPr lang="nl-NL" dirty="0">
+              <a:solidFill>
+                <a:srgbClr val="0070C0"/>
+              </a:solidFill>
+            </a:endParaRPr>
+          </a:p>
+        </p:txBody>
+      </p:sp>
+      <p:sp>
+        <p:nvSpPr>
+          <p:cNvPr id="3" name="Content Placeholder 2">
+            <a:extLst>
+              <a:ext uri="{FF2B5EF4-FFF2-40B4-BE49-F238E27FC236}">
+                <a16:creationId xmlns:a16="http://schemas.microsoft.com/office/drawing/2014/main" id="{85D7CC05-B3EE-C006-587B-CD7D81A9AE84}"/>
+              </a:ext>
+            </a:extLst>
+          </p:cNvPr>
+          <p:cNvSpPr>
+            <a:spLocks noGrp="1"/>
+          </p:cNvSpPr>
+          <p:nvPr>
+            <p:ph idx="1"/>
+          </p:nvPr>
+        </p:nvSpPr>
+        <p:spPr>
+          <a:xfrm>
+            <a:off x="677334" y="1404234"/>
+            <a:ext cx="8596668" cy="4951410"/>
+          </a:xfrm>
+        </p:spPr>
+        <p:txBody>
+          <a:bodyPr>
+            <a:normAutofit fontScale="92500"/>
+          </a:bodyPr>
+          <a:lstStyle/>
+          <a:p>
+            <a:r>
+              <a:rPr lang="en-US" sz="2400" dirty="0"/>
+              <a:t>Develop modern apps in ST, specifically web apps,</a:t>
+            </a:r>
+            <a:br>
+              <a:rPr lang="en-US" sz="2400" dirty="0"/>
+            </a:br>
+            <a:r>
+              <a:rPr lang="en-US" sz="2400" dirty="0"/>
+              <a:t>using the same language for the front-end and the back-end.</a:t>
+            </a:r>
+          </a:p>
+          <a:p>
+            <a:r>
+              <a:rPr lang="en-US" sz="2400" dirty="0"/>
+              <a:t>Promote the elegant Smalltalk language</a:t>
+            </a:r>
+            <a:br>
+              <a:rPr lang="en-US" sz="2400" dirty="0"/>
+            </a:br>
+            <a:r>
+              <a:rPr lang="en-US" sz="2400" dirty="0"/>
+              <a:t>specifically to JS, PHP and Ruby devs, </a:t>
+            </a:r>
+            <a:br>
+              <a:rPr lang="en-US" sz="2400" dirty="0"/>
+            </a:br>
+            <a:r>
+              <a:rPr lang="en-US" sz="2400" dirty="0"/>
+              <a:t>who don't know what they're missing... :)</a:t>
+            </a:r>
+          </a:p>
+          <a:p>
+            <a:r>
+              <a:rPr lang="en-US" sz="2400" dirty="0"/>
+              <a:t>Looked at: Amber Smalltalk, PharoJS, Seaside</a:t>
+            </a:r>
+            <a:br>
+              <a:rPr lang="en-US" sz="2400" dirty="0"/>
+            </a:br>
+            <a:r>
+              <a:rPr lang="en-US" sz="2400" dirty="0"/>
+              <a:t>But though it could be more JS native and integrated.</a:t>
+            </a:r>
+          </a:p>
+          <a:p>
+            <a:r>
+              <a:rPr lang="en-US" sz="2400" dirty="0"/>
+              <a:t>And a </a:t>
+            </a:r>
+            <a:r>
+              <a:rPr lang="en-US" sz="2400" b="1" i="1" dirty="0"/>
+              <a:t>separate</a:t>
+            </a:r>
+            <a:r>
+              <a:rPr lang="en-US" sz="2400" dirty="0"/>
+              <a:t> IDE and a modular image don't seem so bad...</a:t>
+            </a:r>
+          </a:p>
+        </p:txBody>
+      </p:sp>
+    </p:spTree>
+    <p:extLst>
+      <p:ext uri="{BB962C8B-B14F-4D97-AF65-F5344CB8AC3E}">
+        <p14:creationId xmlns:p14="http://schemas.microsoft.com/office/powerpoint/2010/main" val="2024948773"/>
+      </p:ext>
+    </p:extLst>
+  </p:cSld>
+  <p:clrMapOvr>
+    <a:masterClrMapping/>
+  </p:clrMapOvr>
+</p:sld>
+</file>
+
+<file path=ppt/slides/slide4.xml><?xml version="1.0" encoding="utf-8"?>
+<p:sld xmlns:a="http://schemas.openxmlformats.org/drawingml/2006/main" xmlns:r="http://schemas.openxmlformats.org/officeDocument/2006/relationships" xmlns:p="http://schemas.openxmlformats.org/presentationml/2006/main">
+  <p:cSld>
+    <p:spTree>
+      <p:nvGrpSpPr>
+        <p:cNvPr id="1" name="">
+          <a:extLst>
+            <a:ext uri="{FF2B5EF4-FFF2-40B4-BE49-F238E27FC236}">
+              <a16:creationId xmlns:a16="http://schemas.microsoft.com/office/drawing/2014/main" id="{237B45E3-218E-EE22-CA6E-747E0A8329E9}"/>
+            </a:ext>
+          </a:extLst>
+        </p:cNvPr>
+        <p:cNvGrpSpPr/>
+        <p:nvPr/>
+      </p:nvGrpSpPr>
+      <p:grpSpPr>
+        <a:xfrm>
+          <a:off x="0" y="0"/>
+          <a:ext cx="0" cy="0"/>
+          <a:chOff x="0" y="0"/>
+          <a:chExt cx="0" cy="0"/>
+        </a:xfrm>
+      </p:grpSpPr>
+      <p:sp>
+        <p:nvSpPr>
+          <p:cNvPr id="2" name="Title 1">
+            <a:extLst>
+              <a:ext uri="{FF2B5EF4-FFF2-40B4-BE49-F238E27FC236}">
+                <a16:creationId xmlns:a16="http://schemas.microsoft.com/office/drawing/2014/main" id="{550F6EF7-F723-8BA9-E40B-9C8F94CE441E}"/>
+              </a:ext>
+            </a:extLst>
+          </p:cNvPr>
+          <p:cNvSpPr>
+            <a:spLocks noGrp="1"/>
+          </p:cNvSpPr>
+          <p:nvPr>
+            <p:ph type="title"/>
+          </p:nvPr>
+        </p:nvSpPr>
+        <p:spPr>
+          <a:xfrm>
+            <a:off x="677334" y="383822"/>
+            <a:ext cx="8596668" cy="688622"/>
+          </a:xfrm>
+        </p:spPr>
+        <p:txBody>
+          <a:bodyPr/>
+          <a:lstStyle/>
+          <a:p>
+            <a:pPr algn="ctr"/>
+            <a:r>
+              <a:rPr lang="en-US" dirty="0">
+                <a:solidFill>
+                  <a:srgbClr val="0070C0"/>
+                </a:solidFill>
+              </a:rPr>
+              <a:t>What is SmallJS?</a:t>
+            </a:r>
+            <a:endParaRPr lang="nl-NL" dirty="0">
+              <a:solidFill>
+                <a:srgbClr val="0070C0"/>
+              </a:solidFill>
+            </a:endParaRPr>
+          </a:p>
+        </p:txBody>
+      </p:sp>
+      <p:sp>
+        <p:nvSpPr>
+          <p:cNvPr id="3" name="Content Placeholder 2">
+            <a:extLst>
+              <a:ext uri="{FF2B5EF4-FFF2-40B4-BE49-F238E27FC236}">
+                <a16:creationId xmlns:a16="http://schemas.microsoft.com/office/drawing/2014/main" id="{D0CD227D-883B-121C-4B1E-713B481DB7BC}"/>
+              </a:ext>
+            </a:extLst>
+          </p:cNvPr>
+          <p:cNvSpPr>
+            <a:spLocks noGrp="1"/>
+          </p:cNvSpPr>
+          <p:nvPr>
+            <p:ph idx="1"/>
+          </p:nvPr>
+        </p:nvSpPr>
+        <p:spPr>
+          <a:xfrm>
+            <a:off x="677334" y="1404234"/>
+            <a:ext cx="8596668" cy="4951410"/>
+          </a:xfrm>
+        </p:spPr>
+        <p:txBody>
+          <a:bodyPr>
+            <a:normAutofit fontScale="92500"/>
+          </a:bodyPr>
+          <a:lstStyle/>
+          <a:p>
+            <a:r>
+              <a:rPr lang="en-US" sz="2400" dirty="0"/>
+              <a:t>Transpiler from Smalltalk to efficient, lightweight JavaScript.</a:t>
+            </a:r>
+          </a:p>
+          <a:p>
+            <a:r>
+              <a:rPr lang="en-US" sz="2400" dirty="0"/>
+              <a:t>JS code runs in modern browsers </a:t>
+            </a:r>
+            <a:r>
+              <a:rPr lang="en-US" sz="2400" b="1" i="1" dirty="0"/>
+              <a:t>and</a:t>
+            </a:r>
+            <a:r>
+              <a:rPr lang="en-US" sz="2400" dirty="0"/>
+              <a:t> in Node.js.</a:t>
+            </a:r>
+          </a:p>
+          <a:p>
+            <a:r>
+              <a:rPr lang="en-US" sz="2400" dirty="0"/>
+              <a:t>Smalltalk-80 language syntax support</a:t>
+            </a:r>
+          </a:p>
+          <a:p>
+            <a:pPr lvl="1"/>
+            <a:r>
+              <a:rPr lang="en-US" sz="2000" dirty="0"/>
+              <a:t>Class and method names like familiar JS.</a:t>
+            </a:r>
+          </a:p>
+          <a:p>
+            <a:r>
+              <a:rPr lang="en-US" sz="2400" dirty="0"/>
+              <a:t>Source file based (not image based).</a:t>
+            </a:r>
+          </a:p>
+          <a:p>
+            <a:r>
+              <a:rPr lang="en-US" sz="2400" dirty="0"/>
+              <a:t>Development in Visual Studio Code IDE</a:t>
+            </a:r>
+          </a:p>
+          <a:p>
+            <a:pPr lvl="1"/>
+            <a:r>
+              <a:rPr lang="en-US" sz="2200" dirty="0"/>
+              <a:t>With syntax coloring and step debugging!</a:t>
+            </a:r>
+          </a:p>
+          <a:p>
+            <a:r>
+              <a:rPr lang="en-US" sz="2400" dirty="0"/>
+              <a:t>Built-in unit-testing and GUI-testing (browser).</a:t>
+            </a:r>
+          </a:p>
+          <a:p>
+            <a:r>
+              <a:rPr lang="en-US" sz="2400" dirty="0"/>
+              <a:t>Playground available (local or small-js.org).</a:t>
+            </a:r>
+          </a:p>
+          <a:p>
+            <a:r>
+              <a:rPr lang="en-US" sz="2400" dirty="0"/>
+              <a:t>Free and open source.</a:t>
+            </a:r>
+          </a:p>
+        </p:txBody>
+      </p:sp>
+    </p:spTree>
+    <p:extLst>
+      <p:ext uri="{BB962C8B-B14F-4D97-AF65-F5344CB8AC3E}">
+        <p14:creationId xmlns:p14="http://schemas.microsoft.com/office/powerpoint/2010/main" val="3118353351"/>
+      </p:ext>
+    </p:extLst>
+  </p:cSld>
+  <p:clrMapOvr>
+    <a:masterClrMapping/>
+  </p:clrMapOvr>
+</p:sld>
+</file>
+
+<file path=ppt/slides/slide5.xml><?xml version="1.0" encoding="utf-8"?>
+<p:sld xmlns:a="http://schemas.openxmlformats.org/drawingml/2006/main" xmlns:r="http://schemas.openxmlformats.org/officeDocument/2006/relationships" xmlns:p="http://schemas.openxmlformats.org/presentationml/2006/main">
+  <p:cSld>
+    <p:spTree>
+      <p:nvGrpSpPr>
+        <p:cNvPr id="1" name="">
+          <a:extLst>
+            <a:ext uri="{FF2B5EF4-FFF2-40B4-BE49-F238E27FC236}">
+              <a16:creationId xmlns:a16="http://schemas.microsoft.com/office/drawing/2014/main" id="{841F1CC2-D386-6DA3-8415-6BEC39FDF31D}"/>
+            </a:ext>
+          </a:extLst>
+        </p:cNvPr>
+        <p:cNvGrpSpPr/>
+        <p:nvPr/>
+      </p:nvGrpSpPr>
+      <p:grpSpPr>
+        <a:xfrm>
+          <a:off x="0" y="0"/>
+          <a:ext cx="0" cy="0"/>
+          <a:chOff x="0" y="0"/>
+          <a:chExt cx="0" cy="0"/>
+        </a:xfrm>
+      </p:grpSpPr>
+      <p:sp>
+        <p:nvSpPr>
+          <p:cNvPr id="2" name="Title 1">
+            <a:extLst>
+              <a:ext uri="{FF2B5EF4-FFF2-40B4-BE49-F238E27FC236}">
+                <a16:creationId xmlns:a16="http://schemas.microsoft.com/office/drawing/2014/main" id="{613E9D42-BEF2-A816-85DF-49F4D3EC7A26}"/>
+              </a:ext>
+            </a:extLst>
+          </p:cNvPr>
+          <p:cNvSpPr>
+            <a:spLocks noGrp="1"/>
+          </p:cNvSpPr>
+          <p:nvPr>
+            <p:ph type="title"/>
+          </p:nvPr>
+        </p:nvSpPr>
+        <p:spPr>
+          <a:xfrm>
+            <a:off x="677334" y="383822"/>
+            <a:ext cx="8596668" cy="688622"/>
+          </a:xfrm>
+        </p:spPr>
+        <p:txBody>
+          <a:bodyPr/>
+          <a:lstStyle/>
+          <a:p>
+            <a:pPr algn="ctr"/>
+            <a:r>
+              <a:rPr lang="en-US" dirty="0">
+                <a:solidFill>
+                  <a:srgbClr val="0070C0"/>
+                </a:solidFill>
+              </a:rPr>
+              <a:t>SmallJS libraries</a:t>
+            </a:r>
+            <a:endParaRPr lang="nl-NL" dirty="0">
+              <a:solidFill>
+                <a:srgbClr val="0070C0"/>
+              </a:solidFill>
+            </a:endParaRPr>
+          </a:p>
+        </p:txBody>
+      </p:sp>
+      <p:sp>
+        <p:nvSpPr>
+          <p:cNvPr id="3" name="Content Placeholder 2">
+            <a:extLst>
+              <a:ext uri="{FF2B5EF4-FFF2-40B4-BE49-F238E27FC236}">
+                <a16:creationId xmlns:a16="http://schemas.microsoft.com/office/drawing/2014/main" id="{AA277D24-E94F-F028-9773-624EDF029719}"/>
+              </a:ext>
+            </a:extLst>
+          </p:cNvPr>
+          <p:cNvSpPr>
+            <a:spLocks noGrp="1"/>
+          </p:cNvSpPr>
+          <p:nvPr>
+            <p:ph idx="1"/>
+          </p:nvPr>
+        </p:nvSpPr>
+        <p:spPr>
+          <a:xfrm>
+            <a:off x="677334" y="1404234"/>
+            <a:ext cx="8596668" cy="4951410"/>
+          </a:xfrm>
+        </p:spPr>
+        <p:txBody>
+          <a:bodyPr>
+            <a:normAutofit fontScale="92500"/>
+          </a:bodyPr>
+          <a:lstStyle/>
+          <a:p>
+            <a:r>
+              <a:rPr lang="en-US" sz="2400" dirty="0"/>
+              <a:t>Core (common)</a:t>
+            </a:r>
+          </a:p>
+          <a:p>
+            <a:pPr lvl="1"/>
+            <a:r>
+              <a:rPr lang="en-US" sz="2200" dirty="0"/>
+              <a:t>Basic ST classes, full ST magnitude hierarchy.</a:t>
+            </a:r>
+          </a:p>
+          <a:p>
+            <a:pPr lvl="1"/>
+            <a:r>
+              <a:rPr lang="en-US" sz="2200" dirty="0"/>
+              <a:t>Events, streams, fetch.</a:t>
+            </a:r>
+          </a:p>
+          <a:p>
+            <a:r>
+              <a:rPr lang="en-US" sz="2400" dirty="0"/>
+              <a:t>Browser</a:t>
+            </a:r>
+          </a:p>
+          <a:p>
+            <a:pPr lvl="1"/>
+            <a:r>
+              <a:rPr lang="en-US" sz="2000" dirty="0"/>
+              <a:t>Document, Window, HTML elements, Canvas 2D, CSS, web workers.</a:t>
+            </a:r>
+          </a:p>
+          <a:p>
+            <a:pPr lvl="1"/>
+            <a:r>
+              <a:rPr lang="en-US" sz="2000" dirty="0"/>
+              <a:t>Lightweight HTML components for SPAs.</a:t>
+            </a:r>
+          </a:p>
+          <a:p>
+            <a:r>
+              <a:rPr lang="en-US" sz="2200" dirty="0"/>
+              <a:t>Node.js</a:t>
+            </a:r>
+          </a:p>
+          <a:p>
+            <a:pPr lvl="1"/>
+            <a:r>
+              <a:rPr lang="en-US" sz="2000" dirty="0"/>
+              <a:t>HTTP server, Express, worker threads, File.</a:t>
+            </a:r>
+          </a:p>
+          <a:p>
+            <a:pPr lvl="1"/>
+            <a:r>
+              <a:rPr lang="en-US" sz="2000" dirty="0"/>
+              <a:t>Databases: SQLite, Postgres, MariaDB and MySQL with an ORM.</a:t>
+            </a:r>
+          </a:p>
+          <a:p>
+            <a:pPr lvl="1"/>
+            <a:r>
+              <a:rPr lang="en-US" sz="2000" dirty="0"/>
+              <a:t>AI: OpenAI, Deepseek, 2 more soon..</a:t>
+            </a:r>
+          </a:p>
+          <a:p>
+            <a:r>
+              <a:rPr lang="en-US" sz="2200" dirty="0"/>
+              <a:t>Desktop app support: </a:t>
+            </a:r>
+            <a:r>
+              <a:rPr lang="en-US" sz="2000" dirty="0"/>
+              <a:t>Electron, NodeGui</a:t>
+            </a:r>
+          </a:p>
+          <a:p>
+            <a:r>
+              <a:rPr lang="en-US" sz="2200" dirty="0"/>
+              <a:t>Example projects to kick-start using the above.</a:t>
+            </a:r>
+          </a:p>
+        </p:txBody>
+      </p:sp>
+    </p:spTree>
+    <p:extLst>
+      <p:ext uri="{BB962C8B-B14F-4D97-AF65-F5344CB8AC3E}">
+        <p14:creationId xmlns:p14="http://schemas.microsoft.com/office/powerpoint/2010/main" val="3045429692"/>
+      </p:ext>
+    </p:extLst>
+  </p:cSld>
+  <p:clrMapOvr>
+    <a:masterClrMapping/>
+  </p:clrMapOvr>
+</p:sld>
+</file>
+
+<file path=ppt/slides/slide6.xml><?xml version="1.0" encoding="utf-8"?>
+<p:sld xmlns:a="http://schemas.openxmlformats.org/drawingml/2006/main" xmlns:r="http://schemas.openxmlformats.org/officeDocument/2006/relationships" xmlns:p="http://schemas.openxmlformats.org/presentationml/2006/main">
+  <p:cSld>
+    <p:spTree>
+      <p:nvGrpSpPr>
         <p:cNvPr id="1" name=""/>
         <p:cNvGrpSpPr/>
         <p:nvPr/>
@@ -7926,14 +11725,14 @@
           <a:lstStyle/>
           <a:p>
             <a:r>
-              <a:rPr lang="en-US">
+              <a:rPr lang="en-US" dirty="0">
                 <a:solidFill>
                   <a:srgbClr val="0070C0"/>
                 </a:solidFill>
               </a:rPr>
               <a:t>How does it look?</a:t>
             </a:r>
-            <a:endParaRPr lang="nl-NL">
+            <a:endParaRPr lang="nl-NL" dirty="0">
               <a:solidFill>
                 <a:srgbClr val="0070C0"/>
               </a:solidFill>
@@ -7962,7 +11761,7 @@
           <a:bodyPr/>
           <a:lstStyle/>
           <a:p>
-            <a:endParaRPr lang="en-US"/>
+            <a:endParaRPr lang="en-US" dirty="0"/>
           </a:p>
         </p:txBody>
       </p:sp>
@@ -8039,7 +11838,7 @@
 </p:sld>
 </file>
 
-<file path=ppt/slides/slide4.xml><?xml version="1.0" encoding="utf-8"?>
+<file path=ppt/slides/slide7.xml><?xml version="1.0" encoding="utf-8"?>
 <p:sld xmlns:a="http://schemas.openxmlformats.org/drawingml/2006/main" xmlns:r="http://schemas.openxmlformats.org/officeDocument/2006/relationships" xmlns:p="http://schemas.openxmlformats.org/presentationml/2006/main">
   <p:cSld>
     <p:spTree>
@@ -8079,14 +11878,14 @@
           <a:p>
             <a:pPr algn="ctr"/>
             <a:r>
-              <a:rPr lang="en-US">
+              <a:rPr lang="en-US" dirty="0">
                 <a:solidFill>
                   <a:srgbClr val="0070C0"/>
                 </a:solidFill>
               </a:rPr>
               <a:t>Why use SmallJS?</a:t>
             </a:r>
-            <a:endParaRPr lang="nl-NL">
+            <a:endParaRPr lang="nl-NL" dirty="0">
               <a:solidFill>
                 <a:srgbClr val="0070C0"/>
               </a:solidFill>
@@ -8123,52 +11922,52 @@
           <a:lstStyle/>
           <a:p>
             <a:r>
-              <a:rPr lang="en-US" sz="2400"/>
+              <a:rPr lang="en-US" sz="2400" dirty="0"/>
               <a:t>The Smalltalk language syntax fits on a postcard</a:t>
             </a:r>
           </a:p>
           <a:p>
             <a:r>
-              <a:rPr lang="en-US" sz="2400"/>
+              <a:rPr lang="en-US" sz="2400" dirty="0"/>
               <a:t>Objects all the way down</a:t>
             </a:r>
           </a:p>
           <a:p>
             <a:pPr lvl="1"/>
             <a:r>
-              <a:rPr lang="en-US" sz="2000"/>
+              <a:rPr lang="en-US" sz="2000" dirty="0"/>
               <a:t>Customizable on every level.</a:t>
             </a:r>
             <a:br>
-              <a:rPr lang="en-US" sz="2000"/>
+              <a:rPr lang="en-US" sz="2000" dirty="0"/>
             </a:br>
             <a:r>
-              <a:rPr lang="en-US" sz="2000"/>
+              <a:rPr lang="en-US" sz="2000" dirty="0"/>
               <a:t>Need to add a complex number type? Easy.</a:t>
             </a:r>
           </a:p>
           <a:p>
             <a:r>
-              <a:rPr lang="en-US" sz="2400"/>
-              <a:t>Well defined behaviors</a:t>
+              <a:rPr lang="en-US" sz="2400" dirty="0"/>
+              <a:t>Well defined behaviors, compared to JS.</a:t>
             </a:r>
           </a:p>
           <a:p>
             <a:pPr lvl="1"/>
             <a:r>
-              <a:rPr lang="en-US" sz="2000"/>
+              <a:rPr lang="en-US" sz="2000" dirty="0"/>
               <a:t>Integers are really integers. Controlled type conversions.</a:t>
             </a:r>
           </a:p>
           <a:p>
             <a:r>
-              <a:rPr lang="en-US" sz="2400"/>
+              <a:rPr lang="en-US" sz="2400" dirty="0"/>
               <a:t>Uses familiar JS names and functionality</a:t>
             </a:r>
           </a:p>
           <a:p>
             <a:r>
-              <a:rPr lang="en-US" sz="2400"/>
+              <a:rPr lang="en-US" sz="2400" dirty="0"/>
               <a:t>Easily mix and match JS libraries with ST</a:t>
             </a:r>
           </a:p>
@@ -8187,7 +11986,7 @@
 </p:sld>
 </file>
 
-<file path=ppt/slides/slide5.xml><?xml version="1.0" encoding="utf-8"?>
+<file path=ppt/slides/slide8.xml><?xml version="1.0" encoding="utf-8"?>
 <p:sld xmlns:a="http://schemas.openxmlformats.org/drawingml/2006/main" xmlns:r="http://schemas.openxmlformats.org/officeDocument/2006/relationships" xmlns:p="http://schemas.openxmlformats.org/presentationml/2006/main">
   <p:cSld>
     <p:spTree>
@@ -8232,15 +12031,32 @@
           </a:bodyPr>
           <a:lstStyle/>
           <a:p>
+            <a:pPr algn="ctr"/>
+            <a:r>
+              <a:rPr lang="en-US" dirty="0">
+                <a:solidFill>
+                  <a:srgbClr val="0070C0"/>
+                </a:solidFill>
+              </a:rPr>
+              <a:t>Smalltalk </a:t>
+            </a:r>
             <a:r>
               <a:rPr lang="en-US">
                 <a:solidFill>
                   <a:srgbClr val="0070C0"/>
                 </a:solidFill>
               </a:rPr>
-              <a:t>Smalltalk syntax on a postcard</a:t>
-            </a:r>
-            <a:endParaRPr lang="nl-NL">
+              <a:t>syntax fits on </a:t>
+            </a:r>
+            <a:r>
+              <a:rPr lang="en-US" dirty="0">
+                <a:solidFill>
+                  <a:srgbClr val="0070C0"/>
+                </a:solidFill>
+              </a:rPr>
+              <a:t>a postcard</a:t>
+            </a:r>
+            <a:endParaRPr lang="nl-NL" dirty="0">
               <a:solidFill>
                 <a:srgbClr val="0070C0"/>
               </a:solidFill>
@@ -8310,7 +12126,7 @@
 </p:sld>
 </file>
 
-<file path=ppt/slides/slide6.xml><?xml version="1.0" encoding="utf-8"?>
+<file path=ppt/slides/slide9.xml><?xml version="1.0" encoding="utf-8"?>
 <p:sld xmlns:a="http://schemas.openxmlformats.org/drawingml/2006/main" xmlns:r="http://schemas.openxmlformats.org/officeDocument/2006/relationships" xmlns:p="http://schemas.openxmlformats.org/presentationml/2006/main">
   <p:cSld>
     <p:spTree>
@@ -8458,7 +12274,7 @@
               <a:rPr lang="en-US" sz="1300" noProof="1">
                 <a:latin typeface="Consolas" panose="020B0609020204030204" pitchFamily="49" charset="0"/>
               </a:rPr>
-              <a:t>	&gt; 100</a:t>
+              <a:t>		&gt; 100</a:t>
             </a:r>
           </a:p>
           <a:p>
@@ -8487,7 +12303,7 @@
               <a:rPr lang="en-US" sz="1300" noProof="1">
                 <a:latin typeface="Consolas" panose="020B0609020204030204" pitchFamily="49" charset="0"/>
               </a:rPr>
-              <a:t>	&gt; 2.25</a:t>
+              <a:t>		&gt; 2.25</a:t>
             </a:r>
           </a:p>
           <a:p>
@@ -8588,7 +12404,7 @@
               <a:buNone/>
             </a:pPr>
             <a:r>
-              <a:rPr lang="en-US" sz="1300">
+              <a:rPr lang="en-US" sz="1300" dirty="0">
                 <a:solidFill>
                   <a:schemeClr val="tx1"/>
                 </a:solidFill>
@@ -8707,7 +12523,7 @@
             </a:lvl9pPr>
           </a:lstStyle>
           <a:p>
-            <a:endParaRPr lang="nl-NL">
+            <a:endParaRPr lang="nl-NL" dirty="0">
               <a:solidFill>
                 <a:srgbClr val="0070C0"/>
               </a:solidFill>
@@ -9275,12 +13091,12 @@
               </a:rPr>
               <a:t>error prone type coersion.</a:t>
             </a:r>
-            <a:endParaRPr lang="en-US" sz="1400">
+            <a:endParaRPr lang="en-US" sz="1400" dirty="0">
               <a:latin typeface="Consolas" panose="020B0609020204030204" pitchFamily="49" charset="0"/>
             </a:endParaRPr>
           </a:p>
           <a:p>
-            <a:endParaRPr lang="nl-NL" sz="1400">
+            <a:endParaRPr lang="nl-NL" sz="1400" dirty="0">
               <a:solidFill>
                 <a:srgbClr val="CCCCCC"/>
               </a:solidFill>
@@ -9289,10 +13105,10 @@
           </a:p>
           <a:p>
             <a:pPr lvl="1"/>
-            <a:endParaRPr lang="en-US" sz="1400"/>
-          </a:p>
-          <a:p>
-            <a:endParaRPr lang="nl-NL"/>
+            <a:endParaRPr lang="en-US" sz="1400" dirty="0"/>
+          </a:p>
+          <a:p>
+            <a:endParaRPr lang="nl-NL" dirty="0"/>
           </a:p>
         </p:txBody>
       </p:sp>
@@ -9328,14 +13144,14 @@
               </a:spcAft>
             </a:pPr>
             <a:r>
-              <a:rPr lang="en-US">
+              <a:rPr lang="en-US" dirty="0">
                 <a:solidFill>
                   <a:srgbClr val="0070C0"/>
                 </a:solidFill>
               </a:rPr>
               <a:t>Example ST vs JS</a:t>
             </a:r>
-            <a:endParaRPr lang="nl-NL" sz="2800">
+            <a:endParaRPr lang="nl-NL" sz="2800" dirty="0">
               <a:solidFill>
                 <a:srgbClr val="0070C0"/>
               </a:solidFill>
@@ -9452,14 +13268,14 @@
               </a:tabLst>
             </a:pPr>
             <a:r>
-              <a:rPr lang="en-US" sz="2800">
+              <a:rPr lang="en-US" sz="2800" dirty="0">
                 <a:solidFill>
                   <a:srgbClr val="0070C0"/>
                 </a:solidFill>
               </a:rPr>
               <a:t>SmallJS	JavaScript</a:t>
             </a:r>
-            <a:endParaRPr lang="nl-NL" sz="2800">
+            <a:endParaRPr lang="nl-NL" sz="2800" dirty="0">
               <a:solidFill>
                 <a:srgbClr val="0070C0"/>
               </a:solidFill>
@@ -9471,926 +13287,6 @@
     <p:extLst>
       <p:ext uri="{BB962C8B-B14F-4D97-AF65-F5344CB8AC3E}">
         <p14:creationId xmlns:p14="http://schemas.microsoft.com/office/powerpoint/2010/main" val="3655274716"/>
-      </p:ext>
-    </p:extLst>
-  </p:cSld>
-  <p:clrMapOvr>
-    <a:masterClrMapping/>
-  </p:clrMapOvr>
-</p:sld>
-</file>
-
-<file path=ppt/slides/slide7.xml><?xml version="1.0" encoding="utf-8"?>
-<p:sld xmlns:a="http://schemas.openxmlformats.org/drawingml/2006/main" xmlns:r="http://schemas.openxmlformats.org/officeDocument/2006/relationships" xmlns:p="http://schemas.openxmlformats.org/presentationml/2006/main">
-  <p:cSld>
-    <p:spTree>
-      <p:nvGrpSpPr>
-        <p:cNvPr id="1" name=""/>
-        <p:cNvGrpSpPr/>
-        <p:nvPr/>
-      </p:nvGrpSpPr>
-      <p:grpSpPr>
-        <a:xfrm>
-          <a:off x="0" y="0"/>
-          <a:ext cx="0" cy="0"/>
-          <a:chOff x="0" y="0"/>
-          <a:chExt cx="0" cy="0"/>
-        </a:xfrm>
-      </p:grpSpPr>
-      <p:sp>
-        <p:nvSpPr>
-          <p:cNvPr id="8" name="Title 7">
-            <a:extLst>
-              <a:ext uri="{FF2B5EF4-FFF2-40B4-BE49-F238E27FC236}">
-                <a16:creationId xmlns:a16="http://schemas.microsoft.com/office/drawing/2014/main" id="{C388D08D-2DE2-F1EF-051B-1D2D8A8F724B}"/>
-              </a:ext>
-            </a:extLst>
-          </p:cNvPr>
-          <p:cNvSpPr>
-            <a:spLocks noGrp="1"/>
-          </p:cNvSpPr>
-          <p:nvPr>
-            <p:ph type="title"/>
-          </p:nvPr>
-        </p:nvSpPr>
-        <p:spPr>
-          <a:xfrm>
-            <a:off x="699912" y="425811"/>
-            <a:ext cx="8596668" cy="760943"/>
-          </a:xfrm>
-        </p:spPr>
-        <p:txBody>
-          <a:bodyPr/>
-          <a:lstStyle/>
-          <a:p>
-            <a:pPr algn="ctr">
-              <a:spcAft>
-                <a:spcPts val="2400"/>
-              </a:spcAft>
-            </a:pPr>
-            <a:r>
-              <a:rPr lang="en-US">
-                <a:solidFill>
-                  <a:srgbClr val="0070C0"/>
-                </a:solidFill>
-              </a:rPr>
-              <a:t>What about my new JS/TS features?</a:t>
-            </a:r>
-            <a:endParaRPr lang="nl-NL" sz="2800">
-              <a:solidFill>
-                <a:srgbClr val="0070C0"/>
-              </a:solidFill>
-            </a:endParaRPr>
-          </a:p>
-        </p:txBody>
-      </p:sp>
-      <p:graphicFrame>
-        <p:nvGraphicFramePr>
-          <p:cNvPr id="7" name="Table 9">
-            <a:extLst>
-              <a:ext uri="{FF2B5EF4-FFF2-40B4-BE49-F238E27FC236}">
-                <a16:creationId xmlns:a16="http://schemas.microsoft.com/office/drawing/2014/main" id="{92B6E55E-AD4F-C7A1-0A98-914507B764FF}"/>
-              </a:ext>
-            </a:extLst>
-          </p:cNvPr>
-          <p:cNvGraphicFramePr>
-            <a:graphicFrameLocks noGrp="1"/>
-          </p:cNvGraphicFramePr>
-          <p:nvPr>
-            <p:extLst>
-              <p:ext uri="{D42A27DB-BD31-4B8C-83A1-F6EECF244321}">
-                <p14:modId xmlns:p14="http://schemas.microsoft.com/office/powerpoint/2010/main" val="2228130788"/>
-              </p:ext>
-            </p:extLst>
-          </p:nvPr>
-        </p:nvGraphicFramePr>
-        <p:xfrm>
-          <a:off x="699912" y="1644906"/>
-          <a:ext cx="7202310" cy="4023360"/>
-        </p:xfrm>
-        <a:graphic>
-          <a:graphicData uri="http://schemas.openxmlformats.org/drawingml/2006/table">
-            <a:tbl>
-              <a:tblPr firstRow="1" bandRow="1">
-                <a:tableStyleId>{5C22544A-7EE6-4342-B048-85BDC9FD1C3A}</a:tableStyleId>
-              </a:tblPr>
-              <a:tblGrid>
-                <a:gridCol w="2920936">
-                  <a:extLst>
-                    <a:ext uri="{9D8B030D-6E8A-4147-A177-3AD203B41FA5}">
-                      <a16:colId xmlns:a16="http://schemas.microsoft.com/office/drawing/2014/main" val="210355143"/>
-                    </a:ext>
-                  </a:extLst>
-                </a:gridCol>
-                <a:gridCol w="4281374">
-                  <a:extLst>
-                    <a:ext uri="{9D8B030D-6E8A-4147-A177-3AD203B41FA5}">
-                      <a16:colId xmlns:a16="http://schemas.microsoft.com/office/drawing/2014/main" val="2332211"/>
-                    </a:ext>
-                  </a:extLst>
-                </a:gridCol>
-              </a:tblGrid>
-              <a:tr h="0">
-                <a:tc>
-                  <a:txBody>
-                    <a:bodyPr/>
-                    <a:lstStyle/>
-                    <a:p>
-                      <a:r>
-                        <a:rPr lang="en-US" sz="1600"/>
-                        <a:t>Feature</a:t>
-                      </a:r>
-                    </a:p>
-                  </a:txBody>
-                  <a:tcPr/>
-                </a:tc>
-                <a:tc>
-                  <a:txBody>
-                    <a:bodyPr/>
-                    <a:lstStyle/>
-                    <a:p>
-                      <a:r>
-                        <a:rPr lang="en-US" sz="1600"/>
-                        <a:t>ST solution</a:t>
-                      </a:r>
-                    </a:p>
-                  </a:txBody>
-                  <a:tcPr/>
-                </a:tc>
-                <a:extLst>
-                  <a:ext uri="{0D108BD9-81ED-4DB2-BD59-A6C34878D82A}">
-                    <a16:rowId xmlns:a16="http://schemas.microsoft.com/office/drawing/2014/main" val="2086558593"/>
-                  </a:ext>
-                </a:extLst>
-              </a:tr>
-              <a:tr h="0">
-                <a:tc>
-                  <a:txBody>
-                    <a:bodyPr/>
-                    <a:lstStyle/>
-                    <a:p>
-                      <a:r>
-                        <a:rPr lang="en-US" sz="1600"/>
-                        <a:t>functional programming</a:t>
-                      </a:r>
-                    </a:p>
-                  </a:txBody>
-                  <a:tcPr/>
-                </a:tc>
-                <a:tc>
-                  <a:txBody>
-                    <a:bodyPr/>
-                    <a:lstStyle/>
-                    <a:p>
-                      <a:r>
-                        <a:rPr lang="en-US" sz="1600"/>
-                        <a:t>Don't use state vars. Use array iterators.</a:t>
-                      </a:r>
-                    </a:p>
-                  </a:txBody>
-                  <a:tcPr/>
-                </a:tc>
-                <a:extLst>
-                  <a:ext uri="{0D108BD9-81ED-4DB2-BD59-A6C34878D82A}">
-                    <a16:rowId xmlns:a16="http://schemas.microsoft.com/office/drawing/2014/main" val="1009586556"/>
-                  </a:ext>
-                </a:extLst>
-              </a:tr>
-              <a:tr h="0">
-                <a:tc>
-                  <a:txBody>
-                    <a:bodyPr/>
-                    <a:lstStyle/>
-                    <a:p>
-                      <a:r>
-                        <a:rPr lang="en-US" sz="1600"/>
-                        <a:t>interface</a:t>
-                      </a:r>
-                    </a:p>
-                  </a:txBody>
-                  <a:tcPr/>
-                </a:tc>
-                <a:tc>
-                  <a:txBody>
-                    <a:bodyPr/>
-                    <a:lstStyle/>
-                    <a:p>
-                      <a:r>
-                        <a:rPr lang="en-US" sz="1600"/>
-                        <a:t>Abstract base class</a:t>
-                      </a:r>
-                    </a:p>
-                  </a:txBody>
-                  <a:tcPr/>
-                </a:tc>
-                <a:extLst>
-                  <a:ext uri="{0D108BD9-81ED-4DB2-BD59-A6C34878D82A}">
-                    <a16:rowId xmlns:a16="http://schemas.microsoft.com/office/drawing/2014/main" val="3963623770"/>
-                  </a:ext>
-                </a:extLst>
-              </a:tr>
-              <a:tr h="0">
-                <a:tc>
-                  <a:txBody>
-                    <a:bodyPr/>
-                    <a:lstStyle/>
-                    <a:p>
-                      <a:r>
-                        <a:rPr lang="en-US" sz="1600"/>
-                        <a:t>Record, tuple</a:t>
-                      </a:r>
-                    </a:p>
-                  </a:txBody>
-                  <a:tcPr/>
-                </a:tc>
-                <a:tc>
-                  <a:txBody>
-                    <a:bodyPr/>
-                    <a:lstStyle/>
-                    <a:p>
-                      <a:r>
-                        <a:rPr lang="en-US" sz="1600"/>
-                        <a:t>Class with only getters</a:t>
-                      </a:r>
-                    </a:p>
-                  </a:txBody>
-                  <a:tcPr/>
-                </a:tc>
-                <a:extLst>
-                  <a:ext uri="{0D108BD9-81ED-4DB2-BD59-A6C34878D82A}">
-                    <a16:rowId xmlns:a16="http://schemas.microsoft.com/office/drawing/2014/main" val="2574144308"/>
-                  </a:ext>
-                </a:extLst>
-              </a:tr>
-              <a:tr h="0">
-                <a:tc>
-                  <a:txBody>
-                    <a:bodyPr/>
-                    <a:lstStyle/>
-                    <a:p>
-                      <a:r>
-                        <a:rPr lang="en-US" sz="1600"/>
-                        <a:t>decorator</a:t>
-                      </a:r>
-                    </a:p>
-                  </a:txBody>
-                  <a:tcPr/>
-                </a:tc>
-                <a:tc>
-                  <a:txBody>
-                    <a:bodyPr/>
-                    <a:lstStyle/>
-                    <a:p>
-                      <a:r>
-                        <a:rPr lang="en-US" sz="1600"/>
-                        <a:t>Pass anonymous function (block)</a:t>
-                      </a:r>
-                    </a:p>
-                  </a:txBody>
-                  <a:tcPr/>
-                </a:tc>
-                <a:extLst>
-                  <a:ext uri="{0D108BD9-81ED-4DB2-BD59-A6C34878D82A}">
-                    <a16:rowId xmlns:a16="http://schemas.microsoft.com/office/drawing/2014/main" val="3491806834"/>
-                  </a:ext>
-                </a:extLst>
-              </a:tr>
-              <a:tr h="0">
-                <a:tc>
-                  <a:txBody>
-                    <a:bodyPr/>
-                    <a:lstStyle/>
-                    <a:p>
-                      <a:r>
-                        <a:rPr lang="en-US" sz="1600"/>
-                        <a:t>static</a:t>
-                      </a:r>
-                    </a:p>
-                  </a:txBody>
-                  <a:tcPr/>
-                </a:tc>
-                <a:tc>
-                  <a:txBody>
-                    <a:bodyPr/>
-                    <a:lstStyle/>
-                    <a:p>
-                      <a:r>
-                        <a:rPr lang="en-US" sz="1600"/>
-                        <a:t>Class method</a:t>
-                      </a:r>
-                    </a:p>
-                  </a:txBody>
-                  <a:tcPr/>
-                </a:tc>
-                <a:extLst>
-                  <a:ext uri="{0D108BD9-81ED-4DB2-BD59-A6C34878D82A}">
-                    <a16:rowId xmlns:a16="http://schemas.microsoft.com/office/drawing/2014/main" val="3247650158"/>
-                  </a:ext>
-                </a:extLst>
-              </a:tr>
-              <a:tr h="0">
-                <a:tc>
-                  <a:txBody>
-                    <a:bodyPr/>
-                    <a:lstStyle/>
-                    <a:p>
-                      <a:r>
-                        <a:rPr lang="en-US" sz="1600"/>
-                        <a:t>private</a:t>
-                      </a:r>
-                    </a:p>
-                  </a:txBody>
-                  <a:tcPr/>
-                </a:tc>
-                <a:tc>
-                  <a:txBody>
-                    <a:bodyPr/>
-                    <a:lstStyle/>
-                    <a:p>
-                      <a:r>
-                        <a:rPr lang="en-US" sz="1600"/>
-                        <a:t>No getter method</a:t>
-                      </a:r>
-                    </a:p>
-                  </a:txBody>
-                  <a:tcPr/>
-                </a:tc>
-                <a:extLst>
-                  <a:ext uri="{0D108BD9-81ED-4DB2-BD59-A6C34878D82A}">
-                    <a16:rowId xmlns:a16="http://schemas.microsoft.com/office/drawing/2014/main" val="987462627"/>
-                  </a:ext>
-                </a:extLst>
-              </a:tr>
-              <a:tr h="0">
-                <a:tc>
-                  <a:txBody>
-                    <a:bodyPr/>
-                    <a:lstStyle/>
-                    <a:p>
-                      <a:r>
-                        <a:rPr lang="en-US" sz="1600"/>
-                        <a:t>variable argument list</a:t>
-                      </a:r>
-                    </a:p>
-                  </a:txBody>
-                  <a:tcPr/>
-                </a:tc>
-                <a:tc>
-                  <a:txBody>
-                    <a:bodyPr/>
-                    <a:lstStyle/>
-                    <a:p>
-                      <a:r>
-                        <a:rPr lang="en-US" sz="1600"/>
-                        <a:t>Array</a:t>
-                      </a:r>
-                    </a:p>
-                  </a:txBody>
-                  <a:tcPr/>
-                </a:tc>
-                <a:extLst>
-                  <a:ext uri="{0D108BD9-81ED-4DB2-BD59-A6C34878D82A}">
-                    <a16:rowId xmlns:a16="http://schemas.microsoft.com/office/drawing/2014/main" val="1625230811"/>
-                  </a:ext>
-                </a:extLst>
-              </a:tr>
-              <a:tr h="0">
-                <a:tc>
-                  <a:txBody>
-                    <a:bodyPr/>
-                    <a:lstStyle/>
-                    <a:p>
-                      <a:r>
-                        <a:rPr lang="en-US" sz="1600"/>
-                        <a:t>optional argument</a:t>
-                      </a:r>
-                    </a:p>
-                  </a:txBody>
-                  <a:tcPr/>
-                </a:tc>
-                <a:tc>
-                  <a:txBody>
-                    <a:bodyPr/>
-                    <a:lstStyle/>
-                    <a:p>
-                      <a:r>
-                        <a:rPr lang="en-US" sz="1600"/>
-                        <a:t>Extra 1-line method</a:t>
-                      </a:r>
-                    </a:p>
-                  </a:txBody>
-                  <a:tcPr/>
-                </a:tc>
-                <a:extLst>
-                  <a:ext uri="{0D108BD9-81ED-4DB2-BD59-A6C34878D82A}">
-                    <a16:rowId xmlns:a16="http://schemas.microsoft.com/office/drawing/2014/main" val="3227197200"/>
-                  </a:ext>
-                </a:extLst>
-              </a:tr>
-              <a:tr h="0">
-                <a:tc>
-                  <a:txBody>
-                    <a:bodyPr/>
-                    <a:lstStyle/>
-                    <a:p>
-                      <a:r>
-                        <a:rPr lang="en-US" sz="1600"/>
-                        <a:t>import / export </a:t>
-                      </a:r>
-                    </a:p>
-                  </a:txBody>
-                  <a:tcPr/>
-                </a:tc>
-                <a:tc>
-                  <a:txBody>
-                    <a:bodyPr/>
-                    <a:lstStyle/>
-                    <a:p>
-                      <a:r>
-                        <a:rPr lang="en-US" sz="1600"/>
-                        <a:t>Automatic</a:t>
-                      </a:r>
-                    </a:p>
-                  </a:txBody>
-                  <a:tcPr/>
-                </a:tc>
-                <a:extLst>
-                  <a:ext uri="{0D108BD9-81ED-4DB2-BD59-A6C34878D82A}">
-                    <a16:rowId xmlns:a16="http://schemas.microsoft.com/office/drawing/2014/main" val="1444702884"/>
-                  </a:ext>
-                </a:extLst>
-              </a:tr>
-              <a:tr h="0">
-                <a:tc>
-                  <a:txBody>
-                    <a:bodyPr/>
-                    <a:lstStyle/>
-                    <a:p>
-                      <a:r>
-                        <a:rPr lang="en-US" sz="1600"/>
-                        <a:t>async / await</a:t>
-                      </a:r>
-                    </a:p>
-                  </a:txBody>
-                  <a:tcPr/>
-                </a:tc>
-                <a:tc>
-                  <a:txBody>
-                    <a:bodyPr/>
-                    <a:lstStyle/>
-                    <a:p>
-                      <a:r>
-                        <a:rPr lang="en-US" sz="1600"/>
-                        <a:t>Implemented, unfortunately...</a:t>
-                      </a:r>
-                    </a:p>
-                  </a:txBody>
-                  <a:tcPr/>
-                </a:tc>
-                <a:extLst>
-                  <a:ext uri="{0D108BD9-81ED-4DB2-BD59-A6C34878D82A}">
-                    <a16:rowId xmlns:a16="http://schemas.microsoft.com/office/drawing/2014/main" val="335856941"/>
-                  </a:ext>
-                </a:extLst>
-              </a:tr>
-              <a:tr h="0">
-                <a:tc>
-                  <a:txBody>
-                    <a:bodyPr/>
-                    <a:lstStyle/>
-                    <a:p>
-                      <a:r>
-                        <a:rPr lang="en-US" sz="1600"/>
-                        <a:t>type checking</a:t>
-                      </a:r>
-                    </a:p>
-                  </a:txBody>
-                  <a:tcPr/>
-                </a:tc>
-                <a:tc>
-                  <a:txBody>
-                    <a:bodyPr/>
-                    <a:lstStyle/>
-                    <a:p>
-                      <a:r>
-                        <a:rPr lang="en-US" sz="1600"/>
-                        <a:t>Build IDE type inferencing (not yet)</a:t>
-                      </a:r>
-                    </a:p>
-                  </a:txBody>
-                  <a:tcPr/>
-                </a:tc>
-                <a:extLst>
-                  <a:ext uri="{0D108BD9-81ED-4DB2-BD59-A6C34878D82A}">
-                    <a16:rowId xmlns:a16="http://schemas.microsoft.com/office/drawing/2014/main" val="2666908373"/>
-                  </a:ext>
-                </a:extLst>
-              </a:tr>
-            </a:tbl>
-          </a:graphicData>
-        </a:graphic>
-      </p:graphicFrame>
-      <p:sp>
-        <p:nvSpPr>
-          <p:cNvPr id="10" name="TextBox 9">
-            <a:extLst>
-              <a:ext uri="{FF2B5EF4-FFF2-40B4-BE49-F238E27FC236}">
-                <a16:creationId xmlns:a16="http://schemas.microsoft.com/office/drawing/2014/main" id="{F6001308-5505-274F-EC04-C15B24D7F4C8}"/>
-              </a:ext>
-            </a:extLst>
-          </p:cNvPr>
-          <p:cNvSpPr txBox="1"/>
-          <p:nvPr/>
-        </p:nvSpPr>
-        <p:spPr>
-          <a:xfrm>
-            <a:off x="640736" y="1137700"/>
-            <a:ext cx="7651072" cy="369332"/>
-          </a:xfrm>
-          <a:prstGeom prst="rect">
-            <a:avLst/>
-          </a:prstGeom>
-          <a:noFill/>
-        </p:spPr>
-        <p:txBody>
-          <a:bodyPr wrap="square" rtlCol="0">
-            <a:spAutoFit/>
-          </a:bodyPr>
-          <a:lstStyle/>
-          <a:p>
-            <a:r>
-              <a:rPr lang="en-US"/>
-              <a:t>ST implementation of JS/TS language features.</a:t>
-            </a:r>
-          </a:p>
-        </p:txBody>
-      </p:sp>
-      <p:sp>
-        <p:nvSpPr>
-          <p:cNvPr id="11" name="TextBox 10">
-            <a:extLst>
-              <a:ext uri="{FF2B5EF4-FFF2-40B4-BE49-F238E27FC236}">
-                <a16:creationId xmlns:a16="http://schemas.microsoft.com/office/drawing/2014/main" id="{03C50045-EC2D-400B-03B0-43677B3B8D26}"/>
-              </a:ext>
-            </a:extLst>
-          </p:cNvPr>
-          <p:cNvSpPr txBox="1"/>
-          <p:nvPr/>
-        </p:nvSpPr>
-        <p:spPr>
-          <a:xfrm>
-            <a:off x="8291808" y="3160214"/>
-            <a:ext cx="3206045" cy="1328023"/>
-          </a:xfrm>
-          <a:prstGeom prst="roundRect">
-            <a:avLst/>
-          </a:prstGeom>
-          <a:ln w="38100"/>
-        </p:spPr>
-        <p:style>
-          <a:lnRef idx="2">
-            <a:schemeClr val="accent1"/>
-          </a:lnRef>
-          <a:fillRef idx="1">
-            <a:schemeClr val="lt1"/>
-          </a:fillRef>
-          <a:effectRef idx="0">
-            <a:schemeClr val="accent1"/>
-          </a:effectRef>
-          <a:fontRef idx="minor">
-            <a:schemeClr val="dk1"/>
-          </a:fontRef>
-        </p:style>
-        <p:txBody>
-          <a:bodyPr wrap="square" rtlCol="0">
-            <a:spAutoFit/>
-          </a:bodyPr>
-          <a:lstStyle/>
-          <a:p>
-            <a:r>
-              <a:rPr lang="en-US"/>
-              <a:t>The philosophy is that retaining simplicity </a:t>
-            </a:r>
-          </a:p>
-          <a:p>
-            <a:r>
-              <a:rPr lang="en-US"/>
-              <a:t>is worth some extra lines of  encapsulated code.</a:t>
-            </a:r>
-          </a:p>
-        </p:txBody>
-      </p:sp>
-    </p:spTree>
-    <p:extLst>
-      <p:ext uri="{BB962C8B-B14F-4D97-AF65-F5344CB8AC3E}">
-        <p14:creationId xmlns:p14="http://schemas.microsoft.com/office/powerpoint/2010/main" val="2350656856"/>
-      </p:ext>
-    </p:extLst>
-  </p:cSld>
-  <p:clrMapOvr>
-    <a:masterClrMapping/>
-  </p:clrMapOvr>
-</p:sld>
-</file>
-
-<file path=ppt/slides/slide8.xml><?xml version="1.0" encoding="utf-8"?>
-<p:sld xmlns:a="http://schemas.openxmlformats.org/drawingml/2006/main" xmlns:r="http://schemas.openxmlformats.org/officeDocument/2006/relationships" xmlns:p="http://schemas.openxmlformats.org/presentationml/2006/main">
-  <p:cSld>
-    <p:spTree>
-      <p:nvGrpSpPr>
-        <p:cNvPr id="1" name=""/>
-        <p:cNvGrpSpPr/>
-        <p:nvPr/>
-      </p:nvGrpSpPr>
-      <p:grpSpPr>
-        <a:xfrm>
-          <a:off x="0" y="0"/>
-          <a:ext cx="0" cy="0"/>
-          <a:chOff x="0" y="0"/>
-          <a:chExt cx="0" cy="0"/>
-        </a:xfrm>
-      </p:grpSpPr>
-      <p:sp>
-        <p:nvSpPr>
-          <p:cNvPr id="2" name="Title 1">
-            <a:extLst>
-              <a:ext uri="{FF2B5EF4-FFF2-40B4-BE49-F238E27FC236}">
-                <a16:creationId xmlns:a16="http://schemas.microsoft.com/office/drawing/2014/main" id="{5BADE274-46AE-3FD4-3F75-D108B44442FC}"/>
-              </a:ext>
-            </a:extLst>
-          </p:cNvPr>
-          <p:cNvSpPr>
-            <a:spLocks noGrp="1"/>
-          </p:cNvSpPr>
-          <p:nvPr>
-            <p:ph type="title"/>
-          </p:nvPr>
-        </p:nvSpPr>
-        <p:spPr/>
-        <p:txBody>
-          <a:bodyPr>
-            <a:normAutofit/>
-          </a:bodyPr>
-          <a:lstStyle/>
-          <a:p>
-            <a:r>
-              <a:rPr lang="en-US">
-                <a:solidFill>
-                  <a:srgbClr val="0070C0"/>
-                </a:solidFill>
-              </a:rPr>
-              <a:t>SmallJS vs traditional Smalltalks</a:t>
-            </a:r>
-            <a:br>
-              <a:rPr lang="en-US">
-                <a:solidFill>
-                  <a:srgbClr val="0070C0"/>
-                </a:solidFill>
-              </a:rPr>
-            </a:br>
-            <a:r>
-              <a:rPr lang="en-US" sz="2400">
-                <a:solidFill>
-                  <a:srgbClr val="0070C0"/>
-                </a:solidFill>
-              </a:rPr>
-              <a:t>(E.g.: Pharo, Dolphin, Cincom, Squeak)</a:t>
-            </a:r>
-            <a:endParaRPr lang="nl-NL" sz="2400">
-              <a:solidFill>
-                <a:srgbClr val="0070C0"/>
-              </a:solidFill>
-            </a:endParaRPr>
-          </a:p>
-        </p:txBody>
-      </p:sp>
-      <p:sp>
-        <p:nvSpPr>
-          <p:cNvPr id="3" name="Content Placeholder 2">
-            <a:extLst>
-              <a:ext uri="{FF2B5EF4-FFF2-40B4-BE49-F238E27FC236}">
-                <a16:creationId xmlns:a16="http://schemas.microsoft.com/office/drawing/2014/main" id="{2E82CB3C-C7CA-C813-C0CC-E0C4F3201309}"/>
-              </a:ext>
-            </a:extLst>
-          </p:cNvPr>
-          <p:cNvSpPr>
-            <a:spLocks noGrp="1"/>
-          </p:cNvSpPr>
-          <p:nvPr>
-            <p:ph idx="1"/>
-          </p:nvPr>
-        </p:nvSpPr>
-        <p:spPr>
-          <a:xfrm>
-            <a:off x="677334" y="1930400"/>
-            <a:ext cx="8596668" cy="4447822"/>
-          </a:xfrm>
-        </p:spPr>
-        <p:txBody>
-          <a:bodyPr>
-            <a:normAutofit/>
-          </a:bodyPr>
-          <a:lstStyle/>
-          <a:p>
-            <a:r>
-              <a:rPr lang="en-US" sz="2400"/>
-              <a:t>File-based (not image-based)</a:t>
-            </a:r>
-          </a:p>
-          <a:p>
-            <a:pPr lvl="1"/>
-            <a:r>
-              <a:rPr lang="en-US"/>
-              <a:t>Easy source control in clear hierarchy. IDE safely separate from code. Modular class loading iso unsafe image stripping. Can use rich and familiar IDE (VSCode).</a:t>
-            </a:r>
-          </a:p>
-          <a:p>
-            <a:r>
-              <a:rPr lang="en-US" sz="2400"/>
-              <a:t>Run anywhere</a:t>
-            </a:r>
-          </a:p>
-          <a:p>
-            <a:pPr lvl="1"/>
-            <a:r>
-              <a:rPr lang="en-US"/>
-              <a:t>One language for front-end and back-end apps in all browsers and Node.js.</a:t>
-            </a:r>
-            <a:br>
-              <a:rPr lang="en-US"/>
-            </a:br>
-            <a:r>
-              <a:rPr lang="en-US"/>
-              <a:t>So also runs on mobile devices.</a:t>
-            </a:r>
-          </a:p>
-          <a:p>
-            <a:r>
-              <a:rPr lang="en-US" sz="2400"/>
-              <a:t>Integrates smoothly with the rich JS ecosystem</a:t>
-            </a:r>
-          </a:p>
-          <a:p>
-            <a:pPr lvl="1"/>
-            <a:r>
-              <a:rPr lang="en-US"/>
-              <a:t>Typically 1 line of interfacing code per encapsulated JS method.</a:t>
-            </a:r>
-          </a:p>
-          <a:p>
-            <a:pPr lvl="1"/>
-            <a:r>
-              <a:rPr lang="en-US"/>
-              <a:t>ST can call JS and vice versa.</a:t>
-            </a:r>
-          </a:p>
-          <a:p>
-            <a:pPr lvl="1"/>
-            <a:r>
-              <a:rPr lang="en-US"/>
-              <a:t>Newly available JS features and libraries can be integrated quickly.</a:t>
-            </a:r>
-          </a:p>
-        </p:txBody>
-      </p:sp>
-    </p:spTree>
-    <p:extLst>
-      <p:ext uri="{BB962C8B-B14F-4D97-AF65-F5344CB8AC3E}">
-        <p14:creationId xmlns:p14="http://schemas.microsoft.com/office/powerpoint/2010/main" val="4145308596"/>
-      </p:ext>
-    </p:extLst>
-  </p:cSld>
-  <p:clrMapOvr>
-    <a:masterClrMapping/>
-  </p:clrMapOvr>
-</p:sld>
-</file>
-
-<file path=ppt/slides/slide9.xml><?xml version="1.0" encoding="utf-8"?>
-<p:sld xmlns:a="http://schemas.openxmlformats.org/drawingml/2006/main" xmlns:r="http://schemas.openxmlformats.org/officeDocument/2006/relationships" xmlns:p="http://schemas.openxmlformats.org/presentationml/2006/main">
-  <p:cSld>
-    <p:spTree>
-      <p:nvGrpSpPr>
-        <p:cNvPr id="1" name=""/>
-        <p:cNvGrpSpPr/>
-        <p:nvPr/>
-      </p:nvGrpSpPr>
-      <p:grpSpPr>
-        <a:xfrm>
-          <a:off x="0" y="0"/>
-          <a:ext cx="0" cy="0"/>
-          <a:chOff x="0" y="0"/>
-          <a:chExt cx="0" cy="0"/>
-        </a:xfrm>
-      </p:grpSpPr>
-      <p:sp>
-        <p:nvSpPr>
-          <p:cNvPr id="2" name="Title 1">
-            <a:extLst>
-              <a:ext uri="{FF2B5EF4-FFF2-40B4-BE49-F238E27FC236}">
-                <a16:creationId xmlns:a16="http://schemas.microsoft.com/office/drawing/2014/main" id="{5BADE274-46AE-3FD4-3F75-D108B44442FC}"/>
-              </a:ext>
-            </a:extLst>
-          </p:cNvPr>
-          <p:cNvSpPr>
-            <a:spLocks noGrp="1"/>
-          </p:cNvSpPr>
-          <p:nvPr>
-            <p:ph type="title"/>
-          </p:nvPr>
-        </p:nvSpPr>
-        <p:spPr>
-          <a:xfrm>
-            <a:off x="677334" y="609600"/>
-            <a:ext cx="8596668" cy="654756"/>
-          </a:xfrm>
-        </p:spPr>
-        <p:txBody>
-          <a:bodyPr/>
-          <a:lstStyle/>
-          <a:p>
-            <a:r>
-              <a:rPr lang="en-US">
-                <a:solidFill>
-                  <a:srgbClr val="0070C0"/>
-                </a:solidFill>
-              </a:rPr>
-              <a:t>SmallJS trade-offs</a:t>
-            </a:r>
-            <a:endParaRPr lang="nl-NL">
-              <a:solidFill>
-                <a:srgbClr val="0070C0"/>
-              </a:solidFill>
-            </a:endParaRPr>
-          </a:p>
-        </p:txBody>
-      </p:sp>
-      <p:sp>
-        <p:nvSpPr>
-          <p:cNvPr id="3" name="Content Placeholder 2">
-            <a:extLst>
-              <a:ext uri="{FF2B5EF4-FFF2-40B4-BE49-F238E27FC236}">
-                <a16:creationId xmlns:a16="http://schemas.microsoft.com/office/drawing/2014/main" id="{2E82CB3C-C7CA-C813-C0CC-E0C4F3201309}"/>
-              </a:ext>
-            </a:extLst>
-          </p:cNvPr>
-          <p:cNvSpPr>
-            <a:spLocks noGrp="1"/>
-          </p:cNvSpPr>
-          <p:nvPr>
-            <p:ph idx="1"/>
-          </p:nvPr>
-        </p:nvSpPr>
-        <p:spPr>
-          <a:xfrm>
-            <a:off x="530578" y="1488613"/>
-            <a:ext cx="8596668" cy="3880773"/>
-          </a:xfrm>
-        </p:spPr>
-        <p:txBody>
-          <a:bodyPr/>
-          <a:lstStyle/>
-          <a:p>
-            <a:r>
-              <a:rPr lang="en-US" sz="2400"/>
-              <a:t>ST is dynamically typed</a:t>
-            </a:r>
-          </a:p>
-          <a:p>
-            <a:pPr lvl="1"/>
-            <a:r>
-              <a:rPr lang="en-US" sz="2000"/>
-              <a:t>An IDE enhancement cloud help here.</a:t>
-            </a:r>
-          </a:p>
-          <a:p>
-            <a:pPr lvl="1"/>
-            <a:r>
-              <a:rPr lang="en-US" sz="2000"/>
-              <a:t>And optional typing like TS is an idea...</a:t>
-            </a:r>
-          </a:p>
-          <a:p>
-            <a:r>
-              <a:rPr lang="en-US" sz="2400"/>
-              <a:t>No namespaces (yet)</a:t>
-            </a:r>
-          </a:p>
-          <a:p>
-            <a:r>
-              <a:rPr lang="en-US" sz="2400"/>
-              <a:t>Tiny community</a:t>
-            </a:r>
-          </a:p>
-          <a:p>
-            <a:endParaRPr lang="nl-NL"/>
-          </a:p>
-        </p:txBody>
-      </p:sp>
-    </p:spTree>
-    <p:extLst>
-      <p:ext uri="{BB962C8B-B14F-4D97-AF65-F5344CB8AC3E}">
-        <p14:creationId xmlns:p14="http://schemas.microsoft.com/office/powerpoint/2010/main" val="3575216965"/>
       </p:ext>
     </p:extLst>
   </p:cSld>
